--- a/AWS/document/ppt/목업.pptx
+++ b/AWS/document/ppt/목업.pptx
@@ -4,13 +4,19 @@
   <p:sldMasterIdLst>
     <p:sldMasterId id="2147483648" r:id="rId1"/>
   </p:sldMasterIdLst>
+  <p:notesMasterIdLst>
+    <p:notesMasterId r:id="rId11"/>
+  </p:notesMasterIdLst>
   <p:sldIdLst>
     <p:sldId id="256" r:id="rId2"/>
     <p:sldId id="257" r:id="rId3"/>
     <p:sldId id="258" r:id="rId4"/>
-    <p:sldId id="259" r:id="rId5"/>
-    <p:sldId id="260" r:id="rId6"/>
-    <p:sldId id="261" r:id="rId7"/>
+    <p:sldId id="262" r:id="rId5"/>
+    <p:sldId id="264" r:id="rId6"/>
+    <p:sldId id="263" r:id="rId7"/>
+    <p:sldId id="259" r:id="rId8"/>
+    <p:sldId id="260" r:id="rId9"/>
+    <p:sldId id="261" r:id="rId10"/>
   </p:sldIdLst>
   <p:sldSz cx="12192000" cy="6858000"/>
   <p:notesSz cx="6858000" cy="9144000"/>
@@ -117,6 +123,800 @@
 </p:presentation>
 </file>
 
+<file path=ppt/commentAuthors.xml><?xml version="1.0" encoding="utf-8"?>
+<p:cmAuthorLst xmlns:a="http://schemas.openxmlformats.org/drawingml/2006/main" xmlns:r="http://schemas.openxmlformats.org/officeDocument/2006/relationships" xmlns:p="http://schemas.openxmlformats.org/presentationml/2006/main">
+  <p:cmAuthor id="1" name="김지환" initials="김" lastIdx="1" clrIdx="0">
+    <p:extLst>
+      <p:ext uri="{19B8F6BF-5375-455C-9EA6-DF929625EA0E}">
+        <p15:presenceInfo xmlns:p15="http://schemas.microsoft.com/office/powerpoint/2012/main" userId="S::15109323@seoultech.ac.kr::1c756010-58d6-478b-a18c-54f59dd1fc47" providerId="AD"/>
+      </p:ext>
+    </p:extLst>
+  </p:cmAuthor>
+</p:cmAuthorLst>
+</file>
+
+<file path=ppt/comments/comment1.xml><?xml version="1.0" encoding="utf-8"?>
+<p:cmLst xmlns:a="http://schemas.openxmlformats.org/drawingml/2006/main" xmlns:r="http://schemas.openxmlformats.org/officeDocument/2006/relationships" xmlns:p="http://schemas.openxmlformats.org/presentationml/2006/main">
+  <p:cm authorId="1" dt="2021-07-14T12:27:05.454" idx="1">
+    <p:pos x="346" y="-158"/>
+    <p:text/>
+    <p:extLst>
+      <p:ext uri="{C676402C-5697-4E1C-873F-D02D1690AC5C}">
+        <p15:threadingInfo xmlns:p15="http://schemas.microsoft.com/office/powerpoint/2012/main" timeZoneBias="-540"/>
+      </p:ext>
+    </p:extLst>
+  </p:cm>
+</p:cmLst>
+</file>
+
+<file path=ppt/notesMasters/notesMaster1.xml><?xml version="1.0" encoding="utf-8"?>
+<p:notesMaster xmlns:a="http://schemas.openxmlformats.org/drawingml/2006/main" xmlns:r="http://schemas.openxmlformats.org/officeDocument/2006/relationships" xmlns:p="http://schemas.openxmlformats.org/presentationml/2006/main">
+  <p:cSld>
+    <p:bg>
+      <p:bgRef idx="1001">
+        <a:schemeClr val="bg1"/>
+      </p:bgRef>
+    </p:bg>
+    <p:spTree>
+      <p:nvGrpSpPr>
+        <p:cNvPr id="1" name=""/>
+        <p:cNvGrpSpPr/>
+        <p:nvPr/>
+      </p:nvGrpSpPr>
+      <p:grpSpPr>
+        <a:xfrm>
+          <a:off x="0" y="0"/>
+          <a:ext cx="0" cy="0"/>
+          <a:chOff x="0" y="0"/>
+          <a:chExt cx="0" cy="0"/>
+        </a:xfrm>
+      </p:grpSpPr>
+      <p:sp>
+        <p:nvSpPr>
+          <p:cNvPr id="2" name="머리글 개체 틀 1"/>
+          <p:cNvSpPr>
+            <a:spLocks noGrp="1"/>
+          </p:cNvSpPr>
+          <p:nvPr>
+            <p:ph type="hdr" sz="quarter"/>
+          </p:nvPr>
+        </p:nvSpPr>
+        <p:spPr>
+          <a:xfrm>
+            <a:off x="0" y="0"/>
+            <a:ext cx="2971800" cy="458788"/>
+          </a:xfrm>
+          <a:prstGeom prst="rect">
+            <a:avLst/>
+          </a:prstGeom>
+        </p:spPr>
+        <p:txBody>
+          <a:bodyPr vert="horz" lIns="91440" tIns="45720" rIns="91440" bIns="45720" rtlCol="0"/>
+          <a:lstStyle>
+            <a:lvl1pPr algn="l">
+              <a:defRPr sz="1200"/>
+            </a:lvl1pPr>
+          </a:lstStyle>
+          <a:p>
+            <a:endParaRPr lang="ko-KR" altLang="en-US"/>
+          </a:p>
+        </p:txBody>
+      </p:sp>
+      <p:sp>
+        <p:nvSpPr>
+          <p:cNvPr id="3" name="날짜 개체 틀 2"/>
+          <p:cNvSpPr>
+            <a:spLocks noGrp="1"/>
+          </p:cNvSpPr>
+          <p:nvPr>
+            <p:ph type="dt" idx="1"/>
+          </p:nvPr>
+        </p:nvSpPr>
+        <p:spPr>
+          <a:xfrm>
+            <a:off x="3884613" y="0"/>
+            <a:ext cx="2971800" cy="458788"/>
+          </a:xfrm>
+          <a:prstGeom prst="rect">
+            <a:avLst/>
+          </a:prstGeom>
+        </p:spPr>
+        <p:txBody>
+          <a:bodyPr vert="horz" lIns="91440" tIns="45720" rIns="91440" bIns="45720" rtlCol="0"/>
+          <a:lstStyle>
+            <a:lvl1pPr algn="r">
+              <a:defRPr sz="1200"/>
+            </a:lvl1pPr>
+          </a:lstStyle>
+          <a:p>
+            <a:fld id="{259089DF-D129-42DA-8D8B-349E0C9EA766}" type="datetimeFigureOut">
+              <a:rPr lang="ko-KR" altLang="en-US" smtClean="0"/>
+              <a:t>2021-07-14</a:t>
+            </a:fld>
+            <a:endParaRPr lang="ko-KR" altLang="en-US"/>
+          </a:p>
+        </p:txBody>
+      </p:sp>
+      <p:sp>
+        <p:nvSpPr>
+          <p:cNvPr id="4" name="슬라이드 이미지 개체 틀 3"/>
+          <p:cNvSpPr>
+            <a:spLocks noGrp="1" noRot="1" noChangeAspect="1"/>
+          </p:cNvSpPr>
+          <p:nvPr>
+            <p:ph type="sldImg" idx="2"/>
+          </p:nvPr>
+        </p:nvSpPr>
+        <p:spPr>
+          <a:xfrm>
+            <a:off x="685800" y="1143000"/>
+            <a:ext cx="5486400" cy="3086100"/>
+          </a:xfrm>
+          <a:prstGeom prst="rect">
+            <a:avLst/>
+          </a:prstGeom>
+          <a:noFill/>
+          <a:ln w="12700">
+            <a:solidFill>
+              <a:prstClr val="black"/>
+            </a:solidFill>
+          </a:ln>
+        </p:spPr>
+        <p:txBody>
+          <a:bodyPr vert="horz" lIns="91440" tIns="45720" rIns="91440" bIns="45720" rtlCol="0" anchor="ctr"/>
+          <a:lstStyle/>
+          <a:p>
+            <a:endParaRPr lang="ko-KR" altLang="en-US"/>
+          </a:p>
+        </p:txBody>
+      </p:sp>
+      <p:sp>
+        <p:nvSpPr>
+          <p:cNvPr id="5" name="슬라이드 노트 개체 틀 4"/>
+          <p:cNvSpPr>
+            <a:spLocks noGrp="1"/>
+          </p:cNvSpPr>
+          <p:nvPr>
+            <p:ph type="body" sz="quarter" idx="3"/>
+          </p:nvPr>
+        </p:nvSpPr>
+        <p:spPr>
+          <a:xfrm>
+            <a:off x="685800" y="4400550"/>
+            <a:ext cx="5486400" cy="3600450"/>
+          </a:xfrm>
+          <a:prstGeom prst="rect">
+            <a:avLst/>
+          </a:prstGeom>
+        </p:spPr>
+        <p:txBody>
+          <a:bodyPr vert="horz" lIns="91440" tIns="45720" rIns="91440" bIns="45720" rtlCol="0"/>
+          <a:lstStyle/>
+          <a:p>
+            <a:pPr lvl="0"/>
+            <a:r>
+              <a:rPr lang="ko-KR" altLang="en-US"/>
+              <a:t>마스터 텍스트 스타일을 편집하려면 클릭</a:t>
+            </a:r>
+          </a:p>
+          <a:p>
+            <a:pPr lvl="1"/>
+            <a:r>
+              <a:rPr lang="ko-KR" altLang="en-US"/>
+              <a:t>두 번째 수준</a:t>
+            </a:r>
+          </a:p>
+          <a:p>
+            <a:pPr lvl="2"/>
+            <a:r>
+              <a:rPr lang="ko-KR" altLang="en-US"/>
+              <a:t>세 번째 수준</a:t>
+            </a:r>
+          </a:p>
+          <a:p>
+            <a:pPr lvl="3"/>
+            <a:r>
+              <a:rPr lang="ko-KR" altLang="en-US"/>
+              <a:t>네 번째 수준</a:t>
+            </a:r>
+          </a:p>
+          <a:p>
+            <a:pPr lvl="4"/>
+            <a:r>
+              <a:rPr lang="ko-KR" altLang="en-US"/>
+              <a:t>다섯 번째 수준</a:t>
+            </a:r>
+          </a:p>
+        </p:txBody>
+      </p:sp>
+      <p:sp>
+        <p:nvSpPr>
+          <p:cNvPr id="6" name="바닥글 개체 틀 5"/>
+          <p:cNvSpPr>
+            <a:spLocks noGrp="1"/>
+          </p:cNvSpPr>
+          <p:nvPr>
+            <p:ph type="ftr" sz="quarter" idx="4"/>
+          </p:nvPr>
+        </p:nvSpPr>
+        <p:spPr>
+          <a:xfrm>
+            <a:off x="0" y="8685213"/>
+            <a:ext cx="2971800" cy="458787"/>
+          </a:xfrm>
+          <a:prstGeom prst="rect">
+            <a:avLst/>
+          </a:prstGeom>
+        </p:spPr>
+        <p:txBody>
+          <a:bodyPr vert="horz" lIns="91440" tIns="45720" rIns="91440" bIns="45720" rtlCol="0" anchor="b"/>
+          <a:lstStyle>
+            <a:lvl1pPr algn="l">
+              <a:defRPr sz="1200"/>
+            </a:lvl1pPr>
+          </a:lstStyle>
+          <a:p>
+            <a:endParaRPr lang="ko-KR" altLang="en-US"/>
+          </a:p>
+        </p:txBody>
+      </p:sp>
+      <p:sp>
+        <p:nvSpPr>
+          <p:cNvPr id="7" name="슬라이드 번호 개체 틀 6"/>
+          <p:cNvSpPr>
+            <a:spLocks noGrp="1"/>
+          </p:cNvSpPr>
+          <p:nvPr>
+            <p:ph type="sldNum" sz="quarter" idx="5"/>
+          </p:nvPr>
+        </p:nvSpPr>
+        <p:spPr>
+          <a:xfrm>
+            <a:off x="3884613" y="8685213"/>
+            <a:ext cx="2971800" cy="458787"/>
+          </a:xfrm>
+          <a:prstGeom prst="rect">
+            <a:avLst/>
+          </a:prstGeom>
+        </p:spPr>
+        <p:txBody>
+          <a:bodyPr vert="horz" lIns="91440" tIns="45720" rIns="91440" bIns="45720" rtlCol="0" anchor="b"/>
+          <a:lstStyle>
+            <a:lvl1pPr algn="r">
+              <a:defRPr sz="1200"/>
+            </a:lvl1pPr>
+          </a:lstStyle>
+          <a:p>
+            <a:fld id="{5752F5DB-188C-42D6-B2B2-D3FA129AF416}" type="slidenum">
+              <a:rPr lang="ko-KR" altLang="en-US" smtClean="0"/>
+              <a:t>‹#›</a:t>
+            </a:fld>
+            <a:endParaRPr lang="ko-KR" altLang="en-US"/>
+          </a:p>
+        </p:txBody>
+      </p:sp>
+    </p:spTree>
+    <p:extLst>
+      <p:ext uri="{BB962C8B-B14F-4D97-AF65-F5344CB8AC3E}">
+        <p14:creationId xmlns:p14="http://schemas.microsoft.com/office/powerpoint/2010/main" val="2187367494"/>
+      </p:ext>
+    </p:extLst>
+  </p:cSld>
+  <p:clrMap bg1="lt1" tx1="dk1" bg2="lt2" tx2="dk2" accent1="accent1" accent2="accent2" accent3="accent3" accent4="accent4" accent5="accent5" accent6="accent6" hlink="hlink" folHlink="folHlink"/>
+  <p:notesStyle>
+    <a:lvl1pPr marL="0" algn="l" defTabSz="914400" rtl="0" eaLnBrk="1" latinLnBrk="1" hangingPunct="1">
+      <a:defRPr sz="1200" kern="1200">
+        <a:solidFill>
+          <a:schemeClr val="tx1"/>
+        </a:solidFill>
+        <a:latin typeface="+mn-lt"/>
+        <a:ea typeface="+mn-ea"/>
+        <a:cs typeface="+mn-cs"/>
+      </a:defRPr>
+    </a:lvl1pPr>
+    <a:lvl2pPr marL="457200" algn="l" defTabSz="914400" rtl="0" eaLnBrk="1" latinLnBrk="1" hangingPunct="1">
+      <a:defRPr sz="1200" kern="1200">
+        <a:solidFill>
+          <a:schemeClr val="tx1"/>
+        </a:solidFill>
+        <a:latin typeface="+mn-lt"/>
+        <a:ea typeface="+mn-ea"/>
+        <a:cs typeface="+mn-cs"/>
+      </a:defRPr>
+    </a:lvl2pPr>
+    <a:lvl3pPr marL="914400" algn="l" defTabSz="914400" rtl="0" eaLnBrk="1" latinLnBrk="1" hangingPunct="1">
+      <a:defRPr sz="1200" kern="1200">
+        <a:solidFill>
+          <a:schemeClr val="tx1"/>
+        </a:solidFill>
+        <a:latin typeface="+mn-lt"/>
+        <a:ea typeface="+mn-ea"/>
+        <a:cs typeface="+mn-cs"/>
+      </a:defRPr>
+    </a:lvl3pPr>
+    <a:lvl4pPr marL="1371600" algn="l" defTabSz="914400" rtl="0" eaLnBrk="1" latinLnBrk="1" hangingPunct="1">
+      <a:defRPr sz="1200" kern="1200">
+        <a:solidFill>
+          <a:schemeClr val="tx1"/>
+        </a:solidFill>
+        <a:latin typeface="+mn-lt"/>
+        <a:ea typeface="+mn-ea"/>
+        <a:cs typeface="+mn-cs"/>
+      </a:defRPr>
+    </a:lvl4pPr>
+    <a:lvl5pPr marL="1828800" algn="l" defTabSz="914400" rtl="0" eaLnBrk="1" latinLnBrk="1" hangingPunct="1">
+      <a:defRPr sz="1200" kern="1200">
+        <a:solidFill>
+          <a:schemeClr val="tx1"/>
+        </a:solidFill>
+        <a:latin typeface="+mn-lt"/>
+        <a:ea typeface="+mn-ea"/>
+        <a:cs typeface="+mn-cs"/>
+      </a:defRPr>
+    </a:lvl5pPr>
+    <a:lvl6pPr marL="2286000" algn="l" defTabSz="914400" rtl="0" eaLnBrk="1" latinLnBrk="1" hangingPunct="1">
+      <a:defRPr sz="1200" kern="1200">
+        <a:solidFill>
+          <a:schemeClr val="tx1"/>
+        </a:solidFill>
+        <a:latin typeface="+mn-lt"/>
+        <a:ea typeface="+mn-ea"/>
+        <a:cs typeface="+mn-cs"/>
+      </a:defRPr>
+    </a:lvl6pPr>
+    <a:lvl7pPr marL="2743200" algn="l" defTabSz="914400" rtl="0" eaLnBrk="1" latinLnBrk="1" hangingPunct="1">
+      <a:defRPr sz="1200" kern="1200">
+        <a:solidFill>
+          <a:schemeClr val="tx1"/>
+        </a:solidFill>
+        <a:latin typeface="+mn-lt"/>
+        <a:ea typeface="+mn-ea"/>
+        <a:cs typeface="+mn-cs"/>
+      </a:defRPr>
+    </a:lvl7pPr>
+    <a:lvl8pPr marL="3200400" algn="l" defTabSz="914400" rtl="0" eaLnBrk="1" latinLnBrk="1" hangingPunct="1">
+      <a:defRPr sz="1200" kern="1200">
+        <a:solidFill>
+          <a:schemeClr val="tx1"/>
+        </a:solidFill>
+        <a:latin typeface="+mn-lt"/>
+        <a:ea typeface="+mn-ea"/>
+        <a:cs typeface="+mn-cs"/>
+      </a:defRPr>
+    </a:lvl8pPr>
+    <a:lvl9pPr marL="3657600" algn="l" defTabSz="914400" rtl="0" eaLnBrk="1" latinLnBrk="1" hangingPunct="1">
+      <a:defRPr sz="1200" kern="1200">
+        <a:solidFill>
+          <a:schemeClr val="tx1"/>
+        </a:solidFill>
+        <a:latin typeface="+mn-lt"/>
+        <a:ea typeface="+mn-ea"/>
+        <a:cs typeface="+mn-cs"/>
+      </a:defRPr>
+    </a:lvl9pPr>
+  </p:notesStyle>
+</p:notesMaster>
+</file>
+
+<file path=ppt/notesSlides/notesSlide1.xml><?xml version="1.0" encoding="utf-8"?>
+<p:notes xmlns:a="http://schemas.openxmlformats.org/drawingml/2006/main" xmlns:r="http://schemas.openxmlformats.org/officeDocument/2006/relationships" xmlns:p="http://schemas.openxmlformats.org/presentationml/2006/main">
+  <p:cSld>
+    <p:spTree>
+      <p:nvGrpSpPr>
+        <p:cNvPr id="1" name=""/>
+        <p:cNvGrpSpPr/>
+        <p:nvPr/>
+      </p:nvGrpSpPr>
+      <p:grpSpPr>
+        <a:xfrm>
+          <a:off x="0" y="0"/>
+          <a:ext cx="0" cy="0"/>
+          <a:chOff x="0" y="0"/>
+          <a:chExt cx="0" cy="0"/>
+        </a:xfrm>
+      </p:grpSpPr>
+      <p:sp>
+        <p:nvSpPr>
+          <p:cNvPr id="2" name="슬라이드 이미지 개체 틀 1"/>
+          <p:cNvSpPr>
+            <a:spLocks noGrp="1" noRot="1" noChangeAspect="1"/>
+          </p:cNvSpPr>
+          <p:nvPr>
+            <p:ph type="sldImg"/>
+          </p:nvPr>
+        </p:nvSpPr>
+        <p:spPr/>
+      </p:sp>
+      <p:sp>
+        <p:nvSpPr>
+          <p:cNvPr id="3" name="슬라이드 노트 개체 틀 2"/>
+          <p:cNvSpPr>
+            <a:spLocks noGrp="1"/>
+          </p:cNvSpPr>
+          <p:nvPr>
+            <p:ph type="body" idx="1"/>
+          </p:nvPr>
+        </p:nvSpPr>
+        <p:spPr/>
+        <p:txBody>
+          <a:bodyPr/>
+          <a:lstStyle/>
+          <a:p>
+            <a:r>
+              <a:rPr lang="en-US" altLang="ko-KR" dirty="0" err="1"/>
+              <a:t>ui</a:t>
+            </a:r>
+            <a:r>
+              <a:rPr lang="en-US" altLang="ko-KR" dirty="0"/>
+              <a:t> </a:t>
+            </a:r>
+            <a:r>
+              <a:rPr lang="ko-KR" altLang="en-US" dirty="0"/>
+              <a:t>선택지 </a:t>
+            </a:r>
+            <a:r>
+              <a:rPr lang="en-US" altLang="ko-KR" dirty="0"/>
+              <a:t>4</a:t>
+            </a:r>
+            <a:r>
+              <a:rPr lang="ko-KR" altLang="en-US" dirty="0"/>
+              <a:t>가지</a:t>
+            </a:r>
+            <a:endParaRPr lang="en-US" altLang="ko-KR" dirty="0"/>
+          </a:p>
+          <a:p>
+            <a:pPr marL="228600" indent="-228600">
+              <a:buAutoNum type="arabicPeriod"/>
+            </a:pPr>
+            <a:r>
+              <a:rPr lang="en-US" altLang="ko-KR" dirty="0"/>
+              <a:t>5 -&gt; 7 (</a:t>
+            </a:r>
+            <a:r>
+              <a:rPr lang="ko-KR" altLang="en-US" dirty="0"/>
+              <a:t>모듈 컨테이너 </a:t>
+            </a:r>
+            <a:r>
+              <a:rPr lang="en-US" altLang="ko-KR" dirty="0"/>
+              <a:t>=&gt; </a:t>
+            </a:r>
+            <a:r>
+              <a:rPr lang="ko-KR" altLang="en-US" dirty="0" err="1"/>
+              <a:t>모달폼</a:t>
+            </a:r>
+            <a:r>
+              <a:rPr lang="en-US" altLang="ko-KR" dirty="0"/>
+              <a:t>)</a:t>
+            </a:r>
+          </a:p>
+          <a:p>
+            <a:pPr marL="685800" lvl="1" indent="-228600">
+              <a:buAutoNum type="arabicPeriod"/>
+            </a:pPr>
+            <a:r>
+              <a:rPr lang="ko-KR" altLang="en-US" dirty="0"/>
+              <a:t>단점</a:t>
+            </a:r>
+            <a:endParaRPr lang="en-US" altLang="ko-KR" dirty="0"/>
+          </a:p>
+          <a:p>
+            <a:pPr marL="1143000" lvl="2" indent="-228600">
+              <a:buAutoNum type="arabicPeriod"/>
+            </a:pPr>
+            <a:r>
+              <a:rPr lang="ko-KR" altLang="en-US" dirty="0"/>
+              <a:t>모듈 제어하면서 로봇 제어하기 어려움</a:t>
+            </a:r>
+            <a:endParaRPr lang="en-US" altLang="ko-KR" dirty="0"/>
+          </a:p>
+          <a:p>
+            <a:pPr marL="1143000" lvl="2" indent="-228600">
+              <a:buAutoNum type="arabicPeriod"/>
+            </a:pPr>
+            <a:r>
+              <a:rPr lang="ko-KR" altLang="en-US" dirty="0"/>
+              <a:t>로봇 </a:t>
+            </a:r>
+            <a:r>
+              <a:rPr lang="ko-KR" altLang="en-US" dirty="0" err="1"/>
+              <a:t>제어하는걸</a:t>
+            </a:r>
+            <a:r>
+              <a:rPr lang="ko-KR" altLang="en-US" dirty="0"/>
+              <a:t> 카메라로 보고싶은데 시연영상 찍기 어려움</a:t>
+            </a:r>
+            <a:endParaRPr lang="en-US" altLang="ko-KR" dirty="0"/>
+          </a:p>
+          <a:p>
+            <a:pPr marL="228600" indent="-228600">
+              <a:buAutoNum type="arabicPeriod"/>
+            </a:pPr>
+            <a:r>
+              <a:rPr lang="en-US" altLang="ko-KR" dirty="0"/>
+              <a:t>5 -&gt; 4 (</a:t>
+            </a:r>
+            <a:r>
+              <a:rPr lang="ko-KR" altLang="en-US" dirty="0"/>
+              <a:t>모듈 컨테이너 </a:t>
+            </a:r>
+            <a:r>
+              <a:rPr lang="en-US" altLang="ko-KR" dirty="0"/>
+              <a:t>=&gt; </a:t>
+            </a:r>
+            <a:r>
+              <a:rPr lang="ko-KR" altLang="en-US" dirty="0" err="1"/>
+              <a:t>모듈바</a:t>
+            </a:r>
+            <a:r>
+              <a:rPr lang="en-US" altLang="ko-KR" dirty="0"/>
+              <a:t>, </a:t>
+            </a:r>
+            <a:r>
+              <a:rPr lang="ko-KR" altLang="en-US" dirty="0"/>
+              <a:t>컨테이너</a:t>
+            </a:r>
+            <a:r>
+              <a:rPr lang="en-US" altLang="ko-KR" dirty="0"/>
+              <a:t>)</a:t>
+            </a:r>
+          </a:p>
+          <a:p>
+            <a:pPr marL="685800" lvl="1" indent="-228600">
+              <a:buAutoNum type="arabicPeriod"/>
+            </a:pPr>
+            <a:r>
+              <a:rPr lang="ko-KR" altLang="en-US" dirty="0"/>
+              <a:t>장점</a:t>
+            </a:r>
+            <a:endParaRPr lang="en-US" altLang="ko-KR" dirty="0"/>
+          </a:p>
+          <a:p>
+            <a:pPr marL="1143000" lvl="2" indent="-228600">
+              <a:buAutoNum type="arabicPeriod"/>
+            </a:pPr>
+            <a:r>
+              <a:rPr lang="ko-KR" altLang="en-US" dirty="0" err="1"/>
+              <a:t>뒤로가기</a:t>
+            </a:r>
+            <a:r>
+              <a:rPr lang="en-US" altLang="ko-KR" dirty="0"/>
+              <a:t> </a:t>
+            </a:r>
+            <a:r>
+              <a:rPr lang="ko-KR" altLang="en-US" dirty="0"/>
+              <a:t>구현</a:t>
+            </a:r>
+            <a:r>
+              <a:rPr lang="en-US" altLang="ko-KR" dirty="0"/>
+              <a:t>X  </a:t>
+            </a:r>
+            <a:r>
+              <a:rPr lang="ko-KR" altLang="en-US" dirty="0"/>
+              <a:t>다른 모듈로 쉽게 갈 수 있고</a:t>
+            </a:r>
+            <a:endParaRPr lang="en-US" altLang="ko-KR" dirty="0"/>
+          </a:p>
+          <a:p>
+            <a:pPr marL="1143000" lvl="2" indent="-228600">
+              <a:buAutoNum type="arabicPeriod"/>
+            </a:pPr>
+            <a:r>
+              <a:rPr lang="ko-KR" altLang="en-US" dirty="0"/>
+              <a:t>실시간 데이터 변경 확인 가능</a:t>
+            </a:r>
+            <a:endParaRPr lang="en-US" altLang="ko-KR" dirty="0"/>
+          </a:p>
+          <a:p>
+            <a:pPr marL="1143000" lvl="2" indent="-228600">
+              <a:buAutoNum type="arabicPeriod"/>
+            </a:pPr>
+            <a:r>
+              <a:rPr lang="ko-KR" altLang="en-US" dirty="0"/>
+              <a:t>혹시 반응형 했을 때 호환성이 좋음</a:t>
+            </a:r>
+            <a:endParaRPr lang="en-US" altLang="ko-KR" dirty="0"/>
+          </a:p>
+          <a:p>
+            <a:pPr marL="228600" indent="-228600">
+              <a:buAutoNum type="arabicPeriod"/>
+            </a:pPr>
+            <a:r>
+              <a:rPr lang="en-US" altLang="ko-KR" dirty="0"/>
+              <a:t>4 (</a:t>
+            </a:r>
+            <a:r>
+              <a:rPr lang="ko-KR" altLang="en-US" dirty="0" err="1"/>
+              <a:t>모듈바</a:t>
+            </a:r>
+            <a:r>
+              <a:rPr lang="en-US" altLang="ko-KR" dirty="0"/>
+              <a:t>)</a:t>
+            </a:r>
+          </a:p>
+          <a:p>
+            <a:pPr marL="685800" lvl="1" indent="-228600">
+              <a:buAutoNum type="arabicPeriod"/>
+            </a:pPr>
+            <a:r>
+              <a:rPr lang="ko-KR" altLang="en-US" dirty="0"/>
+              <a:t>장점</a:t>
+            </a:r>
+            <a:endParaRPr lang="en-US" altLang="ko-KR" dirty="0"/>
+          </a:p>
+          <a:p>
+            <a:pPr marL="1143000" lvl="2" indent="-228600">
+              <a:buAutoNum type="arabicPeriod"/>
+            </a:pPr>
+            <a:r>
+              <a:rPr lang="ko-KR" altLang="en-US" dirty="0"/>
+              <a:t>실시간 확인 변경가능</a:t>
+            </a:r>
+            <a:endParaRPr lang="en-US" altLang="ko-KR" dirty="0"/>
+          </a:p>
+          <a:p>
+            <a:pPr marL="1143000" lvl="2" indent="-228600">
+              <a:buAutoNum type="arabicPeriod"/>
+            </a:pPr>
+            <a:r>
+              <a:rPr lang="ko-KR" altLang="en-US" dirty="0" err="1"/>
+              <a:t>뒤로가기</a:t>
+            </a:r>
+            <a:r>
+              <a:rPr lang="ko-KR" altLang="en-US" dirty="0"/>
+              <a:t> 구현 </a:t>
+            </a:r>
+            <a:r>
+              <a:rPr lang="en-US" altLang="ko-KR" dirty="0"/>
+              <a:t>X</a:t>
+            </a:r>
+          </a:p>
+          <a:p>
+            <a:pPr marL="1143000" lvl="2" indent="-228600">
+              <a:buAutoNum type="arabicPeriod"/>
+            </a:pPr>
+            <a:r>
+              <a:rPr lang="ko-KR" altLang="en-US" dirty="0"/>
+              <a:t>혹시 반응형 했을 때 호환성이 좋음</a:t>
+            </a:r>
+            <a:endParaRPr lang="en-US" altLang="ko-KR" dirty="0"/>
+          </a:p>
+          <a:p>
+            <a:pPr marL="685800" lvl="1" indent="-228600">
+              <a:buAutoNum type="arabicPeriod"/>
+            </a:pPr>
+            <a:r>
+              <a:rPr lang="ko-KR" altLang="en-US" dirty="0"/>
+              <a:t>단점</a:t>
+            </a:r>
+            <a:endParaRPr lang="en-US" altLang="ko-KR" dirty="0"/>
+          </a:p>
+          <a:p>
+            <a:pPr marL="1143000" lvl="2" indent="-228600">
+              <a:buAutoNum type="arabicPeriod"/>
+            </a:pPr>
+            <a:r>
+              <a:rPr lang="ko-KR" altLang="en-US" dirty="0"/>
+              <a:t>처음 </a:t>
+            </a:r>
+            <a:r>
+              <a:rPr lang="ko-KR" altLang="en-US" dirty="0" err="1"/>
+              <a:t>쓰는사람이</a:t>
+            </a:r>
+            <a:r>
+              <a:rPr lang="ko-KR" altLang="en-US" dirty="0"/>
+              <a:t> 화면 구성 파악하기 어려움</a:t>
+            </a:r>
+            <a:endParaRPr lang="en-US" altLang="ko-KR" dirty="0"/>
+          </a:p>
+          <a:p>
+            <a:pPr marL="1143000" lvl="2" indent="-228600">
+              <a:buAutoNum type="arabicPeriod"/>
+            </a:pPr>
+            <a:endParaRPr lang="en-US" altLang="ko-KR" dirty="0"/>
+          </a:p>
+          <a:p>
+            <a:pPr marL="1143000" lvl="2" indent="-228600">
+              <a:buAutoNum type="arabicPeriod"/>
+            </a:pPr>
+            <a:endParaRPr lang="en-US" altLang="ko-KR" dirty="0"/>
+          </a:p>
+          <a:p>
+            <a:pPr marL="1143000" lvl="2" indent="-228600">
+              <a:buAutoNum type="arabicPeriod"/>
+            </a:pPr>
+            <a:endParaRPr lang="en-US" altLang="ko-KR" dirty="0"/>
+          </a:p>
+          <a:p>
+            <a:pPr marL="228600" lvl="0" indent="-228600">
+              <a:buAutoNum type="arabicPeriod"/>
+            </a:pPr>
+            <a:r>
+              <a:rPr lang="ko-KR" altLang="en-US" dirty="0"/>
+              <a:t>결론</a:t>
+            </a:r>
+            <a:endParaRPr lang="en-US" altLang="ko-KR" dirty="0"/>
+          </a:p>
+          <a:p>
+            <a:pPr marL="685800" lvl="1" indent="-228600">
+              <a:buAutoNum type="arabicPeriod"/>
+            </a:pPr>
+            <a:r>
+              <a:rPr lang="ko-KR" altLang="en-US" dirty="0"/>
+              <a:t>토요일에 회의해보고 의논</a:t>
+            </a:r>
+            <a:endParaRPr lang="en-US" altLang="ko-KR" dirty="0"/>
+          </a:p>
+          <a:p>
+            <a:pPr marL="1143000" lvl="2" indent="-228600">
+              <a:buAutoNum type="arabicPeriod"/>
+            </a:pPr>
+            <a:r>
+              <a:rPr lang="en-US" altLang="ko-KR" dirty="0"/>
+              <a:t>UI</a:t>
+            </a:r>
+          </a:p>
+          <a:p>
+            <a:pPr marL="1143000" lvl="2" indent="-228600">
+              <a:buAutoNum type="arabicPeriod"/>
+            </a:pPr>
+            <a:r>
+              <a:rPr lang="ko-KR" altLang="en-US" dirty="0"/>
+              <a:t>내용구성</a:t>
+            </a:r>
+            <a:endParaRPr lang="en-US" altLang="ko-KR" dirty="0"/>
+          </a:p>
+          <a:p>
+            <a:pPr marL="1600200" lvl="3" indent="-228600">
+              <a:buAutoNum type="arabicPeriod"/>
+            </a:pPr>
+            <a:r>
+              <a:rPr lang="ko-KR" altLang="en-US" dirty="0" err="1"/>
+              <a:t>메뉴바</a:t>
+            </a:r>
+            <a:r>
+              <a:rPr lang="ko-KR" altLang="en-US" dirty="0"/>
+              <a:t> 구성</a:t>
+            </a:r>
+            <a:endParaRPr lang="en-US" altLang="ko-KR" dirty="0"/>
+          </a:p>
+        </p:txBody>
+      </p:sp>
+      <p:sp>
+        <p:nvSpPr>
+          <p:cNvPr id="4" name="슬라이드 번호 개체 틀 3"/>
+          <p:cNvSpPr>
+            <a:spLocks noGrp="1"/>
+          </p:cNvSpPr>
+          <p:nvPr>
+            <p:ph type="sldNum" sz="quarter" idx="5"/>
+          </p:nvPr>
+        </p:nvSpPr>
+        <p:spPr/>
+        <p:txBody>
+          <a:bodyPr/>
+          <a:lstStyle/>
+          <a:p>
+            <a:fld id="{5752F5DB-188C-42D6-B2B2-D3FA129AF416}" type="slidenum">
+              <a:rPr lang="ko-KR" altLang="en-US" smtClean="0"/>
+              <a:t>4</a:t>
+            </a:fld>
+            <a:endParaRPr lang="ko-KR" altLang="en-US"/>
+          </a:p>
+        </p:txBody>
+      </p:sp>
+    </p:spTree>
+    <p:extLst>
+      <p:ext uri="{BB962C8B-B14F-4D97-AF65-F5344CB8AC3E}">
+        <p14:creationId xmlns:p14="http://schemas.microsoft.com/office/powerpoint/2010/main" val="225307043"/>
+      </p:ext>
+    </p:extLst>
+  </p:cSld>
+  <p:clrMapOvr>
+    <a:masterClrMapping/>
+  </p:clrMapOvr>
+</p:notes>
+</file>
+
 <file path=ppt/slideLayouts/slideLayout1.xml><?xml version="1.0" encoding="utf-8"?>
 <p:sldLayout xmlns:a="http://schemas.openxmlformats.org/drawingml/2006/main" xmlns:r="http://schemas.openxmlformats.org/officeDocument/2006/relationships" xmlns:p="http://schemas.openxmlformats.org/presentationml/2006/main" type="title" preserve="1">
   <p:cSld name="제목 슬라이드">
@@ -264,7 +1064,7 @@
           <a:p>
             <a:fld id="{95734C48-EAC1-49CE-8A1F-91DDF43247CD}" type="datetimeFigureOut">
               <a:rPr lang="ko-KR" altLang="en-US" smtClean="0"/>
-              <a:t>2021-07-04</a:t>
+              <a:t>2021-07-14</a:t>
             </a:fld>
             <a:endParaRPr lang="ko-KR" altLang="en-US"/>
           </a:p>
@@ -462,7 +1262,7 @@
           <a:p>
             <a:fld id="{95734C48-EAC1-49CE-8A1F-91DDF43247CD}" type="datetimeFigureOut">
               <a:rPr lang="ko-KR" altLang="en-US" smtClean="0"/>
-              <a:t>2021-07-04</a:t>
+              <a:t>2021-07-14</a:t>
             </a:fld>
             <a:endParaRPr lang="ko-KR" altLang="en-US"/>
           </a:p>
@@ -670,7 +1470,7 @@
           <a:p>
             <a:fld id="{95734C48-EAC1-49CE-8A1F-91DDF43247CD}" type="datetimeFigureOut">
               <a:rPr lang="ko-KR" altLang="en-US" smtClean="0"/>
-              <a:t>2021-07-04</a:t>
+              <a:t>2021-07-14</a:t>
             </a:fld>
             <a:endParaRPr lang="ko-KR" altLang="en-US"/>
           </a:p>
@@ -868,7 +1668,7 @@
           <a:p>
             <a:fld id="{95734C48-EAC1-49CE-8A1F-91DDF43247CD}" type="datetimeFigureOut">
               <a:rPr lang="ko-KR" altLang="en-US" smtClean="0"/>
-              <a:t>2021-07-04</a:t>
+              <a:t>2021-07-14</a:t>
             </a:fld>
             <a:endParaRPr lang="ko-KR" altLang="en-US"/>
           </a:p>
@@ -1143,7 +1943,7 @@
           <a:p>
             <a:fld id="{95734C48-EAC1-49CE-8A1F-91DDF43247CD}" type="datetimeFigureOut">
               <a:rPr lang="ko-KR" altLang="en-US" smtClean="0"/>
-              <a:t>2021-07-04</a:t>
+              <a:t>2021-07-14</a:t>
             </a:fld>
             <a:endParaRPr lang="ko-KR" altLang="en-US"/>
           </a:p>
@@ -1408,7 +2208,7 @@
           <a:p>
             <a:fld id="{95734C48-EAC1-49CE-8A1F-91DDF43247CD}" type="datetimeFigureOut">
               <a:rPr lang="ko-KR" altLang="en-US" smtClean="0"/>
-              <a:t>2021-07-04</a:t>
+              <a:t>2021-07-14</a:t>
             </a:fld>
             <a:endParaRPr lang="ko-KR" altLang="en-US"/>
           </a:p>
@@ -1820,7 +2620,7 @@
           <a:p>
             <a:fld id="{95734C48-EAC1-49CE-8A1F-91DDF43247CD}" type="datetimeFigureOut">
               <a:rPr lang="ko-KR" altLang="en-US" smtClean="0"/>
-              <a:t>2021-07-04</a:t>
+              <a:t>2021-07-14</a:t>
             </a:fld>
             <a:endParaRPr lang="ko-KR" altLang="en-US"/>
           </a:p>
@@ -1961,7 +2761,7 @@
           <a:p>
             <a:fld id="{95734C48-EAC1-49CE-8A1F-91DDF43247CD}" type="datetimeFigureOut">
               <a:rPr lang="ko-KR" altLang="en-US" smtClean="0"/>
-              <a:t>2021-07-04</a:t>
+              <a:t>2021-07-14</a:t>
             </a:fld>
             <a:endParaRPr lang="ko-KR" altLang="en-US"/>
           </a:p>
@@ -2074,7 +2874,7 @@
           <a:p>
             <a:fld id="{95734C48-EAC1-49CE-8A1F-91DDF43247CD}" type="datetimeFigureOut">
               <a:rPr lang="ko-KR" altLang="en-US" smtClean="0"/>
-              <a:t>2021-07-04</a:t>
+              <a:t>2021-07-14</a:t>
             </a:fld>
             <a:endParaRPr lang="ko-KR" altLang="en-US"/>
           </a:p>
@@ -2385,7 +3185,7 @@
           <a:p>
             <a:fld id="{95734C48-EAC1-49CE-8A1F-91DDF43247CD}" type="datetimeFigureOut">
               <a:rPr lang="ko-KR" altLang="en-US" smtClean="0"/>
-              <a:t>2021-07-04</a:t>
+              <a:t>2021-07-14</a:t>
             </a:fld>
             <a:endParaRPr lang="ko-KR" altLang="en-US"/>
           </a:p>
@@ -2673,7 +3473,7 @@
           <a:p>
             <a:fld id="{95734C48-EAC1-49CE-8A1F-91DDF43247CD}" type="datetimeFigureOut">
               <a:rPr lang="ko-KR" altLang="en-US" smtClean="0"/>
-              <a:t>2021-07-04</a:t>
+              <a:t>2021-07-14</a:t>
             </a:fld>
             <a:endParaRPr lang="ko-KR" altLang="en-US"/>
           </a:p>
@@ -2914,7 +3714,7 @@
           <a:p>
             <a:fld id="{95734C48-EAC1-49CE-8A1F-91DDF43247CD}" type="datetimeFigureOut">
               <a:rPr lang="ko-KR" altLang="en-US" smtClean="0"/>
-              <a:t>2021-07-04</a:t>
+              <a:t>2021-07-14</a:t>
             </a:fld>
             <a:endParaRPr lang="ko-KR" altLang="en-US"/>
           </a:p>
@@ -3963,10 +4763,10 @@
       </p:sp>
       <p:sp>
         <p:nvSpPr>
-          <p:cNvPr id="10" name="직사각형 9">
-            <a:extLst>
-              <a:ext uri="{FF2B5EF4-FFF2-40B4-BE49-F238E27FC236}">
-                <a16:creationId xmlns:a16="http://schemas.microsoft.com/office/drawing/2014/main" id="{48EBE09C-2F5B-4041-B09F-7BAF298A76BE}"/>
+          <p:cNvPr id="11" name="직사각형 10">
+            <a:extLst>
+              <a:ext uri="{FF2B5EF4-FFF2-40B4-BE49-F238E27FC236}">
+                <a16:creationId xmlns:a16="http://schemas.microsoft.com/office/drawing/2014/main" id="{B37D5333-8C7B-4C4D-83E0-A0FD9B03EAC7}"/>
               </a:ext>
             </a:extLst>
           </p:cNvPr>
@@ -3975,56 +4775,7 @@
         </p:nvSpPr>
         <p:spPr>
           <a:xfrm>
-            <a:off x="4328556" y="3455256"/>
-            <a:ext cx="3544784" cy="498764"/>
-          </a:xfrm>
-          <a:prstGeom prst="rect">
-            <a:avLst/>
-          </a:prstGeom>
-        </p:spPr>
-        <p:style>
-          <a:lnRef idx="2">
-            <a:schemeClr val="accent1">
-              <a:shade val="50000"/>
-            </a:schemeClr>
-          </a:lnRef>
-          <a:fillRef idx="1">
-            <a:schemeClr val="accent1"/>
-          </a:fillRef>
-          <a:effectRef idx="0">
-            <a:schemeClr val="accent1"/>
-          </a:effectRef>
-          <a:fontRef idx="minor">
-            <a:schemeClr val="lt1"/>
-          </a:fontRef>
-        </p:style>
-        <p:txBody>
-          <a:bodyPr rtlCol="0" anchor="ctr"/>
-          <a:lstStyle/>
-          <a:p>
-            <a:pPr algn="ctr"/>
-            <a:r>
-              <a:rPr lang="en-US" altLang="ko-KR" dirty="0"/>
-              <a:t>pw2</a:t>
-            </a:r>
-          </a:p>
-        </p:txBody>
-      </p:sp>
-      <p:sp>
-        <p:nvSpPr>
-          <p:cNvPr id="11" name="직사각형 10">
-            <a:extLst>
-              <a:ext uri="{FF2B5EF4-FFF2-40B4-BE49-F238E27FC236}">
-                <a16:creationId xmlns:a16="http://schemas.microsoft.com/office/drawing/2014/main" id="{B37D5333-8C7B-4C4D-83E0-A0FD9B03EAC7}"/>
-              </a:ext>
-            </a:extLst>
-          </p:cNvPr>
-          <p:cNvSpPr/>
-          <p:nvPr/>
-        </p:nvSpPr>
-        <p:spPr>
-          <a:xfrm>
-            <a:off x="4328556" y="4128146"/>
+            <a:off x="4306756" y="3455256"/>
             <a:ext cx="3544784" cy="498764"/>
           </a:xfrm>
           <a:prstGeom prst="rect">
@@ -4141,10 +4892,10 @@
       </p:grpSpPr>
       <p:sp>
         <p:nvSpPr>
-          <p:cNvPr id="4" name="직사각형 3">
-            <a:extLst>
-              <a:ext uri="{FF2B5EF4-FFF2-40B4-BE49-F238E27FC236}">
-                <a16:creationId xmlns:a16="http://schemas.microsoft.com/office/drawing/2014/main" id="{17D3EEB4-4C9C-4FE1-AD5A-1CCCAC1BD64F}"/>
+          <p:cNvPr id="3" name="직사각형 2">
+            <a:extLst>
+              <a:ext uri="{FF2B5EF4-FFF2-40B4-BE49-F238E27FC236}">
+                <a16:creationId xmlns:a16="http://schemas.microsoft.com/office/drawing/2014/main" id="{BBA82A4B-8ABB-4020-A8FE-FED7C0057501}"/>
               </a:ext>
             </a:extLst>
           </p:cNvPr>
@@ -4153,8 +4904,8 @@
         </p:nvSpPr>
         <p:spPr>
           <a:xfrm>
-            <a:off x="4091049" y="578644"/>
-            <a:ext cx="1700213" cy="557212"/>
+            <a:off x="0" y="0"/>
+            <a:ext cx="12192000" cy="1270660"/>
           </a:xfrm>
           <a:prstGeom prst="rect">
             <a:avLst/>
@@ -4181,20 +4932,16 @@
           <a:lstStyle/>
           <a:p>
             <a:pPr algn="ctr"/>
-            <a:r>
-              <a:rPr lang="ko-KR" altLang="en-US" dirty="0"/>
-              <a:t>환영합니다</a:t>
-            </a:r>
-            <a:endParaRPr lang="en-US" altLang="ko-KR" dirty="0"/>
-          </a:p>
-        </p:txBody>
-      </p:sp>
-      <p:sp>
-        <p:nvSpPr>
-          <p:cNvPr id="6" name="직사각형 5">
-            <a:extLst>
-              <a:ext uri="{FF2B5EF4-FFF2-40B4-BE49-F238E27FC236}">
-                <a16:creationId xmlns:a16="http://schemas.microsoft.com/office/drawing/2014/main" id="{05BAB31C-0BAB-4E81-A162-DC2083FAB38C}"/>
+            <a:endParaRPr lang="ko-KR" altLang="en-US"/>
+          </a:p>
+        </p:txBody>
+      </p:sp>
+      <p:sp>
+        <p:nvSpPr>
+          <p:cNvPr id="4" name="직사각형 3">
+            <a:extLst>
+              <a:ext uri="{FF2B5EF4-FFF2-40B4-BE49-F238E27FC236}">
+                <a16:creationId xmlns:a16="http://schemas.microsoft.com/office/drawing/2014/main" id="{17D3EEB4-4C9C-4FE1-AD5A-1CCCAC1BD64F}"/>
               </a:ext>
             </a:extLst>
           </p:cNvPr>
@@ -4203,8 +4950,8 @@
         </p:nvSpPr>
         <p:spPr>
           <a:xfrm>
-            <a:off x="0" y="0"/>
-            <a:ext cx="3331029" cy="6858000"/>
+            <a:off x="6520385" y="234723"/>
+            <a:ext cx="1700213" cy="557212"/>
           </a:xfrm>
           <a:prstGeom prst="rect">
             <a:avLst/>
@@ -4231,16 +4978,20 @@
           <a:lstStyle/>
           <a:p>
             <a:pPr algn="ctr"/>
+            <a:r>
+              <a:rPr lang="en-US" altLang="ko-KR"/>
+              <a:t>id</a:t>
+            </a:r>
             <a:endParaRPr lang="en-US" altLang="ko-KR" dirty="0"/>
           </a:p>
         </p:txBody>
       </p:sp>
       <p:sp>
         <p:nvSpPr>
-          <p:cNvPr id="7" name="직사각형 6">
-            <a:extLst>
-              <a:ext uri="{FF2B5EF4-FFF2-40B4-BE49-F238E27FC236}">
-                <a16:creationId xmlns:a16="http://schemas.microsoft.com/office/drawing/2014/main" id="{3AEC4883-C358-4BCA-8B7B-9D9D5FD10EFE}"/>
+          <p:cNvPr id="6" name="직사각형 5">
+            <a:extLst>
+              <a:ext uri="{FF2B5EF4-FFF2-40B4-BE49-F238E27FC236}">
+                <a16:creationId xmlns:a16="http://schemas.microsoft.com/office/drawing/2014/main" id="{05BAB31C-0BAB-4E81-A162-DC2083FAB38C}"/>
               </a:ext>
             </a:extLst>
           </p:cNvPr>
@@ -4249,8 +5000,8 @@
         </p:nvSpPr>
         <p:spPr>
           <a:xfrm>
-            <a:off x="178130" y="382237"/>
-            <a:ext cx="2974768" cy="2271898"/>
+            <a:off x="0" y="1270660"/>
+            <a:ext cx="3331029" cy="5587340"/>
           </a:xfrm>
           <a:prstGeom prst="rect">
             <a:avLst/>
@@ -4277,20 +5028,16 @@
           <a:lstStyle/>
           <a:p>
             <a:pPr algn="ctr"/>
-            <a:r>
-              <a:rPr lang="ko-KR" altLang="en-US" dirty="0"/>
-              <a:t>카메라 화면</a:t>
-            </a:r>
             <a:endParaRPr lang="en-US" altLang="ko-KR" dirty="0"/>
           </a:p>
         </p:txBody>
       </p:sp>
       <p:sp>
         <p:nvSpPr>
-          <p:cNvPr id="8" name="직사각형 7">
-            <a:extLst>
-              <a:ext uri="{FF2B5EF4-FFF2-40B4-BE49-F238E27FC236}">
-                <a16:creationId xmlns:a16="http://schemas.microsoft.com/office/drawing/2014/main" id="{0E5A02CD-7B0D-4EAF-BF58-7D8219090A1A}"/>
+          <p:cNvPr id="7" name="직사각형 6">
+            <a:extLst>
+              <a:ext uri="{FF2B5EF4-FFF2-40B4-BE49-F238E27FC236}">
+                <a16:creationId xmlns:a16="http://schemas.microsoft.com/office/drawing/2014/main" id="{3AEC4883-C358-4BCA-8B7B-9D9D5FD10EFE}"/>
               </a:ext>
             </a:extLst>
           </p:cNvPr>
@@ -4299,8 +5046,8 @@
         </p:nvSpPr>
         <p:spPr>
           <a:xfrm>
-            <a:off x="4091049" y="1796792"/>
-            <a:ext cx="7457703" cy="4247748"/>
+            <a:off x="157380" y="1912299"/>
+            <a:ext cx="2974768" cy="2271898"/>
           </a:xfrm>
           <a:prstGeom prst="rect">
             <a:avLst/>
@@ -4329,7 +5076,7 @@
             <a:pPr algn="ctr"/>
             <a:r>
               <a:rPr lang="ko-KR" altLang="en-US" dirty="0"/>
-              <a:t>로봇에 연결된 기기들</a:t>
+              <a:t>카메라 화면</a:t>
             </a:r>
             <a:endParaRPr lang="en-US" altLang="ko-KR" dirty="0"/>
           </a:p>
@@ -4337,10 +5084,10 @@
       </p:sp>
       <p:sp>
         <p:nvSpPr>
-          <p:cNvPr id="13" name="직사각형 12">
-            <a:extLst>
-              <a:ext uri="{FF2B5EF4-FFF2-40B4-BE49-F238E27FC236}">
-                <a16:creationId xmlns:a16="http://schemas.microsoft.com/office/drawing/2014/main" id="{567D84A1-C0F8-4EF5-90B5-104AD73B1B4B}"/>
+          <p:cNvPr id="8" name="직사각형 7">
+            <a:extLst>
+              <a:ext uri="{FF2B5EF4-FFF2-40B4-BE49-F238E27FC236}">
+                <a16:creationId xmlns:a16="http://schemas.microsoft.com/office/drawing/2014/main" id="{0E5A02CD-7B0D-4EAF-BF58-7D8219090A1A}"/>
               </a:ext>
             </a:extLst>
           </p:cNvPr>
@@ -4349,8 +5096,8 @@
         </p:nvSpPr>
         <p:spPr>
           <a:xfrm>
-            <a:off x="793603" y="3704638"/>
-            <a:ext cx="570016" cy="498764"/>
+            <a:off x="4376057" y="1854358"/>
+            <a:ext cx="7637813" cy="4247748"/>
           </a:xfrm>
           <a:prstGeom prst="rect">
             <a:avLst/>
@@ -4378,19 +5125,19 @@
           <a:p>
             <a:pPr algn="ctr"/>
             <a:r>
-              <a:rPr lang="ko-KR" altLang="en-US" sz="1000" dirty="0"/>
-              <a:t>화살표</a:t>
-            </a:r>
-            <a:endParaRPr lang="en-US" altLang="ko-KR" sz="1000" dirty="0"/>
-          </a:p>
-        </p:txBody>
-      </p:sp>
-      <p:sp>
-        <p:nvSpPr>
-          <p:cNvPr id="14" name="직사각형 13">
-            <a:extLst>
-              <a:ext uri="{FF2B5EF4-FFF2-40B4-BE49-F238E27FC236}">
-                <a16:creationId xmlns:a16="http://schemas.microsoft.com/office/drawing/2014/main" id="{AFD515E5-A4DB-41D4-AB7F-D06B993F25AC}"/>
+              <a:rPr lang="ko-KR" altLang="en-US" dirty="0"/>
+              <a:t>모듈 제어 정보</a:t>
+            </a:r>
+            <a:endParaRPr lang="en-US" altLang="ko-KR" dirty="0"/>
+          </a:p>
+        </p:txBody>
+      </p:sp>
+      <p:sp>
+        <p:nvSpPr>
+          <p:cNvPr id="13" name="직사각형 12">
+            <a:extLst>
+              <a:ext uri="{FF2B5EF4-FFF2-40B4-BE49-F238E27FC236}">
+                <a16:creationId xmlns:a16="http://schemas.microsoft.com/office/drawing/2014/main" id="{567D84A1-C0F8-4EF5-90B5-104AD73B1B4B}"/>
               </a:ext>
             </a:extLst>
           </p:cNvPr>
@@ -4399,7 +5146,7 @@
         </p:nvSpPr>
         <p:spPr>
           <a:xfrm>
-            <a:off x="1993459" y="3704638"/>
+            <a:off x="793603" y="4886233"/>
             <a:ext cx="570016" cy="498764"/>
           </a:xfrm>
           <a:prstGeom prst="rect">
@@ -4437,10 +5184,10 @@
       </p:sp>
       <p:sp>
         <p:nvSpPr>
-          <p:cNvPr id="15" name="직사각형 14">
-            <a:extLst>
-              <a:ext uri="{FF2B5EF4-FFF2-40B4-BE49-F238E27FC236}">
-                <a16:creationId xmlns:a16="http://schemas.microsoft.com/office/drawing/2014/main" id="{87DA31CC-3AF8-48DE-ADA8-81617F26B627}"/>
+          <p:cNvPr id="14" name="직사각형 13">
+            <a:extLst>
+              <a:ext uri="{FF2B5EF4-FFF2-40B4-BE49-F238E27FC236}">
+                <a16:creationId xmlns:a16="http://schemas.microsoft.com/office/drawing/2014/main" id="{AFD515E5-A4DB-41D4-AB7F-D06B993F25AC}"/>
               </a:ext>
             </a:extLst>
           </p:cNvPr>
@@ -4449,7 +5196,7 @@
         </p:nvSpPr>
         <p:spPr>
           <a:xfrm>
-            <a:off x="1391264" y="3179618"/>
+            <a:off x="1993459" y="4886233"/>
             <a:ext cx="570016" cy="498764"/>
           </a:xfrm>
           <a:prstGeom prst="rect">
@@ -4487,10 +5234,10 @@
       </p:sp>
       <p:sp>
         <p:nvSpPr>
-          <p:cNvPr id="16" name="직사각형 15">
-            <a:extLst>
-              <a:ext uri="{FF2B5EF4-FFF2-40B4-BE49-F238E27FC236}">
-                <a16:creationId xmlns:a16="http://schemas.microsoft.com/office/drawing/2014/main" id="{E46ABF8F-D506-4732-9021-1BD5C6A101C8}"/>
+          <p:cNvPr id="15" name="직사각형 14">
+            <a:extLst>
+              <a:ext uri="{FF2B5EF4-FFF2-40B4-BE49-F238E27FC236}">
+                <a16:creationId xmlns:a16="http://schemas.microsoft.com/office/drawing/2014/main" id="{87DA31CC-3AF8-48DE-ADA8-81617F26B627}"/>
               </a:ext>
             </a:extLst>
           </p:cNvPr>
@@ -4499,7 +5246,7 @@
         </p:nvSpPr>
         <p:spPr>
           <a:xfrm>
-            <a:off x="1391264" y="4257303"/>
+            <a:off x="1391264" y="4361213"/>
             <a:ext cx="570016" cy="498764"/>
           </a:xfrm>
           <a:prstGeom prst="rect">
@@ -4537,10 +5284,10 @@
       </p:sp>
       <p:sp>
         <p:nvSpPr>
-          <p:cNvPr id="17" name="직사각형 16">
-            <a:extLst>
-              <a:ext uri="{FF2B5EF4-FFF2-40B4-BE49-F238E27FC236}">
-                <a16:creationId xmlns:a16="http://schemas.microsoft.com/office/drawing/2014/main" id="{FBDCF9DB-6FBD-44AA-ADBF-B20F1CCD2410}"/>
+          <p:cNvPr id="16" name="직사각형 15">
+            <a:extLst>
+              <a:ext uri="{FF2B5EF4-FFF2-40B4-BE49-F238E27FC236}">
+                <a16:creationId xmlns:a16="http://schemas.microsoft.com/office/drawing/2014/main" id="{E46ABF8F-D506-4732-9021-1BD5C6A101C8}"/>
               </a:ext>
             </a:extLst>
           </p:cNvPr>
@@ -4549,8 +5296,8 @@
         </p:nvSpPr>
         <p:spPr>
           <a:xfrm>
-            <a:off x="9848539" y="578644"/>
-            <a:ext cx="1700213" cy="557212"/>
+            <a:off x="1391264" y="5438898"/>
+            <a:ext cx="570016" cy="498764"/>
           </a:xfrm>
           <a:prstGeom prst="rect">
             <a:avLst/>
@@ -4578,19 +5325,19 @@
           <a:p>
             <a:pPr algn="ctr"/>
             <a:r>
-              <a:rPr lang="ko-KR" altLang="en-US" dirty="0"/>
-              <a:t>정보 변경</a:t>
-            </a:r>
-            <a:endParaRPr lang="en-US" altLang="ko-KR" dirty="0"/>
-          </a:p>
-        </p:txBody>
-      </p:sp>
-      <p:sp>
-        <p:nvSpPr>
-          <p:cNvPr id="18" name="직사각형 17">
-            <a:extLst>
-              <a:ext uri="{FF2B5EF4-FFF2-40B4-BE49-F238E27FC236}">
-                <a16:creationId xmlns:a16="http://schemas.microsoft.com/office/drawing/2014/main" id="{344A43CF-7BE8-46B6-80ED-FB0F2987D164}"/>
+              <a:rPr lang="ko-KR" altLang="en-US" sz="1000" dirty="0"/>
+              <a:t>화살표</a:t>
+            </a:r>
+            <a:endParaRPr lang="en-US" altLang="ko-KR" sz="1000" dirty="0"/>
+          </a:p>
+        </p:txBody>
+      </p:sp>
+      <p:sp>
+        <p:nvSpPr>
+          <p:cNvPr id="17" name="직사각형 16">
+            <a:extLst>
+              <a:ext uri="{FF2B5EF4-FFF2-40B4-BE49-F238E27FC236}">
+                <a16:creationId xmlns:a16="http://schemas.microsoft.com/office/drawing/2014/main" id="{FBDCF9DB-6FBD-44AA-ADBF-B20F1CCD2410}"/>
               </a:ext>
             </a:extLst>
           </p:cNvPr>
@@ -4599,7 +5346,7 @@
         </p:nvSpPr>
         <p:spPr>
           <a:xfrm>
-            <a:off x="7028213" y="6217444"/>
+            <a:off x="9866352" y="234723"/>
             <a:ext cx="1700213" cy="557212"/>
           </a:xfrm>
           <a:prstGeom prst="rect">
@@ -4628,9 +5375,407 @@
           <a:p>
             <a:pPr algn="ctr"/>
             <a:r>
+              <a:rPr lang="ko-KR" altLang="en-US" dirty="0"/>
+              <a:t>정보 변경</a:t>
+            </a:r>
+            <a:endParaRPr lang="en-US" altLang="ko-KR" dirty="0"/>
+          </a:p>
+        </p:txBody>
+      </p:sp>
+      <p:sp>
+        <p:nvSpPr>
+          <p:cNvPr id="18" name="직사각형 17">
+            <a:extLst>
+              <a:ext uri="{FF2B5EF4-FFF2-40B4-BE49-F238E27FC236}">
+                <a16:creationId xmlns:a16="http://schemas.microsoft.com/office/drawing/2014/main" id="{344A43CF-7BE8-46B6-80ED-FB0F2987D164}"/>
+              </a:ext>
+            </a:extLst>
+          </p:cNvPr>
+          <p:cNvSpPr/>
+          <p:nvPr/>
+        </p:nvSpPr>
+        <p:spPr>
+          <a:xfrm>
+            <a:off x="7028213" y="6217444"/>
+            <a:ext cx="1700213" cy="557212"/>
+          </a:xfrm>
+          <a:prstGeom prst="rect">
+            <a:avLst/>
+          </a:prstGeom>
+        </p:spPr>
+        <p:style>
+          <a:lnRef idx="2">
+            <a:schemeClr val="accent1">
+              <a:shade val="50000"/>
+            </a:schemeClr>
+          </a:lnRef>
+          <a:fillRef idx="1">
+            <a:schemeClr val="accent1"/>
+          </a:fillRef>
+          <a:effectRef idx="0">
+            <a:schemeClr val="accent1"/>
+          </a:effectRef>
+          <a:fontRef idx="minor">
+            <a:schemeClr val="lt1"/>
+          </a:fontRef>
+        </p:style>
+        <p:txBody>
+          <a:bodyPr rtlCol="0" anchor="ctr"/>
+          <a:lstStyle/>
+          <a:p>
+            <a:pPr algn="ctr"/>
+            <a:r>
               <a:rPr lang="en-US" altLang="ko-KR" dirty="0"/>
               <a:t>1 2 3</a:t>
             </a:r>
+          </a:p>
+        </p:txBody>
+      </p:sp>
+      <p:sp>
+        <p:nvSpPr>
+          <p:cNvPr id="27" name="직사각형 26">
+            <a:extLst>
+              <a:ext uri="{FF2B5EF4-FFF2-40B4-BE49-F238E27FC236}">
+                <a16:creationId xmlns:a16="http://schemas.microsoft.com/office/drawing/2014/main" id="{E37CEE21-1B2E-4D95-9971-B389396FBEB1}"/>
+              </a:ext>
+            </a:extLst>
+          </p:cNvPr>
+          <p:cNvSpPr/>
+          <p:nvPr/>
+        </p:nvSpPr>
+        <p:spPr>
+          <a:xfrm>
+            <a:off x="428471" y="234723"/>
+            <a:ext cx="1700213" cy="557212"/>
+          </a:xfrm>
+          <a:prstGeom prst="rect">
+            <a:avLst/>
+          </a:prstGeom>
+        </p:spPr>
+        <p:style>
+          <a:lnRef idx="2">
+            <a:schemeClr val="accent1">
+              <a:shade val="50000"/>
+            </a:schemeClr>
+          </a:lnRef>
+          <a:fillRef idx="1">
+            <a:schemeClr val="accent1"/>
+          </a:fillRef>
+          <a:effectRef idx="0">
+            <a:schemeClr val="accent1"/>
+          </a:effectRef>
+          <a:fontRef idx="minor">
+            <a:schemeClr val="lt1"/>
+          </a:fontRef>
+        </p:style>
+        <p:txBody>
+          <a:bodyPr rtlCol="0" anchor="ctr"/>
+          <a:lstStyle/>
+          <a:p>
+            <a:pPr algn="ctr"/>
+            <a:r>
+              <a:rPr lang="en-US" altLang="ko-KR" dirty="0"/>
+              <a:t>FHTH</a:t>
+            </a:r>
+          </a:p>
+        </p:txBody>
+      </p:sp>
+      <p:sp>
+        <p:nvSpPr>
+          <p:cNvPr id="31" name="직사각형 30">
+            <a:extLst>
+              <a:ext uri="{FF2B5EF4-FFF2-40B4-BE49-F238E27FC236}">
+                <a16:creationId xmlns:a16="http://schemas.microsoft.com/office/drawing/2014/main" id="{57367FC6-E7B9-49DD-B805-05613A703C98}"/>
+              </a:ext>
+            </a:extLst>
+          </p:cNvPr>
+          <p:cNvSpPr/>
+          <p:nvPr/>
+        </p:nvSpPr>
+        <p:spPr>
+          <a:xfrm>
+            <a:off x="4755078" y="2013283"/>
+            <a:ext cx="849086" cy="403345"/>
+          </a:xfrm>
+          <a:prstGeom prst="rect">
+            <a:avLst/>
+          </a:prstGeom>
+        </p:spPr>
+        <p:style>
+          <a:lnRef idx="2">
+            <a:schemeClr val="accent1">
+              <a:shade val="50000"/>
+            </a:schemeClr>
+          </a:lnRef>
+          <a:fillRef idx="1">
+            <a:schemeClr val="accent1"/>
+          </a:fillRef>
+          <a:effectRef idx="0">
+            <a:schemeClr val="accent1"/>
+          </a:effectRef>
+          <a:fontRef idx="minor">
+            <a:schemeClr val="lt1"/>
+          </a:fontRef>
+        </p:style>
+        <p:txBody>
+          <a:bodyPr rtlCol="0" anchor="ctr"/>
+          <a:lstStyle/>
+          <a:p>
+            <a:pPr algn="ctr"/>
+            <a:r>
+              <a:rPr lang="ko-KR" altLang="en-US" dirty="0"/>
+              <a:t>모듈</a:t>
+            </a:r>
+            <a:endParaRPr lang="en-US" altLang="ko-KR" dirty="0"/>
+          </a:p>
+        </p:txBody>
+      </p:sp>
+      <p:sp>
+        <p:nvSpPr>
+          <p:cNvPr id="35" name="직사각형 34">
+            <a:extLst>
+              <a:ext uri="{FF2B5EF4-FFF2-40B4-BE49-F238E27FC236}">
+                <a16:creationId xmlns:a16="http://schemas.microsoft.com/office/drawing/2014/main" id="{EBD8B673-C79F-48AC-93E7-EFF4968AB1B5}"/>
+              </a:ext>
+            </a:extLst>
+          </p:cNvPr>
+          <p:cNvSpPr/>
+          <p:nvPr/>
+        </p:nvSpPr>
+        <p:spPr>
+          <a:xfrm>
+            <a:off x="8220598" y="234723"/>
+            <a:ext cx="1700213" cy="557212"/>
+          </a:xfrm>
+          <a:prstGeom prst="rect">
+            <a:avLst/>
+          </a:prstGeom>
+        </p:spPr>
+        <p:style>
+          <a:lnRef idx="2">
+            <a:schemeClr val="accent1">
+              <a:shade val="50000"/>
+            </a:schemeClr>
+          </a:lnRef>
+          <a:fillRef idx="1">
+            <a:schemeClr val="accent1"/>
+          </a:fillRef>
+          <a:effectRef idx="0">
+            <a:schemeClr val="accent1"/>
+          </a:effectRef>
+          <a:fontRef idx="minor">
+            <a:schemeClr val="lt1"/>
+          </a:fontRef>
+        </p:style>
+        <p:txBody>
+          <a:bodyPr rtlCol="0" anchor="ctr"/>
+          <a:lstStyle/>
+          <a:p>
+            <a:pPr algn="ctr"/>
+            <a:r>
+              <a:rPr lang="ko-KR" altLang="en-US" dirty="0"/>
+              <a:t>로그아웃</a:t>
+            </a:r>
+            <a:endParaRPr lang="en-US" altLang="ko-KR" dirty="0"/>
+          </a:p>
+        </p:txBody>
+      </p:sp>
+      <p:sp>
+        <p:nvSpPr>
+          <p:cNvPr id="36" name="직사각형 35">
+            <a:extLst>
+              <a:ext uri="{FF2B5EF4-FFF2-40B4-BE49-F238E27FC236}">
+                <a16:creationId xmlns:a16="http://schemas.microsoft.com/office/drawing/2014/main" id="{B29F6B9D-32B5-4922-A5CD-797FE84B40FC}"/>
+              </a:ext>
+            </a:extLst>
+          </p:cNvPr>
+          <p:cNvSpPr/>
+          <p:nvPr/>
+        </p:nvSpPr>
+        <p:spPr>
+          <a:xfrm>
+            <a:off x="5603175" y="2005846"/>
+            <a:ext cx="334487" cy="403345"/>
+          </a:xfrm>
+          <a:prstGeom prst="rect">
+            <a:avLst/>
+          </a:prstGeom>
+        </p:spPr>
+        <p:style>
+          <a:lnRef idx="2">
+            <a:schemeClr val="accent1">
+              <a:shade val="50000"/>
+            </a:schemeClr>
+          </a:lnRef>
+          <a:fillRef idx="1">
+            <a:schemeClr val="accent1"/>
+          </a:fillRef>
+          <a:effectRef idx="0">
+            <a:schemeClr val="accent1"/>
+          </a:effectRef>
+          <a:fontRef idx="minor">
+            <a:schemeClr val="lt1"/>
+          </a:fontRef>
+        </p:style>
+        <p:txBody>
+          <a:bodyPr rtlCol="0" anchor="ctr"/>
+          <a:lstStyle/>
+          <a:p>
+            <a:pPr algn="ctr"/>
+            <a:r>
+              <a:rPr lang="en-US" altLang="ko-KR"/>
+              <a:t>3</a:t>
+            </a:r>
+            <a:endParaRPr lang="en-US" altLang="ko-KR" dirty="0"/>
+          </a:p>
+        </p:txBody>
+      </p:sp>
+      <p:sp>
+        <p:nvSpPr>
+          <p:cNvPr id="5" name="직사각형 4">
+            <a:extLst>
+              <a:ext uri="{FF2B5EF4-FFF2-40B4-BE49-F238E27FC236}">
+                <a16:creationId xmlns:a16="http://schemas.microsoft.com/office/drawing/2014/main" id="{98C91346-8AFA-4BFD-A763-0BDEF3D606F2}"/>
+              </a:ext>
+            </a:extLst>
+          </p:cNvPr>
+          <p:cNvSpPr/>
+          <p:nvPr/>
+        </p:nvSpPr>
+        <p:spPr>
+          <a:xfrm>
+            <a:off x="157380" y="1392081"/>
+            <a:ext cx="1033153" cy="381355"/>
+          </a:xfrm>
+          <a:prstGeom prst="rect">
+            <a:avLst/>
+          </a:prstGeom>
+        </p:spPr>
+        <p:style>
+          <a:lnRef idx="2">
+            <a:schemeClr val="accent1">
+              <a:shade val="50000"/>
+            </a:schemeClr>
+          </a:lnRef>
+          <a:fillRef idx="1">
+            <a:schemeClr val="accent1"/>
+          </a:fillRef>
+          <a:effectRef idx="0">
+            <a:schemeClr val="accent1"/>
+          </a:effectRef>
+          <a:fontRef idx="minor">
+            <a:schemeClr val="lt1"/>
+          </a:fontRef>
+        </p:style>
+        <p:txBody>
+          <a:bodyPr rtlCol="0" anchor="ctr"/>
+          <a:lstStyle/>
+          <a:p>
+            <a:pPr algn="ctr"/>
+            <a:r>
+              <a:rPr lang="ko-KR" altLang="en-US" dirty="0"/>
+              <a:t>로봇</a:t>
+            </a:r>
+          </a:p>
+        </p:txBody>
+      </p:sp>
+      <p:sp>
+        <p:nvSpPr>
+          <p:cNvPr id="38" name="직사각형 37">
+            <a:extLst>
+              <a:ext uri="{FF2B5EF4-FFF2-40B4-BE49-F238E27FC236}">
+                <a16:creationId xmlns:a16="http://schemas.microsoft.com/office/drawing/2014/main" id="{496EE213-3EC5-41CC-9889-05F6B54643DD}"/>
+              </a:ext>
+            </a:extLst>
+          </p:cNvPr>
+          <p:cNvSpPr/>
+          <p:nvPr/>
+        </p:nvSpPr>
+        <p:spPr>
+          <a:xfrm>
+            <a:off x="1190533" y="1396350"/>
+            <a:ext cx="293883" cy="381355"/>
+          </a:xfrm>
+          <a:prstGeom prst="rect">
+            <a:avLst/>
+          </a:prstGeom>
+        </p:spPr>
+        <p:style>
+          <a:lnRef idx="2">
+            <a:schemeClr val="accent1">
+              <a:shade val="50000"/>
+            </a:schemeClr>
+          </a:lnRef>
+          <a:fillRef idx="1">
+            <a:schemeClr val="accent1"/>
+          </a:fillRef>
+          <a:effectRef idx="0">
+            <a:schemeClr val="accent1"/>
+          </a:effectRef>
+          <a:fontRef idx="minor">
+            <a:schemeClr val="lt1"/>
+          </a:fontRef>
+        </p:style>
+        <p:txBody>
+          <a:bodyPr rtlCol="0" anchor="ctr"/>
+          <a:lstStyle/>
+          <a:p>
+            <a:pPr algn="ctr"/>
+            <a:r>
+              <a:rPr lang="en-US" altLang="ko-KR"/>
+              <a:t>1</a:t>
+            </a:r>
+            <a:endParaRPr lang="ko-KR" altLang="en-US" dirty="0"/>
+          </a:p>
+        </p:txBody>
+      </p:sp>
+      <p:sp>
+        <p:nvSpPr>
+          <p:cNvPr id="39" name="직사각형 38">
+            <a:extLst>
+              <a:ext uri="{FF2B5EF4-FFF2-40B4-BE49-F238E27FC236}">
+                <a16:creationId xmlns:a16="http://schemas.microsoft.com/office/drawing/2014/main" id="{B69BCACD-790E-4CFB-994E-320271191DB6}"/>
+              </a:ext>
+            </a:extLst>
+          </p:cNvPr>
+          <p:cNvSpPr/>
+          <p:nvPr/>
+        </p:nvSpPr>
+        <p:spPr>
+          <a:xfrm>
+            <a:off x="4973782" y="2633807"/>
+            <a:ext cx="6836228" cy="3100779"/>
+          </a:xfrm>
+          <a:prstGeom prst="rect">
+            <a:avLst/>
+          </a:prstGeom>
+        </p:spPr>
+        <p:style>
+          <a:lnRef idx="2">
+            <a:schemeClr val="accent1">
+              <a:shade val="50000"/>
+            </a:schemeClr>
+          </a:lnRef>
+          <a:fillRef idx="1">
+            <a:schemeClr val="accent1"/>
+          </a:fillRef>
+          <a:effectRef idx="0">
+            <a:schemeClr val="accent1"/>
+          </a:effectRef>
+          <a:fontRef idx="minor">
+            <a:schemeClr val="lt1"/>
+          </a:fontRef>
+        </p:style>
+        <p:txBody>
+          <a:bodyPr rtlCol="0" anchor="ctr"/>
+          <a:lstStyle/>
+          <a:p>
+            <a:pPr algn="ctr"/>
+            <a:r>
+              <a:rPr lang="ko-KR" altLang="en-US" dirty="0"/>
+              <a:t>모듈 제어 정보</a:t>
+            </a:r>
+            <a:endParaRPr lang="en-US" altLang="ko-KR" dirty="0"/>
           </a:p>
         </p:txBody>
       </p:sp>
@@ -4666,10 +5811,10 @@
       </p:grpSpPr>
       <p:sp>
         <p:nvSpPr>
-          <p:cNvPr id="4" name="직사각형 3">
-            <a:extLst>
-              <a:ext uri="{FF2B5EF4-FFF2-40B4-BE49-F238E27FC236}">
-                <a16:creationId xmlns:a16="http://schemas.microsoft.com/office/drawing/2014/main" id="{17D3EEB4-4C9C-4FE1-AD5A-1CCCAC1BD64F}"/>
+          <p:cNvPr id="3" name="직사각형 2">
+            <a:extLst>
+              <a:ext uri="{FF2B5EF4-FFF2-40B4-BE49-F238E27FC236}">
+                <a16:creationId xmlns:a16="http://schemas.microsoft.com/office/drawing/2014/main" id="{BBA82A4B-8ABB-4020-A8FE-FED7C0057501}"/>
               </a:ext>
             </a:extLst>
           </p:cNvPr>
@@ -4678,12 +5823,20 @@
         </p:nvSpPr>
         <p:spPr>
           <a:xfrm>
-            <a:off x="4091049" y="578644"/>
-            <a:ext cx="1700213" cy="557212"/>
-          </a:xfrm>
-          <a:prstGeom prst="rect">
-            <a:avLst/>
-          </a:prstGeom>
+            <a:off x="0" y="0"/>
+            <a:ext cx="12192000" cy="1270660"/>
+          </a:xfrm>
+          <a:prstGeom prst="rect">
+            <a:avLst/>
+          </a:prstGeom>
+          <a:solidFill>
+            <a:srgbClr val="409EFF"/>
+          </a:solidFill>
+          <a:ln>
+            <a:solidFill>
+              <a:srgbClr val="409EFF"/>
+            </a:solidFill>
+          </a:ln>
         </p:spPr>
         <p:style>
           <a:lnRef idx="2">
@@ -4706,20 +5859,16 @@
           <a:lstStyle/>
           <a:p>
             <a:pPr algn="ctr"/>
-            <a:r>
-              <a:rPr lang="ko-KR" altLang="en-US" dirty="0"/>
-              <a:t>환영합니다</a:t>
-            </a:r>
-            <a:endParaRPr lang="en-US" altLang="ko-KR" dirty="0"/>
-          </a:p>
-        </p:txBody>
-      </p:sp>
-      <p:sp>
-        <p:nvSpPr>
-          <p:cNvPr id="6" name="직사각형 5">
-            <a:extLst>
-              <a:ext uri="{FF2B5EF4-FFF2-40B4-BE49-F238E27FC236}">
-                <a16:creationId xmlns:a16="http://schemas.microsoft.com/office/drawing/2014/main" id="{05BAB31C-0BAB-4E81-A162-DC2083FAB38C}"/>
+            <a:endParaRPr lang="ko-KR" altLang="en-US"/>
+          </a:p>
+        </p:txBody>
+      </p:sp>
+      <p:sp>
+        <p:nvSpPr>
+          <p:cNvPr id="4" name="직사각형 3">
+            <a:extLst>
+              <a:ext uri="{FF2B5EF4-FFF2-40B4-BE49-F238E27FC236}">
+                <a16:creationId xmlns:a16="http://schemas.microsoft.com/office/drawing/2014/main" id="{17D3EEB4-4C9C-4FE1-AD5A-1CCCAC1BD64F}"/>
               </a:ext>
             </a:extLst>
           </p:cNvPr>
@@ -4728,8 +5877,8 @@
         </p:nvSpPr>
         <p:spPr>
           <a:xfrm>
-            <a:off x="0" y="0"/>
-            <a:ext cx="3331029" cy="6858000"/>
+            <a:off x="8199978" y="234722"/>
+            <a:ext cx="1700213" cy="557212"/>
           </a:xfrm>
           <a:prstGeom prst="rect">
             <a:avLst/>
@@ -4756,16 +5905,19 @@
           <a:lstStyle/>
           <a:p>
             <a:pPr algn="ctr"/>
-            <a:endParaRPr lang="en-US" altLang="ko-KR" dirty="0"/>
-          </a:p>
-        </p:txBody>
-      </p:sp>
-      <p:sp>
-        <p:nvSpPr>
-          <p:cNvPr id="7" name="직사각형 6">
-            <a:extLst>
-              <a:ext uri="{FF2B5EF4-FFF2-40B4-BE49-F238E27FC236}">
-                <a16:creationId xmlns:a16="http://schemas.microsoft.com/office/drawing/2014/main" id="{3AEC4883-C358-4BCA-8B7B-9D9D5FD10EFE}"/>
+            <a:r>
+              <a:rPr lang="en-US" altLang="ko-KR" dirty="0"/>
+              <a:t>id</a:t>
+            </a:r>
+          </a:p>
+        </p:txBody>
+      </p:sp>
+      <p:sp>
+        <p:nvSpPr>
+          <p:cNvPr id="6" name="직사각형 5">
+            <a:extLst>
+              <a:ext uri="{FF2B5EF4-FFF2-40B4-BE49-F238E27FC236}">
+                <a16:creationId xmlns:a16="http://schemas.microsoft.com/office/drawing/2014/main" id="{05BAB31C-0BAB-4E81-A162-DC2083FAB38C}"/>
               </a:ext>
             </a:extLst>
           </p:cNvPr>
@@ -4774,12 +5926,15 @@
         </p:nvSpPr>
         <p:spPr>
           <a:xfrm>
-            <a:off x="178130" y="382237"/>
-            <a:ext cx="2974768" cy="2271898"/>
-          </a:xfrm>
-          <a:prstGeom prst="rect">
-            <a:avLst/>
-          </a:prstGeom>
+            <a:off x="0" y="1270660"/>
+            <a:ext cx="3331029" cy="5587340"/>
+          </a:xfrm>
+          <a:prstGeom prst="rect">
+            <a:avLst/>
+          </a:prstGeom>
+          <a:solidFill>
+            <a:srgbClr val="909399"/>
+          </a:solidFill>
         </p:spPr>
         <p:style>
           <a:lnRef idx="2">
@@ -4802,20 +5957,16 @@
           <a:lstStyle/>
           <a:p>
             <a:pPr algn="ctr"/>
-            <a:r>
-              <a:rPr lang="ko-KR" altLang="en-US" dirty="0"/>
-              <a:t>카메라 화면</a:t>
-            </a:r>
             <a:endParaRPr lang="en-US" altLang="ko-KR" dirty="0"/>
           </a:p>
         </p:txBody>
       </p:sp>
       <p:sp>
         <p:nvSpPr>
-          <p:cNvPr id="8" name="직사각형 7">
-            <a:extLst>
-              <a:ext uri="{FF2B5EF4-FFF2-40B4-BE49-F238E27FC236}">
-                <a16:creationId xmlns:a16="http://schemas.microsoft.com/office/drawing/2014/main" id="{0E5A02CD-7B0D-4EAF-BF58-7D8219090A1A}"/>
+          <p:cNvPr id="7" name="직사각형 6">
+            <a:extLst>
+              <a:ext uri="{FF2B5EF4-FFF2-40B4-BE49-F238E27FC236}">
+                <a16:creationId xmlns:a16="http://schemas.microsoft.com/office/drawing/2014/main" id="{3AEC4883-C358-4BCA-8B7B-9D9D5FD10EFE}"/>
               </a:ext>
             </a:extLst>
           </p:cNvPr>
@@ -4824,8 +5975,8 @@
         </p:nvSpPr>
         <p:spPr>
           <a:xfrm>
-            <a:off x="4091049" y="1796792"/>
-            <a:ext cx="7457703" cy="4247748"/>
+            <a:off x="157380" y="1912299"/>
+            <a:ext cx="2974768" cy="2271898"/>
           </a:xfrm>
           <a:prstGeom prst="rect">
             <a:avLst/>
@@ -4854,7 +6005,7 @@
             <a:pPr algn="ctr"/>
             <a:r>
               <a:rPr lang="ko-KR" altLang="en-US" dirty="0"/>
-              <a:t>로봇에 연결된 기기들</a:t>
+              <a:t>카메라 화면</a:t>
             </a:r>
             <a:endParaRPr lang="en-US" altLang="ko-KR" dirty="0"/>
           </a:p>
@@ -4862,10 +6013,10 @@
       </p:sp>
       <p:sp>
         <p:nvSpPr>
-          <p:cNvPr id="13" name="직사각형 12">
-            <a:extLst>
-              <a:ext uri="{FF2B5EF4-FFF2-40B4-BE49-F238E27FC236}">
-                <a16:creationId xmlns:a16="http://schemas.microsoft.com/office/drawing/2014/main" id="{567D84A1-C0F8-4EF5-90B5-104AD73B1B4B}"/>
+          <p:cNvPr id="8" name="직사각형 7">
+            <a:extLst>
+              <a:ext uri="{FF2B5EF4-FFF2-40B4-BE49-F238E27FC236}">
+                <a16:creationId xmlns:a16="http://schemas.microsoft.com/office/drawing/2014/main" id="{0E5A02CD-7B0D-4EAF-BF58-7D8219090A1A}"/>
               </a:ext>
             </a:extLst>
           </p:cNvPr>
@@ -4874,12 +6025,15 @@
         </p:nvSpPr>
         <p:spPr>
           <a:xfrm>
-            <a:off x="793603" y="3704638"/>
-            <a:ext cx="570016" cy="498764"/>
-          </a:xfrm>
-          <a:prstGeom prst="rect">
-            <a:avLst/>
-          </a:prstGeom>
+            <a:off x="4605780" y="1603759"/>
+            <a:ext cx="6992902" cy="4849263"/>
+          </a:xfrm>
+          <a:prstGeom prst="rect">
+            <a:avLst/>
+          </a:prstGeom>
+          <a:solidFill>
+            <a:srgbClr val="409EFF"/>
+          </a:solidFill>
         </p:spPr>
         <p:style>
           <a:lnRef idx="2">
@@ -4903,19 +6057,19 @@
           <a:p>
             <a:pPr algn="ctr"/>
             <a:r>
-              <a:rPr lang="ko-KR" altLang="en-US" sz="1000" dirty="0"/>
-              <a:t>화살표</a:t>
-            </a:r>
-            <a:endParaRPr lang="en-US" altLang="ko-KR" sz="1000" dirty="0"/>
-          </a:p>
-        </p:txBody>
-      </p:sp>
-      <p:sp>
-        <p:nvSpPr>
-          <p:cNvPr id="14" name="직사각형 13">
-            <a:extLst>
-              <a:ext uri="{FF2B5EF4-FFF2-40B4-BE49-F238E27FC236}">
-                <a16:creationId xmlns:a16="http://schemas.microsoft.com/office/drawing/2014/main" id="{AFD515E5-A4DB-41D4-AB7F-D06B993F25AC}"/>
+              <a:rPr lang="ko-KR" altLang="en-US" dirty="0"/>
+              <a:t>모듈 제어 정보</a:t>
+            </a:r>
+            <a:endParaRPr lang="en-US" altLang="ko-KR" dirty="0"/>
+          </a:p>
+        </p:txBody>
+      </p:sp>
+      <p:sp>
+        <p:nvSpPr>
+          <p:cNvPr id="27" name="직사각형 26">
+            <a:extLst>
+              <a:ext uri="{FF2B5EF4-FFF2-40B4-BE49-F238E27FC236}">
+                <a16:creationId xmlns:a16="http://schemas.microsoft.com/office/drawing/2014/main" id="{E37CEE21-1B2E-4D95-9971-B389396FBEB1}"/>
               </a:ext>
             </a:extLst>
           </p:cNvPr>
@@ -4924,8 +6078,8 @@
         </p:nvSpPr>
         <p:spPr>
           <a:xfrm>
-            <a:off x="1993459" y="3704638"/>
-            <a:ext cx="570016" cy="498764"/>
+            <a:off x="428471" y="234722"/>
+            <a:ext cx="2208851" cy="858921"/>
           </a:xfrm>
           <a:prstGeom prst="rect">
             <a:avLst/>
@@ -4953,19 +6107,18 @@
           <a:p>
             <a:pPr algn="ctr"/>
             <a:r>
-              <a:rPr lang="ko-KR" altLang="en-US" sz="1000" dirty="0"/>
-              <a:t>화살표</a:t>
-            </a:r>
-            <a:endParaRPr lang="en-US" altLang="ko-KR" sz="1000" dirty="0"/>
-          </a:p>
-        </p:txBody>
-      </p:sp>
-      <p:sp>
-        <p:nvSpPr>
-          <p:cNvPr id="15" name="직사각형 14">
-            <a:extLst>
-              <a:ext uri="{FF2B5EF4-FFF2-40B4-BE49-F238E27FC236}">
-                <a16:creationId xmlns:a16="http://schemas.microsoft.com/office/drawing/2014/main" id="{87DA31CC-3AF8-48DE-ADA8-81617F26B627}"/>
+              <a:rPr lang="en-US" altLang="ko-KR" dirty="0"/>
+              <a:t>FHTH</a:t>
+            </a:r>
+          </a:p>
+        </p:txBody>
+      </p:sp>
+      <p:sp>
+        <p:nvSpPr>
+          <p:cNvPr id="35" name="직사각형 34">
+            <a:extLst>
+              <a:ext uri="{FF2B5EF4-FFF2-40B4-BE49-F238E27FC236}">
+                <a16:creationId xmlns:a16="http://schemas.microsoft.com/office/drawing/2014/main" id="{EBD8B673-C79F-48AC-93E7-EFF4968AB1B5}"/>
               </a:ext>
             </a:extLst>
           </p:cNvPr>
@@ -4974,8 +6127,8 @@
         </p:nvSpPr>
         <p:spPr>
           <a:xfrm>
-            <a:off x="1391264" y="3179618"/>
-            <a:ext cx="570016" cy="498764"/>
+            <a:off x="9936388" y="234722"/>
+            <a:ext cx="1700213" cy="557212"/>
           </a:xfrm>
           <a:prstGeom prst="rect">
             <a:avLst/>
@@ -5002,20 +6155,36 @@
           <a:lstStyle/>
           <a:p>
             <a:pPr algn="ctr"/>
-            <a:r>
-              <a:rPr lang="ko-KR" altLang="en-US" sz="1000" dirty="0"/>
-              <a:t>화살표</a:t>
-            </a:r>
-            <a:endParaRPr lang="en-US" altLang="ko-KR" sz="1000" dirty="0"/>
-          </a:p>
-        </p:txBody>
-      </p:sp>
-      <p:sp>
-        <p:nvSpPr>
-          <p:cNvPr id="16" name="직사각형 15">
-            <a:extLst>
-              <a:ext uri="{FF2B5EF4-FFF2-40B4-BE49-F238E27FC236}">
-                <a16:creationId xmlns:a16="http://schemas.microsoft.com/office/drawing/2014/main" id="{E46ABF8F-D506-4732-9021-1BD5C6A101C8}"/>
+            <a:endParaRPr lang="en-US" altLang="ko-KR" dirty="0"/>
+          </a:p>
+          <a:p>
+            <a:pPr algn="ctr"/>
+            <a:r>
+              <a:rPr lang="ko-KR" altLang="en-US" dirty="0"/>
+              <a:t>정보변경</a:t>
+            </a:r>
+            <a:endParaRPr lang="en-US" altLang="ko-KR" dirty="0"/>
+          </a:p>
+          <a:p>
+            <a:pPr algn="ctr"/>
+            <a:endParaRPr lang="en-US" altLang="ko-KR" dirty="0"/>
+          </a:p>
+          <a:p>
+            <a:pPr algn="ctr"/>
+            <a:r>
+              <a:rPr lang="ko-KR" altLang="en-US" dirty="0"/>
+              <a:t>로그아웃</a:t>
+            </a:r>
+            <a:endParaRPr lang="en-US" altLang="ko-KR" dirty="0"/>
+          </a:p>
+        </p:txBody>
+      </p:sp>
+      <p:sp>
+        <p:nvSpPr>
+          <p:cNvPr id="39" name="직사각형 38">
+            <a:extLst>
+              <a:ext uri="{FF2B5EF4-FFF2-40B4-BE49-F238E27FC236}">
+                <a16:creationId xmlns:a16="http://schemas.microsoft.com/office/drawing/2014/main" id="{B69BCACD-790E-4CFB-994E-320271191DB6}"/>
               </a:ext>
             </a:extLst>
           </p:cNvPr>
@@ -5024,12 +6193,15 @@
         </p:nvSpPr>
         <p:spPr>
           <a:xfrm>
-            <a:off x="1391264" y="4257303"/>
-            <a:ext cx="570016" cy="498764"/>
-          </a:xfrm>
-          <a:prstGeom prst="rect">
-            <a:avLst/>
-          </a:prstGeom>
+            <a:off x="5005136" y="2383209"/>
+            <a:ext cx="6389685" cy="3743242"/>
+          </a:xfrm>
+          <a:prstGeom prst="rect">
+            <a:avLst/>
+          </a:prstGeom>
+          <a:solidFill>
+            <a:schemeClr val="bg1"/>
+          </a:solidFill>
         </p:spPr>
         <p:style>
           <a:lnRef idx="2">
@@ -5053,19 +6225,19 @@
           <a:p>
             <a:pPr algn="ctr"/>
             <a:r>
-              <a:rPr lang="ko-KR" altLang="en-US" sz="1000" dirty="0"/>
-              <a:t>화살표</a:t>
-            </a:r>
-            <a:endParaRPr lang="en-US" altLang="ko-KR" sz="1000" dirty="0"/>
-          </a:p>
-        </p:txBody>
-      </p:sp>
-      <p:sp>
-        <p:nvSpPr>
-          <p:cNvPr id="17" name="직사각형 16">
-            <a:extLst>
-              <a:ext uri="{FF2B5EF4-FFF2-40B4-BE49-F238E27FC236}">
-                <a16:creationId xmlns:a16="http://schemas.microsoft.com/office/drawing/2014/main" id="{FBDCF9DB-6FBD-44AA-ADBF-B20F1CCD2410}"/>
+              <a:rPr lang="ko-KR" altLang="en-US" dirty="0"/>
+              <a:t>모듈 제어 정보</a:t>
+            </a:r>
+            <a:endParaRPr lang="en-US" altLang="ko-KR" dirty="0"/>
+          </a:p>
+        </p:txBody>
+      </p:sp>
+      <p:sp>
+        <p:nvSpPr>
+          <p:cNvPr id="20" name="직사각형 19">
+            <a:extLst>
+              <a:ext uri="{FF2B5EF4-FFF2-40B4-BE49-F238E27FC236}">
+                <a16:creationId xmlns:a16="http://schemas.microsoft.com/office/drawing/2014/main" id="{BE53C1A3-C765-4C15-AA4F-9A8D5D40A140}"/>
               </a:ext>
             </a:extLst>
           </p:cNvPr>
@@ -5074,8 +6246,8 @@
         </p:nvSpPr>
         <p:spPr>
           <a:xfrm>
-            <a:off x="9848539" y="578644"/>
-            <a:ext cx="1700213" cy="557212"/>
+            <a:off x="5294285" y="2687957"/>
+            <a:ext cx="1609930" cy="1091076"/>
           </a:xfrm>
           <a:prstGeom prst="rect">
             <a:avLst/>
@@ -5103,19 +6275,18 @@
           <a:p>
             <a:pPr algn="ctr"/>
             <a:r>
-              <a:rPr lang="ko-KR" altLang="en-US" dirty="0"/>
-              <a:t>정보 변경</a:t>
-            </a:r>
-            <a:endParaRPr lang="en-US" altLang="ko-KR" dirty="0"/>
-          </a:p>
-        </p:txBody>
-      </p:sp>
-      <p:sp>
-        <p:nvSpPr>
-          <p:cNvPr id="18" name="직사각형 17">
-            <a:extLst>
-              <a:ext uri="{FF2B5EF4-FFF2-40B4-BE49-F238E27FC236}">
-                <a16:creationId xmlns:a16="http://schemas.microsoft.com/office/drawing/2014/main" id="{344A43CF-7BE8-46B6-80ED-FB0F2987D164}"/>
+              <a:rPr lang="ko-KR" altLang="en-US" sz="1400" dirty="0"/>
+              <a:t>위에 남은 사료</a:t>
+            </a:r>
+          </a:p>
+        </p:txBody>
+      </p:sp>
+      <p:sp>
+        <p:nvSpPr>
+          <p:cNvPr id="21" name="직사각형 20">
+            <a:extLst>
+              <a:ext uri="{FF2B5EF4-FFF2-40B4-BE49-F238E27FC236}">
+                <a16:creationId xmlns:a16="http://schemas.microsoft.com/office/drawing/2014/main" id="{68ED1E79-E0BC-435C-88CD-E66D51A88946}"/>
               </a:ext>
             </a:extLst>
           </p:cNvPr>
@@ -5124,8 +6295,8 @@
         </p:nvSpPr>
         <p:spPr>
           <a:xfrm>
-            <a:off x="7028213" y="6217444"/>
-            <a:ext cx="1700213" cy="557212"/>
+            <a:off x="5294284" y="3791801"/>
+            <a:ext cx="932066" cy="1091077"/>
           </a:xfrm>
           <a:prstGeom prst="rect">
             <a:avLst/>
@@ -5152,19 +6323,16 @@
           <a:lstStyle/>
           <a:p>
             <a:pPr algn="ctr"/>
-            <a:r>
-              <a:rPr lang="en-US" altLang="ko-KR" dirty="0"/>
-              <a:t>1 2 3</a:t>
-            </a:r>
-          </a:p>
-        </p:txBody>
-      </p:sp>
-      <p:sp>
-        <p:nvSpPr>
-          <p:cNvPr id="2" name="직사각형 1">
-            <a:extLst>
-              <a:ext uri="{FF2B5EF4-FFF2-40B4-BE49-F238E27FC236}">
-                <a16:creationId xmlns:a16="http://schemas.microsoft.com/office/drawing/2014/main" id="{A53B8A22-8950-4617-BB78-4C2ACE8E3339}"/>
+            <a:endParaRPr lang="ko-KR" altLang="en-US" dirty="0"/>
+          </a:p>
+        </p:txBody>
+      </p:sp>
+      <p:sp>
+        <p:nvSpPr>
+          <p:cNvPr id="22" name="직사각형 21">
+            <a:extLst>
+              <a:ext uri="{FF2B5EF4-FFF2-40B4-BE49-F238E27FC236}">
+                <a16:creationId xmlns:a16="http://schemas.microsoft.com/office/drawing/2014/main" id="{F9351EB3-3BDC-4BC3-8E33-71E2F839C647}"/>
               </a:ext>
             </a:extLst>
           </p:cNvPr>
@@ -5173,17 +6341,12 @@
         </p:nvSpPr>
         <p:spPr>
           <a:xfrm>
-            <a:off x="0" y="0"/>
-            <a:ext cx="12192000" cy="6858000"/>
-          </a:xfrm>
-          <a:prstGeom prst="rect">
-            <a:avLst/>
-          </a:prstGeom>
-          <a:solidFill>
-            <a:schemeClr val="tx1">
-              <a:alpha val="52000"/>
-            </a:schemeClr>
-          </a:solidFill>
+            <a:off x="5294284" y="4825145"/>
+            <a:ext cx="1609930" cy="1091076"/>
+          </a:xfrm>
+          <a:prstGeom prst="rect">
+            <a:avLst/>
+          </a:prstGeom>
         </p:spPr>
         <p:style>
           <a:lnRef idx="2">
@@ -5206,193 +6369,6 @@
           <a:lstStyle/>
           <a:p>
             <a:pPr algn="ctr"/>
-            <a:endParaRPr lang="ko-KR" altLang="en-US"/>
-          </a:p>
-        </p:txBody>
-      </p:sp>
-      <p:sp>
-        <p:nvSpPr>
-          <p:cNvPr id="3" name="직사각형 2">
-            <a:extLst>
-              <a:ext uri="{FF2B5EF4-FFF2-40B4-BE49-F238E27FC236}">
-                <a16:creationId xmlns:a16="http://schemas.microsoft.com/office/drawing/2014/main" id="{396FC7F2-19D1-40C9-B8C0-CB9750F0BE96}"/>
-              </a:ext>
-            </a:extLst>
-          </p:cNvPr>
-          <p:cNvSpPr/>
-          <p:nvPr/>
-        </p:nvSpPr>
-        <p:spPr>
-          <a:xfrm>
-            <a:off x="3409794" y="221456"/>
-            <a:ext cx="5679282" cy="6193632"/>
-          </a:xfrm>
-          <a:prstGeom prst="rect">
-            <a:avLst/>
-          </a:prstGeom>
-        </p:spPr>
-        <p:style>
-          <a:lnRef idx="2">
-            <a:schemeClr val="accent1">
-              <a:shade val="50000"/>
-            </a:schemeClr>
-          </a:lnRef>
-          <a:fillRef idx="1">
-            <a:schemeClr val="accent1"/>
-          </a:fillRef>
-          <a:effectRef idx="0">
-            <a:schemeClr val="accent1"/>
-          </a:effectRef>
-          <a:fontRef idx="minor">
-            <a:schemeClr val="lt1"/>
-          </a:fontRef>
-        </p:style>
-        <p:txBody>
-          <a:bodyPr rtlCol="0" anchor="ctr"/>
-          <a:lstStyle/>
-          <a:p>
-            <a:pPr algn="ctr"/>
-            <a:endParaRPr lang="en-US" altLang="ko-KR" dirty="0"/>
-          </a:p>
-        </p:txBody>
-      </p:sp>
-      <p:sp>
-        <p:nvSpPr>
-          <p:cNvPr id="5" name="직사각형 4">
-            <a:extLst>
-              <a:ext uri="{FF2B5EF4-FFF2-40B4-BE49-F238E27FC236}">
-                <a16:creationId xmlns:a16="http://schemas.microsoft.com/office/drawing/2014/main" id="{B25D4EA5-46CA-4617-89B6-06F0B0F292AC}"/>
-              </a:ext>
-            </a:extLst>
-          </p:cNvPr>
-          <p:cNvSpPr/>
-          <p:nvPr/>
-        </p:nvSpPr>
-        <p:spPr>
-          <a:xfrm>
-            <a:off x="4124632" y="1550289"/>
-            <a:ext cx="1628775" cy="1103848"/>
-          </a:xfrm>
-          <a:prstGeom prst="rect">
-            <a:avLst/>
-          </a:prstGeom>
-        </p:spPr>
-        <p:style>
-          <a:lnRef idx="2">
-            <a:schemeClr val="accent1">
-              <a:shade val="50000"/>
-            </a:schemeClr>
-          </a:lnRef>
-          <a:fillRef idx="1">
-            <a:schemeClr val="accent1"/>
-          </a:fillRef>
-          <a:effectRef idx="0">
-            <a:schemeClr val="accent1"/>
-          </a:effectRef>
-          <a:fontRef idx="minor">
-            <a:schemeClr val="lt1"/>
-          </a:fontRef>
-        </p:style>
-        <p:txBody>
-          <a:bodyPr rtlCol="0" anchor="ctr"/>
-          <a:lstStyle/>
-          <a:p>
-            <a:pPr algn="ctr"/>
-            <a:r>
-              <a:rPr lang="ko-KR" altLang="en-US" sz="1400" dirty="0"/>
-              <a:t>위에 남은 사료</a:t>
-            </a:r>
-          </a:p>
-        </p:txBody>
-      </p:sp>
-      <p:sp>
-        <p:nvSpPr>
-          <p:cNvPr id="19" name="직사각형 18">
-            <a:extLst>
-              <a:ext uri="{FF2B5EF4-FFF2-40B4-BE49-F238E27FC236}">
-                <a16:creationId xmlns:a16="http://schemas.microsoft.com/office/drawing/2014/main" id="{3994AC6B-5AF5-4465-B0F7-850E4547E72B}"/>
-              </a:ext>
-            </a:extLst>
-          </p:cNvPr>
-          <p:cNvSpPr/>
-          <p:nvPr/>
-        </p:nvSpPr>
-        <p:spPr>
-          <a:xfrm>
-            <a:off x="4124632" y="2654135"/>
-            <a:ext cx="942976" cy="1103848"/>
-          </a:xfrm>
-          <a:prstGeom prst="rect">
-            <a:avLst/>
-          </a:prstGeom>
-        </p:spPr>
-        <p:style>
-          <a:lnRef idx="2">
-            <a:schemeClr val="accent1">
-              <a:shade val="50000"/>
-            </a:schemeClr>
-          </a:lnRef>
-          <a:fillRef idx="1">
-            <a:schemeClr val="accent1"/>
-          </a:fillRef>
-          <a:effectRef idx="0">
-            <a:schemeClr val="accent1"/>
-          </a:effectRef>
-          <a:fontRef idx="minor">
-            <a:schemeClr val="lt1"/>
-          </a:fontRef>
-        </p:style>
-        <p:txBody>
-          <a:bodyPr rtlCol="0" anchor="ctr"/>
-          <a:lstStyle/>
-          <a:p>
-            <a:pPr algn="ctr"/>
-            <a:endParaRPr lang="ko-KR" altLang="en-US" dirty="0"/>
-          </a:p>
-        </p:txBody>
-      </p:sp>
-      <p:sp>
-        <p:nvSpPr>
-          <p:cNvPr id="20" name="직사각형 19">
-            <a:extLst>
-              <a:ext uri="{FF2B5EF4-FFF2-40B4-BE49-F238E27FC236}">
-                <a16:creationId xmlns:a16="http://schemas.microsoft.com/office/drawing/2014/main" id="{1448DF58-4477-493E-B4AC-831ABB6EDF4B}"/>
-              </a:ext>
-            </a:extLst>
-          </p:cNvPr>
-          <p:cNvSpPr/>
-          <p:nvPr/>
-        </p:nvSpPr>
-        <p:spPr>
-          <a:xfrm>
-            <a:off x="4124631" y="3687477"/>
-            <a:ext cx="1628775" cy="1103848"/>
-          </a:xfrm>
-          <a:prstGeom prst="rect">
-            <a:avLst/>
-          </a:prstGeom>
-        </p:spPr>
-        <p:style>
-          <a:lnRef idx="2">
-            <a:schemeClr val="accent1">
-              <a:shade val="50000"/>
-            </a:schemeClr>
-          </a:lnRef>
-          <a:fillRef idx="1">
-            <a:schemeClr val="accent1"/>
-          </a:fillRef>
-          <a:effectRef idx="0">
-            <a:schemeClr val="accent1"/>
-          </a:effectRef>
-          <a:fontRef idx="minor">
-            <a:schemeClr val="lt1"/>
-          </a:fontRef>
-        </p:style>
-        <p:txBody>
-          <a:bodyPr rtlCol="0" anchor="ctr"/>
-          <a:lstStyle/>
-          <a:p>
-            <a:pPr algn="ctr"/>
             <a:r>
               <a:rPr lang="ko-KR" altLang="en-US" sz="1600" dirty="0"/>
               <a:t>아래 남은 사료</a:t>
@@ -5402,10 +6378,10 @@
       </p:sp>
       <p:sp>
         <p:nvSpPr>
-          <p:cNvPr id="9" name="직사각형 8">
-            <a:extLst>
-              <a:ext uri="{FF2B5EF4-FFF2-40B4-BE49-F238E27FC236}">
-                <a16:creationId xmlns:a16="http://schemas.microsoft.com/office/drawing/2014/main" id="{92B21605-AD4C-40A7-9D50-59282207082D}"/>
+          <p:cNvPr id="23" name="직사각형 22">
+            <a:extLst>
+              <a:ext uri="{FF2B5EF4-FFF2-40B4-BE49-F238E27FC236}">
+                <a16:creationId xmlns:a16="http://schemas.microsoft.com/office/drawing/2014/main" id="{74E9E426-8A5E-4D39-837F-5881EE49A1E2}"/>
               </a:ext>
             </a:extLst>
           </p:cNvPr>
@@ -5414,8 +6390,8 @@
         </p:nvSpPr>
         <p:spPr>
           <a:xfrm>
-            <a:off x="7028213" y="2932648"/>
-            <a:ext cx="1337118" cy="953552"/>
+            <a:off x="9640446" y="4663139"/>
+            <a:ext cx="1321647" cy="942519"/>
           </a:xfrm>
           <a:prstGeom prst="rect">
             <a:avLst/>
@@ -5451,10 +6427,236 @@
       </p:sp>
       <p:sp>
         <p:nvSpPr>
-          <p:cNvPr id="10" name="TextBox 9">
-            <a:extLst>
-              <a:ext uri="{FF2B5EF4-FFF2-40B4-BE49-F238E27FC236}">
-                <a16:creationId xmlns:a16="http://schemas.microsoft.com/office/drawing/2014/main" id="{0CA82F0A-FAD8-4190-B3D6-F958AA57688B}"/>
+          <p:cNvPr id="24" name="직사각형 23">
+            <a:extLst>
+              <a:ext uri="{FF2B5EF4-FFF2-40B4-BE49-F238E27FC236}">
+                <a16:creationId xmlns:a16="http://schemas.microsoft.com/office/drawing/2014/main" id="{64A0924F-1C7F-4DCA-8A4F-C46608B321F2}"/>
+              </a:ext>
+            </a:extLst>
+          </p:cNvPr>
+          <p:cNvSpPr/>
+          <p:nvPr/>
+        </p:nvSpPr>
+        <p:spPr>
+          <a:xfrm>
+            <a:off x="9398366" y="2687957"/>
+            <a:ext cx="1609930" cy="358502"/>
+          </a:xfrm>
+          <a:prstGeom prst="rect">
+            <a:avLst/>
+          </a:prstGeom>
+        </p:spPr>
+        <p:style>
+          <a:lnRef idx="2">
+            <a:schemeClr val="accent1">
+              <a:shade val="50000"/>
+            </a:schemeClr>
+          </a:lnRef>
+          <a:fillRef idx="1">
+            <a:schemeClr val="accent1"/>
+          </a:fillRef>
+          <a:effectRef idx="0">
+            <a:schemeClr val="accent1"/>
+          </a:effectRef>
+          <a:fontRef idx="minor">
+            <a:schemeClr val="lt1"/>
+          </a:fontRef>
+        </p:style>
+        <p:txBody>
+          <a:bodyPr rtlCol="0" anchor="ctr"/>
+          <a:lstStyle/>
+          <a:p>
+            <a:pPr algn="ctr"/>
+            <a:r>
+              <a:rPr lang="en-US" altLang="ko-KR" sz="1400" dirty="0"/>
+              <a:t>value1</a:t>
+            </a:r>
+            <a:endParaRPr lang="ko-KR" altLang="en-US" sz="1400" dirty="0"/>
+          </a:p>
+        </p:txBody>
+      </p:sp>
+      <p:sp>
+        <p:nvSpPr>
+          <p:cNvPr id="25" name="직사각형 24">
+            <a:extLst>
+              <a:ext uri="{FF2B5EF4-FFF2-40B4-BE49-F238E27FC236}">
+                <a16:creationId xmlns:a16="http://schemas.microsoft.com/office/drawing/2014/main" id="{32F808FF-7440-4396-8545-577A4B5FFB8A}"/>
+              </a:ext>
+            </a:extLst>
+          </p:cNvPr>
+          <p:cNvSpPr/>
+          <p:nvPr/>
+        </p:nvSpPr>
+        <p:spPr>
+          <a:xfrm>
+            <a:off x="9398366" y="3612550"/>
+            <a:ext cx="1609930" cy="358502"/>
+          </a:xfrm>
+          <a:prstGeom prst="rect">
+            <a:avLst/>
+          </a:prstGeom>
+        </p:spPr>
+        <p:style>
+          <a:lnRef idx="2">
+            <a:schemeClr val="accent1">
+              <a:shade val="50000"/>
+            </a:schemeClr>
+          </a:lnRef>
+          <a:fillRef idx="1">
+            <a:schemeClr val="accent1"/>
+          </a:fillRef>
+          <a:effectRef idx="0">
+            <a:schemeClr val="accent1"/>
+          </a:effectRef>
+          <a:fontRef idx="minor">
+            <a:schemeClr val="lt1"/>
+          </a:fontRef>
+        </p:style>
+        <p:txBody>
+          <a:bodyPr rtlCol="0" anchor="ctr"/>
+          <a:lstStyle/>
+          <a:p>
+            <a:pPr algn="ctr"/>
+            <a:r>
+              <a:rPr lang="en-US" altLang="ko-KR" sz="1400" dirty="0"/>
+              <a:t>value2</a:t>
+            </a:r>
+            <a:endParaRPr lang="ko-KR" altLang="en-US" sz="1400" dirty="0"/>
+          </a:p>
+        </p:txBody>
+      </p:sp>
+      <p:pic>
+        <p:nvPicPr>
+          <p:cNvPr id="9" name="그림 8">
+            <a:extLst>
+              <a:ext uri="{FF2B5EF4-FFF2-40B4-BE49-F238E27FC236}">
+                <a16:creationId xmlns:a16="http://schemas.microsoft.com/office/drawing/2014/main" id="{CD081810-88CC-4653-9FB7-7597A0EAEE68}"/>
+              </a:ext>
+            </a:extLst>
+          </p:cNvPr>
+          <p:cNvPicPr>
+            <a:picLocks noChangeAspect="1"/>
+          </p:cNvPicPr>
+          <p:nvPr/>
+        </p:nvPicPr>
+        <p:blipFill>
+          <a:blip r:embed="rId3"/>
+          <a:stretch>
+            <a:fillRect/>
+          </a:stretch>
+        </p:blipFill>
+        <p:spPr>
+          <a:xfrm>
+            <a:off x="-2633721" y="1174813"/>
+            <a:ext cx="1358970" cy="368319"/>
+          </a:xfrm>
+          <a:prstGeom prst="rect">
+            <a:avLst/>
+          </a:prstGeom>
+          <a:solidFill>
+            <a:srgbClr val="909399"/>
+          </a:solidFill>
+        </p:spPr>
+      </p:pic>
+      <p:pic>
+        <p:nvPicPr>
+          <p:cNvPr id="11" name="그림 10">
+            <a:extLst>
+              <a:ext uri="{FF2B5EF4-FFF2-40B4-BE49-F238E27FC236}">
+                <a16:creationId xmlns:a16="http://schemas.microsoft.com/office/drawing/2014/main" id="{EF125652-8191-4FEA-BC8F-41D50ECF3E14}"/>
+              </a:ext>
+            </a:extLst>
+          </p:cNvPr>
+          <p:cNvPicPr>
+            <a:picLocks noChangeAspect="1"/>
+          </p:cNvPicPr>
+          <p:nvPr/>
+        </p:nvPicPr>
+        <p:blipFill>
+          <a:blip r:embed="rId4"/>
+          <a:stretch>
+            <a:fillRect/>
+          </a:stretch>
+        </p:blipFill>
+        <p:spPr>
+          <a:xfrm>
+            <a:off x="-3639223" y="-2122381"/>
+            <a:ext cx="4525006" cy="1438476"/>
+          </a:xfrm>
+          <a:prstGeom prst="rect">
+            <a:avLst/>
+          </a:prstGeom>
+          <a:solidFill>
+            <a:srgbClr val="409EFF"/>
+          </a:solidFill>
+        </p:spPr>
+      </p:pic>
+      <p:pic>
+        <p:nvPicPr>
+          <p:cNvPr id="19" name="그림 18">
+            <a:extLst>
+              <a:ext uri="{FF2B5EF4-FFF2-40B4-BE49-F238E27FC236}">
+                <a16:creationId xmlns:a16="http://schemas.microsoft.com/office/drawing/2014/main" id="{F3879B4D-C02E-4C1E-B53D-664F867994E3}"/>
+              </a:ext>
+            </a:extLst>
+          </p:cNvPr>
+          <p:cNvPicPr>
+            <a:picLocks noChangeAspect="1"/>
+          </p:cNvPicPr>
+          <p:nvPr/>
+        </p:nvPicPr>
+        <p:blipFill>
+          <a:blip r:embed="rId5"/>
+          <a:stretch>
+            <a:fillRect/>
+          </a:stretch>
+        </p:blipFill>
+        <p:spPr>
+          <a:xfrm flipV="1">
+            <a:off x="7894080" y="3198917"/>
+            <a:ext cx="3008572" cy="222857"/>
+          </a:xfrm>
+          <a:prstGeom prst="rect">
+            <a:avLst/>
+          </a:prstGeom>
+        </p:spPr>
+      </p:pic>
+      <p:pic>
+        <p:nvPicPr>
+          <p:cNvPr id="34" name="그림 33">
+            <a:extLst>
+              <a:ext uri="{FF2B5EF4-FFF2-40B4-BE49-F238E27FC236}">
+                <a16:creationId xmlns:a16="http://schemas.microsoft.com/office/drawing/2014/main" id="{846647C9-4D15-4313-8D31-9369ADDF021C}"/>
+              </a:ext>
+            </a:extLst>
+          </p:cNvPr>
+          <p:cNvPicPr>
+            <a:picLocks noChangeAspect="1"/>
+          </p:cNvPicPr>
+          <p:nvPr/>
+        </p:nvPicPr>
+        <p:blipFill>
+          <a:blip r:embed="rId5"/>
+          <a:stretch>
+            <a:fillRect/>
+          </a:stretch>
+        </p:blipFill>
+        <p:spPr>
+          <a:xfrm flipV="1">
+            <a:off x="7894080" y="4168111"/>
+            <a:ext cx="3008572" cy="222857"/>
+          </a:xfrm>
+          <a:prstGeom prst="rect">
+            <a:avLst/>
+          </a:prstGeom>
+        </p:spPr>
+      </p:pic>
+      <p:sp>
+        <p:nvSpPr>
+          <p:cNvPr id="29" name="TextBox 28">
+            <a:extLst>
+              <a:ext uri="{FF2B5EF4-FFF2-40B4-BE49-F238E27FC236}">
+                <a16:creationId xmlns:a16="http://schemas.microsoft.com/office/drawing/2014/main" id="{8DB93ED9-2672-4F6F-B591-53FECA99DCF3}"/>
               </a:ext>
             </a:extLst>
           </p:cNvPr>
@@ -5463,8 +6665,8 @@
         </p:nvSpPr>
         <p:spPr>
           <a:xfrm>
-            <a:off x="5847728" y="529064"/>
-            <a:ext cx="3357563" cy="369332"/>
+            <a:off x="5680811" y="3465230"/>
+            <a:ext cx="1527209" cy="369332"/>
           </a:xfrm>
           <a:prstGeom prst="rect">
             <a:avLst/>
@@ -5478,17 +6680,562 @@
           <a:lstStyle/>
           <a:p>
             <a:r>
-              <a:rPr lang="ko-KR" altLang="en-US"/>
-              <a:t>급식기</a:t>
-            </a:r>
-            <a:endParaRPr lang="ko-KR" altLang="en-US" dirty="0"/>
+              <a:rPr lang="en-US" altLang="ko-KR" dirty="0">
+                <a:solidFill>
+                  <a:schemeClr val="bg1"/>
+                </a:solidFill>
+              </a:rPr>
+              <a:t>Value1</a:t>
+            </a:r>
+            <a:endParaRPr lang="ko-KR" altLang="en-US" dirty="0">
+              <a:solidFill>
+                <a:schemeClr val="bg1"/>
+              </a:solidFill>
+            </a:endParaRPr>
+          </a:p>
+        </p:txBody>
+      </p:sp>
+      <p:sp>
+        <p:nvSpPr>
+          <p:cNvPr id="37" name="TextBox 36">
+            <a:extLst>
+              <a:ext uri="{FF2B5EF4-FFF2-40B4-BE49-F238E27FC236}">
+                <a16:creationId xmlns:a16="http://schemas.microsoft.com/office/drawing/2014/main" id="{F6D0A139-42C0-4262-94B7-548682AD0AC1}"/>
+              </a:ext>
+            </a:extLst>
+          </p:cNvPr>
+          <p:cNvSpPr txBox="1"/>
+          <p:nvPr/>
+        </p:nvSpPr>
+        <p:spPr>
+          <a:xfrm>
+            <a:off x="5680811" y="4845551"/>
+            <a:ext cx="1527209" cy="369332"/>
+          </a:xfrm>
+          <a:prstGeom prst="rect">
+            <a:avLst/>
+          </a:prstGeom>
+          <a:noFill/>
+        </p:spPr>
+        <p:txBody>
+          <a:bodyPr wrap="square" rtlCol="0">
+            <a:spAutoFit/>
+          </a:bodyPr>
+          <a:lstStyle/>
+          <a:p>
+            <a:r>
+              <a:rPr lang="en-US" altLang="ko-KR" dirty="0">
+                <a:solidFill>
+                  <a:schemeClr val="bg1"/>
+                </a:solidFill>
+              </a:rPr>
+              <a:t>Value2</a:t>
+            </a:r>
+            <a:endParaRPr lang="ko-KR" altLang="en-US" dirty="0">
+              <a:solidFill>
+                <a:schemeClr val="bg1"/>
+              </a:solidFill>
+            </a:endParaRPr>
+          </a:p>
+        </p:txBody>
+      </p:sp>
+      <p:sp>
+        <p:nvSpPr>
+          <p:cNvPr id="59" name="직사각형 58">
+            <a:extLst>
+              <a:ext uri="{FF2B5EF4-FFF2-40B4-BE49-F238E27FC236}">
+                <a16:creationId xmlns:a16="http://schemas.microsoft.com/office/drawing/2014/main" id="{A36ACC50-0FBA-4CBA-B4DF-47C0FA0EB3C7}"/>
+              </a:ext>
+            </a:extLst>
+          </p:cNvPr>
+          <p:cNvSpPr/>
+          <p:nvPr/>
+        </p:nvSpPr>
+        <p:spPr>
+          <a:xfrm>
+            <a:off x="5070699" y="1831781"/>
+            <a:ext cx="849086" cy="341198"/>
+          </a:xfrm>
+          <a:prstGeom prst="rect">
+            <a:avLst/>
+          </a:prstGeom>
+        </p:spPr>
+        <p:style>
+          <a:lnRef idx="2">
+            <a:schemeClr val="accent1">
+              <a:shade val="50000"/>
+            </a:schemeClr>
+          </a:lnRef>
+          <a:fillRef idx="1">
+            <a:schemeClr val="accent1"/>
+          </a:fillRef>
+          <a:effectRef idx="0">
+            <a:schemeClr val="accent1"/>
+          </a:effectRef>
+          <a:fontRef idx="minor">
+            <a:schemeClr val="lt1"/>
+          </a:fontRef>
+        </p:style>
+        <p:txBody>
+          <a:bodyPr rtlCol="0" anchor="ctr"/>
+          <a:lstStyle/>
+          <a:p>
+            <a:pPr algn="ctr"/>
+            <a:r>
+              <a:rPr lang="ko-KR" altLang="en-US" dirty="0"/>
+              <a:t>모듈</a:t>
+            </a:r>
+            <a:r>
+              <a:rPr lang="en-US" altLang="ko-KR" dirty="0"/>
+              <a:t>1</a:t>
+            </a:r>
+          </a:p>
+        </p:txBody>
+      </p:sp>
+      <p:pic>
+        <p:nvPicPr>
+          <p:cNvPr id="26" name="그림 25">
+            <a:extLst>
+              <a:ext uri="{FF2B5EF4-FFF2-40B4-BE49-F238E27FC236}">
+                <a16:creationId xmlns:a16="http://schemas.microsoft.com/office/drawing/2014/main" id="{7CBF73F9-543A-4324-90B1-1C9D60683031}"/>
+              </a:ext>
+            </a:extLst>
+          </p:cNvPr>
+          <p:cNvPicPr>
+            <a:picLocks noChangeAspect="1"/>
+          </p:cNvPicPr>
+          <p:nvPr/>
+        </p:nvPicPr>
+        <p:blipFill>
+          <a:blip r:embed="rId6"/>
+          <a:stretch>
+            <a:fillRect/>
+          </a:stretch>
+        </p:blipFill>
+        <p:spPr>
+          <a:xfrm>
+            <a:off x="157380" y="1358971"/>
+            <a:ext cx="1167938" cy="436707"/>
+          </a:xfrm>
+          <a:prstGeom prst="rect">
+            <a:avLst/>
+          </a:prstGeom>
+        </p:spPr>
+      </p:pic>
+      <p:pic>
+        <p:nvPicPr>
+          <p:cNvPr id="30" name="그림 29">
+            <a:extLst>
+              <a:ext uri="{FF2B5EF4-FFF2-40B4-BE49-F238E27FC236}">
+                <a16:creationId xmlns:a16="http://schemas.microsoft.com/office/drawing/2014/main" id="{9701601A-713B-448E-A6EE-7865220306B9}"/>
+              </a:ext>
+            </a:extLst>
+          </p:cNvPr>
+          <p:cNvPicPr>
+            <a:picLocks noChangeAspect="1"/>
+          </p:cNvPicPr>
+          <p:nvPr/>
+        </p:nvPicPr>
+        <p:blipFill>
+          <a:blip r:embed="rId7"/>
+          <a:stretch>
+            <a:fillRect/>
+          </a:stretch>
+        </p:blipFill>
+        <p:spPr>
+          <a:xfrm>
+            <a:off x="3339357" y="1279102"/>
+            <a:ext cx="795646" cy="838655"/>
+          </a:xfrm>
+          <a:prstGeom prst="rect">
+            <a:avLst/>
+          </a:prstGeom>
+        </p:spPr>
+      </p:pic>
+      <p:pic>
+        <p:nvPicPr>
+          <p:cNvPr id="44" name="그림 43">
+            <a:extLst>
+              <a:ext uri="{FF2B5EF4-FFF2-40B4-BE49-F238E27FC236}">
+                <a16:creationId xmlns:a16="http://schemas.microsoft.com/office/drawing/2014/main" id="{ED15F61C-4E63-4C77-B8C8-488981640C02}"/>
+              </a:ext>
+            </a:extLst>
+          </p:cNvPr>
+          <p:cNvPicPr>
+            <a:picLocks noChangeAspect="1"/>
+          </p:cNvPicPr>
+          <p:nvPr/>
+        </p:nvPicPr>
+        <p:blipFill>
+          <a:blip r:embed="rId7"/>
+          <a:stretch>
+            <a:fillRect/>
+          </a:stretch>
+        </p:blipFill>
+        <p:spPr>
+          <a:xfrm>
+            <a:off x="3347685" y="2117757"/>
+            <a:ext cx="795646" cy="838655"/>
+          </a:xfrm>
+          <a:prstGeom prst="rect">
+            <a:avLst/>
+          </a:prstGeom>
+        </p:spPr>
+      </p:pic>
+      <p:pic>
+        <p:nvPicPr>
+          <p:cNvPr id="45" name="그림 44">
+            <a:extLst>
+              <a:ext uri="{FF2B5EF4-FFF2-40B4-BE49-F238E27FC236}">
+                <a16:creationId xmlns:a16="http://schemas.microsoft.com/office/drawing/2014/main" id="{A9B0EDB9-82DA-41EF-A523-2230C12BB42E}"/>
+              </a:ext>
+            </a:extLst>
+          </p:cNvPr>
+          <p:cNvPicPr>
+            <a:picLocks noChangeAspect="1"/>
+          </p:cNvPicPr>
+          <p:nvPr/>
+        </p:nvPicPr>
+        <p:blipFill>
+          <a:blip r:embed="rId7"/>
+          <a:stretch>
+            <a:fillRect/>
+          </a:stretch>
+        </p:blipFill>
+        <p:spPr>
+          <a:xfrm>
+            <a:off x="3356013" y="2956412"/>
+            <a:ext cx="795646" cy="838655"/>
+          </a:xfrm>
+          <a:prstGeom prst="rect">
+            <a:avLst/>
+          </a:prstGeom>
+        </p:spPr>
+      </p:pic>
+      <p:pic>
+        <p:nvPicPr>
+          <p:cNvPr id="46" name="그림 45">
+            <a:extLst>
+              <a:ext uri="{FF2B5EF4-FFF2-40B4-BE49-F238E27FC236}">
+                <a16:creationId xmlns:a16="http://schemas.microsoft.com/office/drawing/2014/main" id="{E88670DA-75D2-4270-9B4A-5CECDCF0079A}"/>
+              </a:ext>
+            </a:extLst>
+          </p:cNvPr>
+          <p:cNvPicPr>
+            <a:picLocks noChangeAspect="1"/>
+          </p:cNvPicPr>
+          <p:nvPr/>
+        </p:nvPicPr>
+        <p:blipFill>
+          <a:blip r:embed="rId7"/>
+          <a:stretch>
+            <a:fillRect/>
+          </a:stretch>
+        </p:blipFill>
+        <p:spPr>
+          <a:xfrm>
+            <a:off x="3364341" y="3795067"/>
+            <a:ext cx="795646" cy="838655"/>
+          </a:xfrm>
+          <a:prstGeom prst="rect">
+            <a:avLst/>
+          </a:prstGeom>
+        </p:spPr>
+      </p:pic>
+      <p:pic>
+        <p:nvPicPr>
+          <p:cNvPr id="47" name="그림 46">
+            <a:extLst>
+              <a:ext uri="{FF2B5EF4-FFF2-40B4-BE49-F238E27FC236}">
+                <a16:creationId xmlns:a16="http://schemas.microsoft.com/office/drawing/2014/main" id="{17627A9A-4D4B-4CED-8F58-5B3B087A9781}"/>
+              </a:ext>
+            </a:extLst>
+          </p:cNvPr>
+          <p:cNvPicPr>
+            <a:picLocks noChangeAspect="1"/>
+          </p:cNvPicPr>
+          <p:nvPr/>
+        </p:nvPicPr>
+        <p:blipFill>
+          <a:blip r:embed="rId7"/>
+          <a:stretch>
+            <a:fillRect/>
+          </a:stretch>
+        </p:blipFill>
+        <p:spPr>
+          <a:xfrm>
+            <a:off x="3372669" y="4633722"/>
+            <a:ext cx="795646" cy="838655"/>
+          </a:xfrm>
+          <a:prstGeom prst="rect">
+            <a:avLst/>
+          </a:prstGeom>
+        </p:spPr>
+      </p:pic>
+      <p:pic>
+        <p:nvPicPr>
+          <p:cNvPr id="48" name="그림 47">
+            <a:extLst>
+              <a:ext uri="{FF2B5EF4-FFF2-40B4-BE49-F238E27FC236}">
+                <a16:creationId xmlns:a16="http://schemas.microsoft.com/office/drawing/2014/main" id="{F683502E-DCEE-4C66-8D21-F64D00D5DA5B}"/>
+              </a:ext>
+            </a:extLst>
+          </p:cNvPr>
+          <p:cNvPicPr>
+            <a:picLocks noChangeAspect="1"/>
+          </p:cNvPicPr>
+          <p:nvPr/>
+        </p:nvPicPr>
+        <p:blipFill>
+          <a:blip r:embed="rId7"/>
+          <a:stretch>
+            <a:fillRect/>
+          </a:stretch>
+        </p:blipFill>
+        <p:spPr>
+          <a:xfrm>
+            <a:off x="3380997" y="5472377"/>
+            <a:ext cx="795646" cy="838655"/>
+          </a:xfrm>
+          <a:prstGeom prst="rect">
+            <a:avLst/>
+          </a:prstGeom>
+        </p:spPr>
+      </p:pic>
+      <p:pic>
+        <p:nvPicPr>
+          <p:cNvPr id="49" name="그림 48">
+            <a:extLst>
+              <a:ext uri="{FF2B5EF4-FFF2-40B4-BE49-F238E27FC236}">
+                <a16:creationId xmlns:a16="http://schemas.microsoft.com/office/drawing/2014/main" id="{7A0CA9FE-0D7D-4C2A-9A1C-6F7FE661956D}"/>
+              </a:ext>
+            </a:extLst>
+          </p:cNvPr>
+          <p:cNvPicPr>
+            <a:picLocks noChangeAspect="1"/>
+          </p:cNvPicPr>
+          <p:nvPr/>
+        </p:nvPicPr>
+        <p:blipFill>
+          <a:blip r:embed="rId7"/>
+          <a:stretch>
+            <a:fillRect/>
+          </a:stretch>
+        </p:blipFill>
+        <p:spPr>
+          <a:xfrm>
+            <a:off x="3389325" y="6311032"/>
+            <a:ext cx="795646" cy="838655"/>
+          </a:xfrm>
+          <a:prstGeom prst="rect">
+            <a:avLst/>
+          </a:prstGeom>
+        </p:spPr>
+      </p:pic>
+      <p:sp>
+        <p:nvSpPr>
+          <p:cNvPr id="15" name="직사각형 14">
+            <a:extLst>
+              <a:ext uri="{FF2B5EF4-FFF2-40B4-BE49-F238E27FC236}">
+                <a16:creationId xmlns:a16="http://schemas.microsoft.com/office/drawing/2014/main" id="{87DA31CC-3AF8-48DE-ADA8-81617F26B627}"/>
+              </a:ext>
+            </a:extLst>
+          </p:cNvPr>
+          <p:cNvSpPr/>
+          <p:nvPr/>
+        </p:nvSpPr>
+        <p:spPr>
+          <a:xfrm>
+            <a:off x="1339100" y="4362747"/>
+            <a:ext cx="661913" cy="661913"/>
+          </a:xfrm>
+          <a:prstGeom prst="rect">
+            <a:avLst/>
+          </a:prstGeom>
+        </p:spPr>
+        <p:style>
+          <a:lnRef idx="2">
+            <a:schemeClr val="accent1">
+              <a:shade val="50000"/>
+            </a:schemeClr>
+          </a:lnRef>
+          <a:fillRef idx="1">
+            <a:schemeClr val="accent1"/>
+          </a:fillRef>
+          <a:effectRef idx="0">
+            <a:schemeClr val="accent1"/>
+          </a:effectRef>
+          <a:fontRef idx="minor">
+            <a:schemeClr val="lt1"/>
+          </a:fontRef>
+        </p:style>
+        <p:txBody>
+          <a:bodyPr rtlCol="0" anchor="ctr"/>
+          <a:lstStyle/>
+          <a:p>
+            <a:pPr algn="ctr"/>
+            <a:r>
+              <a:rPr lang="ko-KR" altLang="en-US" sz="1000" dirty="0"/>
+              <a:t>화살표</a:t>
+            </a:r>
+            <a:endParaRPr lang="en-US" altLang="ko-KR" sz="1000" dirty="0"/>
+          </a:p>
+        </p:txBody>
+      </p:sp>
+      <p:sp>
+        <p:nvSpPr>
+          <p:cNvPr id="52" name="직사각형 51">
+            <a:extLst>
+              <a:ext uri="{FF2B5EF4-FFF2-40B4-BE49-F238E27FC236}">
+                <a16:creationId xmlns:a16="http://schemas.microsoft.com/office/drawing/2014/main" id="{7A48C37E-F004-47AA-8738-4FEB73CF8CA0}"/>
+              </a:ext>
+            </a:extLst>
+          </p:cNvPr>
+          <p:cNvSpPr/>
+          <p:nvPr/>
+        </p:nvSpPr>
+        <p:spPr>
+          <a:xfrm>
+            <a:off x="2000702" y="5024660"/>
+            <a:ext cx="661913" cy="661913"/>
+          </a:xfrm>
+          <a:prstGeom prst="rect">
+            <a:avLst/>
+          </a:prstGeom>
+        </p:spPr>
+        <p:style>
+          <a:lnRef idx="2">
+            <a:schemeClr val="accent1">
+              <a:shade val="50000"/>
+            </a:schemeClr>
+          </a:lnRef>
+          <a:fillRef idx="1">
+            <a:schemeClr val="accent1"/>
+          </a:fillRef>
+          <a:effectRef idx="0">
+            <a:schemeClr val="accent1"/>
+          </a:effectRef>
+          <a:fontRef idx="minor">
+            <a:schemeClr val="lt1"/>
+          </a:fontRef>
+        </p:style>
+        <p:txBody>
+          <a:bodyPr rtlCol="0" anchor="ctr"/>
+          <a:lstStyle/>
+          <a:p>
+            <a:pPr algn="ctr"/>
+            <a:r>
+              <a:rPr lang="ko-KR" altLang="en-US" sz="1000" dirty="0"/>
+              <a:t>화살표</a:t>
+            </a:r>
+            <a:endParaRPr lang="en-US" altLang="ko-KR" sz="1000" dirty="0"/>
+          </a:p>
+        </p:txBody>
+      </p:sp>
+      <p:sp>
+        <p:nvSpPr>
+          <p:cNvPr id="60" name="직사각형 59">
+            <a:extLst>
+              <a:ext uri="{FF2B5EF4-FFF2-40B4-BE49-F238E27FC236}">
+                <a16:creationId xmlns:a16="http://schemas.microsoft.com/office/drawing/2014/main" id="{B62A10D6-5A0F-4531-A86E-6FAD0227C59E}"/>
+              </a:ext>
+            </a:extLst>
+          </p:cNvPr>
+          <p:cNvSpPr/>
+          <p:nvPr/>
+        </p:nvSpPr>
+        <p:spPr>
+          <a:xfrm>
+            <a:off x="668859" y="5012642"/>
+            <a:ext cx="661913" cy="661913"/>
+          </a:xfrm>
+          <a:prstGeom prst="rect">
+            <a:avLst/>
+          </a:prstGeom>
+        </p:spPr>
+        <p:style>
+          <a:lnRef idx="2">
+            <a:schemeClr val="accent1">
+              <a:shade val="50000"/>
+            </a:schemeClr>
+          </a:lnRef>
+          <a:fillRef idx="1">
+            <a:schemeClr val="accent1"/>
+          </a:fillRef>
+          <a:effectRef idx="0">
+            <a:schemeClr val="accent1"/>
+          </a:effectRef>
+          <a:fontRef idx="minor">
+            <a:schemeClr val="lt1"/>
+          </a:fontRef>
+        </p:style>
+        <p:txBody>
+          <a:bodyPr rtlCol="0" anchor="ctr"/>
+          <a:lstStyle/>
+          <a:p>
+            <a:pPr algn="ctr"/>
+            <a:r>
+              <a:rPr lang="ko-KR" altLang="en-US" sz="1000" dirty="0"/>
+              <a:t>화살표</a:t>
+            </a:r>
+            <a:endParaRPr lang="en-US" altLang="ko-KR" sz="1000" dirty="0"/>
+          </a:p>
+        </p:txBody>
+      </p:sp>
+      <p:sp>
+        <p:nvSpPr>
+          <p:cNvPr id="61" name="직사각형 60">
+            <a:extLst>
+              <a:ext uri="{FF2B5EF4-FFF2-40B4-BE49-F238E27FC236}">
+                <a16:creationId xmlns:a16="http://schemas.microsoft.com/office/drawing/2014/main" id="{594C4D9F-4AFA-4BD1-8B1B-BE77DB47224E}"/>
+              </a:ext>
+            </a:extLst>
+          </p:cNvPr>
+          <p:cNvSpPr/>
+          <p:nvPr/>
+        </p:nvSpPr>
+        <p:spPr>
+          <a:xfrm>
+            <a:off x="1350611" y="5697439"/>
+            <a:ext cx="661913" cy="661913"/>
+          </a:xfrm>
+          <a:prstGeom prst="rect">
+            <a:avLst/>
+          </a:prstGeom>
+        </p:spPr>
+        <p:style>
+          <a:lnRef idx="2">
+            <a:schemeClr val="accent1">
+              <a:shade val="50000"/>
+            </a:schemeClr>
+          </a:lnRef>
+          <a:fillRef idx="1">
+            <a:schemeClr val="accent1"/>
+          </a:fillRef>
+          <a:effectRef idx="0">
+            <a:schemeClr val="accent1"/>
+          </a:effectRef>
+          <a:fontRef idx="minor">
+            <a:schemeClr val="lt1"/>
+          </a:fontRef>
+        </p:style>
+        <p:txBody>
+          <a:bodyPr rtlCol="0" anchor="ctr"/>
+          <a:lstStyle/>
+          <a:p>
+            <a:pPr algn="ctr"/>
+            <a:r>
+              <a:rPr lang="ko-KR" altLang="en-US" sz="1000" dirty="0"/>
+              <a:t>화살표</a:t>
+            </a:r>
+            <a:endParaRPr lang="en-US" altLang="ko-KR" sz="1000" dirty="0"/>
           </a:p>
         </p:txBody>
       </p:sp>
     </p:spTree>
     <p:extLst>
       <p:ext uri="{BB962C8B-B14F-4D97-AF65-F5344CB8AC3E}">
-        <p14:creationId xmlns:p14="http://schemas.microsoft.com/office/powerpoint/2010/main" val="468226753"/>
+        <p14:creationId xmlns:p14="http://schemas.microsoft.com/office/powerpoint/2010/main" val="2670557380"/>
       </p:ext>
     </p:extLst>
   </p:cSld>
@@ -5517,6 +7264,1923 @@
       </p:grpSpPr>
       <p:sp>
         <p:nvSpPr>
+          <p:cNvPr id="3" name="직사각형 2">
+            <a:extLst>
+              <a:ext uri="{FF2B5EF4-FFF2-40B4-BE49-F238E27FC236}">
+                <a16:creationId xmlns:a16="http://schemas.microsoft.com/office/drawing/2014/main" id="{BBA82A4B-8ABB-4020-A8FE-FED7C0057501}"/>
+              </a:ext>
+            </a:extLst>
+          </p:cNvPr>
+          <p:cNvSpPr/>
+          <p:nvPr/>
+        </p:nvSpPr>
+        <p:spPr>
+          <a:xfrm>
+            <a:off x="0" y="0"/>
+            <a:ext cx="12192000" cy="1270660"/>
+          </a:xfrm>
+          <a:prstGeom prst="rect">
+            <a:avLst/>
+          </a:prstGeom>
+          <a:solidFill>
+            <a:srgbClr val="409EFF"/>
+          </a:solidFill>
+          <a:ln>
+            <a:solidFill>
+              <a:srgbClr val="409EFF"/>
+            </a:solidFill>
+          </a:ln>
+        </p:spPr>
+        <p:style>
+          <a:lnRef idx="2">
+            <a:schemeClr val="accent1">
+              <a:shade val="50000"/>
+            </a:schemeClr>
+          </a:lnRef>
+          <a:fillRef idx="1">
+            <a:schemeClr val="accent1"/>
+          </a:fillRef>
+          <a:effectRef idx="0">
+            <a:schemeClr val="accent1"/>
+          </a:effectRef>
+          <a:fontRef idx="minor">
+            <a:schemeClr val="lt1"/>
+          </a:fontRef>
+        </p:style>
+        <p:txBody>
+          <a:bodyPr rtlCol="0" anchor="ctr"/>
+          <a:lstStyle/>
+          <a:p>
+            <a:pPr algn="ctr"/>
+            <a:endParaRPr lang="ko-KR" altLang="en-US"/>
+          </a:p>
+        </p:txBody>
+      </p:sp>
+      <p:sp>
+        <p:nvSpPr>
+          <p:cNvPr id="4" name="직사각형 3">
+            <a:extLst>
+              <a:ext uri="{FF2B5EF4-FFF2-40B4-BE49-F238E27FC236}">
+                <a16:creationId xmlns:a16="http://schemas.microsoft.com/office/drawing/2014/main" id="{17D3EEB4-4C9C-4FE1-AD5A-1CCCAC1BD64F}"/>
+              </a:ext>
+            </a:extLst>
+          </p:cNvPr>
+          <p:cNvSpPr/>
+          <p:nvPr/>
+        </p:nvSpPr>
+        <p:spPr>
+          <a:xfrm>
+            <a:off x="6520385" y="234723"/>
+            <a:ext cx="1700213" cy="557212"/>
+          </a:xfrm>
+          <a:prstGeom prst="rect">
+            <a:avLst/>
+          </a:prstGeom>
+        </p:spPr>
+        <p:style>
+          <a:lnRef idx="2">
+            <a:schemeClr val="accent1">
+              <a:shade val="50000"/>
+            </a:schemeClr>
+          </a:lnRef>
+          <a:fillRef idx="1">
+            <a:schemeClr val="accent1"/>
+          </a:fillRef>
+          <a:effectRef idx="0">
+            <a:schemeClr val="accent1"/>
+          </a:effectRef>
+          <a:fontRef idx="minor">
+            <a:schemeClr val="lt1"/>
+          </a:fontRef>
+        </p:style>
+        <p:txBody>
+          <a:bodyPr rtlCol="0" anchor="ctr"/>
+          <a:lstStyle/>
+          <a:p>
+            <a:pPr algn="ctr"/>
+            <a:r>
+              <a:rPr lang="en-US" altLang="ko-KR" dirty="0"/>
+              <a:t>id</a:t>
+            </a:r>
+          </a:p>
+        </p:txBody>
+      </p:sp>
+      <p:sp>
+        <p:nvSpPr>
+          <p:cNvPr id="6" name="직사각형 5">
+            <a:extLst>
+              <a:ext uri="{FF2B5EF4-FFF2-40B4-BE49-F238E27FC236}">
+                <a16:creationId xmlns:a16="http://schemas.microsoft.com/office/drawing/2014/main" id="{05BAB31C-0BAB-4E81-A162-DC2083FAB38C}"/>
+              </a:ext>
+            </a:extLst>
+          </p:cNvPr>
+          <p:cNvSpPr/>
+          <p:nvPr/>
+        </p:nvSpPr>
+        <p:spPr>
+          <a:xfrm>
+            <a:off x="0" y="1270660"/>
+            <a:ext cx="3331029" cy="5587340"/>
+          </a:xfrm>
+          <a:prstGeom prst="rect">
+            <a:avLst/>
+          </a:prstGeom>
+          <a:solidFill>
+            <a:srgbClr val="909399"/>
+          </a:solidFill>
+        </p:spPr>
+        <p:style>
+          <a:lnRef idx="2">
+            <a:schemeClr val="accent1">
+              <a:shade val="50000"/>
+            </a:schemeClr>
+          </a:lnRef>
+          <a:fillRef idx="1">
+            <a:schemeClr val="accent1"/>
+          </a:fillRef>
+          <a:effectRef idx="0">
+            <a:schemeClr val="accent1"/>
+          </a:effectRef>
+          <a:fontRef idx="minor">
+            <a:schemeClr val="lt1"/>
+          </a:fontRef>
+        </p:style>
+        <p:txBody>
+          <a:bodyPr rtlCol="0" anchor="ctr"/>
+          <a:lstStyle/>
+          <a:p>
+            <a:pPr algn="ctr"/>
+            <a:endParaRPr lang="en-US" altLang="ko-KR" dirty="0"/>
+          </a:p>
+        </p:txBody>
+      </p:sp>
+      <p:sp>
+        <p:nvSpPr>
+          <p:cNvPr id="7" name="직사각형 6">
+            <a:extLst>
+              <a:ext uri="{FF2B5EF4-FFF2-40B4-BE49-F238E27FC236}">
+                <a16:creationId xmlns:a16="http://schemas.microsoft.com/office/drawing/2014/main" id="{3AEC4883-C358-4BCA-8B7B-9D9D5FD10EFE}"/>
+              </a:ext>
+            </a:extLst>
+          </p:cNvPr>
+          <p:cNvSpPr/>
+          <p:nvPr/>
+        </p:nvSpPr>
+        <p:spPr>
+          <a:xfrm>
+            <a:off x="157380" y="1912299"/>
+            <a:ext cx="2974768" cy="2271898"/>
+          </a:xfrm>
+          <a:prstGeom prst="rect">
+            <a:avLst/>
+          </a:prstGeom>
+        </p:spPr>
+        <p:style>
+          <a:lnRef idx="2">
+            <a:schemeClr val="accent1">
+              <a:shade val="50000"/>
+            </a:schemeClr>
+          </a:lnRef>
+          <a:fillRef idx="1">
+            <a:schemeClr val="accent1"/>
+          </a:fillRef>
+          <a:effectRef idx="0">
+            <a:schemeClr val="accent1"/>
+          </a:effectRef>
+          <a:fontRef idx="minor">
+            <a:schemeClr val="lt1"/>
+          </a:fontRef>
+        </p:style>
+        <p:txBody>
+          <a:bodyPr rtlCol="0" anchor="ctr"/>
+          <a:lstStyle/>
+          <a:p>
+            <a:pPr algn="ctr"/>
+            <a:r>
+              <a:rPr lang="ko-KR" altLang="en-US" dirty="0"/>
+              <a:t>카메라 화면</a:t>
+            </a:r>
+            <a:endParaRPr lang="en-US" altLang="ko-KR" dirty="0"/>
+          </a:p>
+        </p:txBody>
+      </p:sp>
+      <p:sp>
+        <p:nvSpPr>
+          <p:cNvPr id="8" name="직사각형 7">
+            <a:extLst>
+              <a:ext uri="{FF2B5EF4-FFF2-40B4-BE49-F238E27FC236}">
+                <a16:creationId xmlns:a16="http://schemas.microsoft.com/office/drawing/2014/main" id="{0E5A02CD-7B0D-4EAF-BF58-7D8219090A1A}"/>
+              </a:ext>
+            </a:extLst>
+          </p:cNvPr>
+          <p:cNvSpPr/>
+          <p:nvPr/>
+        </p:nvSpPr>
+        <p:spPr>
+          <a:xfrm>
+            <a:off x="4605780" y="1603759"/>
+            <a:ext cx="6992902" cy="4849263"/>
+          </a:xfrm>
+          <a:prstGeom prst="rect">
+            <a:avLst/>
+          </a:prstGeom>
+          <a:solidFill>
+            <a:srgbClr val="409EFF"/>
+          </a:solidFill>
+        </p:spPr>
+        <p:style>
+          <a:lnRef idx="2">
+            <a:schemeClr val="accent1">
+              <a:shade val="50000"/>
+            </a:schemeClr>
+          </a:lnRef>
+          <a:fillRef idx="1">
+            <a:schemeClr val="accent1"/>
+          </a:fillRef>
+          <a:effectRef idx="0">
+            <a:schemeClr val="accent1"/>
+          </a:effectRef>
+          <a:fontRef idx="minor">
+            <a:schemeClr val="lt1"/>
+          </a:fontRef>
+        </p:style>
+        <p:txBody>
+          <a:bodyPr rtlCol="0" anchor="ctr"/>
+          <a:lstStyle/>
+          <a:p>
+            <a:pPr algn="ctr"/>
+            <a:r>
+              <a:rPr lang="ko-KR" altLang="en-US" dirty="0"/>
+              <a:t>모듈 제어 정보</a:t>
+            </a:r>
+            <a:endParaRPr lang="en-US" altLang="ko-KR" dirty="0"/>
+          </a:p>
+        </p:txBody>
+      </p:sp>
+      <p:sp>
+        <p:nvSpPr>
+          <p:cNvPr id="17" name="직사각형 16">
+            <a:extLst>
+              <a:ext uri="{FF2B5EF4-FFF2-40B4-BE49-F238E27FC236}">
+                <a16:creationId xmlns:a16="http://schemas.microsoft.com/office/drawing/2014/main" id="{FBDCF9DB-6FBD-44AA-ADBF-B20F1CCD2410}"/>
+              </a:ext>
+            </a:extLst>
+          </p:cNvPr>
+          <p:cNvSpPr/>
+          <p:nvPr/>
+        </p:nvSpPr>
+        <p:spPr>
+          <a:xfrm>
+            <a:off x="9866352" y="234723"/>
+            <a:ext cx="1700213" cy="557212"/>
+          </a:xfrm>
+          <a:prstGeom prst="rect">
+            <a:avLst/>
+          </a:prstGeom>
+        </p:spPr>
+        <p:style>
+          <a:lnRef idx="2">
+            <a:schemeClr val="accent1">
+              <a:shade val="50000"/>
+            </a:schemeClr>
+          </a:lnRef>
+          <a:fillRef idx="1">
+            <a:schemeClr val="accent1"/>
+          </a:fillRef>
+          <a:effectRef idx="0">
+            <a:schemeClr val="accent1"/>
+          </a:effectRef>
+          <a:fontRef idx="minor">
+            <a:schemeClr val="lt1"/>
+          </a:fontRef>
+        </p:style>
+        <p:txBody>
+          <a:bodyPr rtlCol="0" anchor="ctr"/>
+          <a:lstStyle/>
+          <a:p>
+            <a:pPr algn="ctr"/>
+            <a:r>
+              <a:rPr lang="ko-KR" altLang="en-US" dirty="0"/>
+              <a:t>정보 변경</a:t>
+            </a:r>
+            <a:endParaRPr lang="en-US" altLang="ko-KR" dirty="0"/>
+          </a:p>
+        </p:txBody>
+      </p:sp>
+      <p:sp>
+        <p:nvSpPr>
+          <p:cNvPr id="27" name="직사각형 26">
+            <a:extLst>
+              <a:ext uri="{FF2B5EF4-FFF2-40B4-BE49-F238E27FC236}">
+                <a16:creationId xmlns:a16="http://schemas.microsoft.com/office/drawing/2014/main" id="{E37CEE21-1B2E-4D95-9971-B389396FBEB1}"/>
+              </a:ext>
+            </a:extLst>
+          </p:cNvPr>
+          <p:cNvSpPr/>
+          <p:nvPr/>
+        </p:nvSpPr>
+        <p:spPr>
+          <a:xfrm>
+            <a:off x="428471" y="234722"/>
+            <a:ext cx="2208851" cy="858921"/>
+          </a:xfrm>
+          <a:prstGeom prst="rect">
+            <a:avLst/>
+          </a:prstGeom>
+        </p:spPr>
+        <p:style>
+          <a:lnRef idx="2">
+            <a:schemeClr val="accent1">
+              <a:shade val="50000"/>
+            </a:schemeClr>
+          </a:lnRef>
+          <a:fillRef idx="1">
+            <a:schemeClr val="accent1"/>
+          </a:fillRef>
+          <a:effectRef idx="0">
+            <a:schemeClr val="accent1"/>
+          </a:effectRef>
+          <a:fontRef idx="minor">
+            <a:schemeClr val="lt1"/>
+          </a:fontRef>
+        </p:style>
+        <p:txBody>
+          <a:bodyPr rtlCol="0" anchor="ctr"/>
+          <a:lstStyle/>
+          <a:p>
+            <a:pPr algn="ctr"/>
+            <a:r>
+              <a:rPr lang="en-US" altLang="ko-KR" dirty="0"/>
+              <a:t>FHTH</a:t>
+            </a:r>
+          </a:p>
+        </p:txBody>
+      </p:sp>
+      <p:sp>
+        <p:nvSpPr>
+          <p:cNvPr id="35" name="직사각형 34">
+            <a:extLst>
+              <a:ext uri="{FF2B5EF4-FFF2-40B4-BE49-F238E27FC236}">
+                <a16:creationId xmlns:a16="http://schemas.microsoft.com/office/drawing/2014/main" id="{EBD8B673-C79F-48AC-93E7-EFF4968AB1B5}"/>
+              </a:ext>
+            </a:extLst>
+          </p:cNvPr>
+          <p:cNvSpPr/>
+          <p:nvPr/>
+        </p:nvSpPr>
+        <p:spPr>
+          <a:xfrm>
+            <a:off x="8220598" y="234723"/>
+            <a:ext cx="1700213" cy="557212"/>
+          </a:xfrm>
+          <a:prstGeom prst="rect">
+            <a:avLst/>
+          </a:prstGeom>
+        </p:spPr>
+        <p:style>
+          <a:lnRef idx="2">
+            <a:schemeClr val="accent1">
+              <a:shade val="50000"/>
+            </a:schemeClr>
+          </a:lnRef>
+          <a:fillRef idx="1">
+            <a:schemeClr val="accent1"/>
+          </a:fillRef>
+          <a:effectRef idx="0">
+            <a:schemeClr val="accent1"/>
+          </a:effectRef>
+          <a:fontRef idx="minor">
+            <a:schemeClr val="lt1"/>
+          </a:fontRef>
+        </p:style>
+        <p:txBody>
+          <a:bodyPr rtlCol="0" anchor="ctr"/>
+          <a:lstStyle/>
+          <a:p>
+            <a:pPr algn="ctr"/>
+            <a:r>
+              <a:rPr lang="ko-KR" altLang="en-US" dirty="0"/>
+              <a:t>로그아웃</a:t>
+            </a:r>
+            <a:endParaRPr lang="en-US" altLang="ko-KR" dirty="0"/>
+          </a:p>
+        </p:txBody>
+      </p:sp>
+      <p:sp>
+        <p:nvSpPr>
+          <p:cNvPr id="39" name="직사각형 38">
+            <a:extLst>
+              <a:ext uri="{FF2B5EF4-FFF2-40B4-BE49-F238E27FC236}">
+                <a16:creationId xmlns:a16="http://schemas.microsoft.com/office/drawing/2014/main" id="{B69BCACD-790E-4CFB-994E-320271191DB6}"/>
+              </a:ext>
+            </a:extLst>
+          </p:cNvPr>
+          <p:cNvSpPr/>
+          <p:nvPr/>
+        </p:nvSpPr>
+        <p:spPr>
+          <a:xfrm>
+            <a:off x="5005136" y="2383209"/>
+            <a:ext cx="6389685" cy="3743242"/>
+          </a:xfrm>
+          <a:prstGeom prst="rect">
+            <a:avLst/>
+          </a:prstGeom>
+          <a:solidFill>
+            <a:schemeClr val="bg1"/>
+          </a:solidFill>
+        </p:spPr>
+        <p:style>
+          <a:lnRef idx="2">
+            <a:schemeClr val="accent1">
+              <a:shade val="50000"/>
+            </a:schemeClr>
+          </a:lnRef>
+          <a:fillRef idx="1">
+            <a:schemeClr val="accent1"/>
+          </a:fillRef>
+          <a:effectRef idx="0">
+            <a:schemeClr val="accent1"/>
+          </a:effectRef>
+          <a:fontRef idx="minor">
+            <a:schemeClr val="lt1"/>
+          </a:fontRef>
+        </p:style>
+        <p:txBody>
+          <a:bodyPr rtlCol="0" anchor="ctr"/>
+          <a:lstStyle/>
+          <a:p>
+            <a:pPr algn="ctr"/>
+            <a:r>
+              <a:rPr lang="ko-KR" altLang="en-US" dirty="0"/>
+              <a:t>모듈 제어 정보</a:t>
+            </a:r>
+            <a:endParaRPr lang="en-US" altLang="ko-KR" dirty="0"/>
+          </a:p>
+        </p:txBody>
+      </p:sp>
+      <p:pic>
+        <p:nvPicPr>
+          <p:cNvPr id="9" name="그림 8">
+            <a:extLst>
+              <a:ext uri="{FF2B5EF4-FFF2-40B4-BE49-F238E27FC236}">
+                <a16:creationId xmlns:a16="http://schemas.microsoft.com/office/drawing/2014/main" id="{CD081810-88CC-4653-9FB7-7597A0EAEE68}"/>
+              </a:ext>
+            </a:extLst>
+          </p:cNvPr>
+          <p:cNvPicPr>
+            <a:picLocks noChangeAspect="1"/>
+          </p:cNvPicPr>
+          <p:nvPr/>
+        </p:nvPicPr>
+        <p:blipFill>
+          <a:blip r:embed="rId2"/>
+          <a:stretch>
+            <a:fillRect/>
+          </a:stretch>
+        </p:blipFill>
+        <p:spPr>
+          <a:xfrm>
+            <a:off x="-2633721" y="1174813"/>
+            <a:ext cx="1358970" cy="368319"/>
+          </a:xfrm>
+          <a:prstGeom prst="rect">
+            <a:avLst/>
+          </a:prstGeom>
+          <a:solidFill>
+            <a:srgbClr val="909399"/>
+          </a:solidFill>
+        </p:spPr>
+      </p:pic>
+      <p:pic>
+        <p:nvPicPr>
+          <p:cNvPr id="11" name="그림 10">
+            <a:extLst>
+              <a:ext uri="{FF2B5EF4-FFF2-40B4-BE49-F238E27FC236}">
+                <a16:creationId xmlns:a16="http://schemas.microsoft.com/office/drawing/2014/main" id="{EF125652-8191-4FEA-BC8F-41D50ECF3E14}"/>
+              </a:ext>
+            </a:extLst>
+          </p:cNvPr>
+          <p:cNvPicPr>
+            <a:picLocks noChangeAspect="1"/>
+          </p:cNvPicPr>
+          <p:nvPr/>
+        </p:nvPicPr>
+        <p:blipFill>
+          <a:blip r:embed="rId3"/>
+          <a:stretch>
+            <a:fillRect/>
+          </a:stretch>
+        </p:blipFill>
+        <p:spPr>
+          <a:xfrm>
+            <a:off x="-3639223" y="-2122381"/>
+            <a:ext cx="4525006" cy="1438476"/>
+          </a:xfrm>
+          <a:prstGeom prst="rect">
+            <a:avLst/>
+          </a:prstGeom>
+          <a:solidFill>
+            <a:srgbClr val="409EFF"/>
+          </a:solidFill>
+        </p:spPr>
+      </p:pic>
+      <p:sp>
+        <p:nvSpPr>
+          <p:cNvPr id="29" name="TextBox 28">
+            <a:extLst>
+              <a:ext uri="{FF2B5EF4-FFF2-40B4-BE49-F238E27FC236}">
+                <a16:creationId xmlns:a16="http://schemas.microsoft.com/office/drawing/2014/main" id="{8DB93ED9-2672-4F6F-B591-53FECA99DCF3}"/>
+              </a:ext>
+            </a:extLst>
+          </p:cNvPr>
+          <p:cNvSpPr txBox="1"/>
+          <p:nvPr/>
+        </p:nvSpPr>
+        <p:spPr>
+          <a:xfrm>
+            <a:off x="5680811" y="3465230"/>
+            <a:ext cx="1527209" cy="369332"/>
+          </a:xfrm>
+          <a:prstGeom prst="rect">
+            <a:avLst/>
+          </a:prstGeom>
+          <a:noFill/>
+        </p:spPr>
+        <p:txBody>
+          <a:bodyPr wrap="square" rtlCol="0">
+            <a:spAutoFit/>
+          </a:bodyPr>
+          <a:lstStyle/>
+          <a:p>
+            <a:r>
+              <a:rPr lang="en-US" altLang="ko-KR" dirty="0">
+                <a:solidFill>
+                  <a:schemeClr val="bg1"/>
+                </a:solidFill>
+              </a:rPr>
+              <a:t>Value1</a:t>
+            </a:r>
+            <a:endParaRPr lang="ko-KR" altLang="en-US" dirty="0">
+              <a:solidFill>
+                <a:schemeClr val="bg1"/>
+              </a:solidFill>
+            </a:endParaRPr>
+          </a:p>
+        </p:txBody>
+      </p:sp>
+      <p:sp>
+        <p:nvSpPr>
+          <p:cNvPr id="59" name="직사각형 58">
+            <a:extLst>
+              <a:ext uri="{FF2B5EF4-FFF2-40B4-BE49-F238E27FC236}">
+                <a16:creationId xmlns:a16="http://schemas.microsoft.com/office/drawing/2014/main" id="{A36ACC50-0FBA-4CBA-B4DF-47C0FA0EB3C7}"/>
+              </a:ext>
+            </a:extLst>
+          </p:cNvPr>
+          <p:cNvSpPr/>
+          <p:nvPr/>
+        </p:nvSpPr>
+        <p:spPr>
+          <a:xfrm>
+            <a:off x="5070699" y="1831781"/>
+            <a:ext cx="849086" cy="341198"/>
+          </a:xfrm>
+          <a:prstGeom prst="rect">
+            <a:avLst/>
+          </a:prstGeom>
+        </p:spPr>
+        <p:style>
+          <a:lnRef idx="2">
+            <a:schemeClr val="accent1">
+              <a:shade val="50000"/>
+            </a:schemeClr>
+          </a:lnRef>
+          <a:fillRef idx="1">
+            <a:schemeClr val="accent1"/>
+          </a:fillRef>
+          <a:effectRef idx="0">
+            <a:schemeClr val="accent1"/>
+          </a:effectRef>
+          <a:fontRef idx="minor">
+            <a:schemeClr val="lt1"/>
+          </a:fontRef>
+        </p:style>
+        <p:txBody>
+          <a:bodyPr rtlCol="0" anchor="ctr"/>
+          <a:lstStyle/>
+          <a:p>
+            <a:pPr algn="ctr"/>
+            <a:r>
+              <a:rPr lang="ko-KR" altLang="en-US" dirty="0"/>
+              <a:t>모듈</a:t>
+            </a:r>
+            <a:r>
+              <a:rPr lang="en-US" altLang="ko-KR" dirty="0"/>
+              <a:t>1</a:t>
+            </a:r>
+          </a:p>
+        </p:txBody>
+      </p:sp>
+      <p:pic>
+        <p:nvPicPr>
+          <p:cNvPr id="26" name="그림 25">
+            <a:extLst>
+              <a:ext uri="{FF2B5EF4-FFF2-40B4-BE49-F238E27FC236}">
+                <a16:creationId xmlns:a16="http://schemas.microsoft.com/office/drawing/2014/main" id="{7CBF73F9-543A-4324-90B1-1C9D60683031}"/>
+              </a:ext>
+            </a:extLst>
+          </p:cNvPr>
+          <p:cNvPicPr>
+            <a:picLocks noChangeAspect="1"/>
+          </p:cNvPicPr>
+          <p:nvPr/>
+        </p:nvPicPr>
+        <p:blipFill>
+          <a:blip r:embed="rId4"/>
+          <a:stretch>
+            <a:fillRect/>
+          </a:stretch>
+        </p:blipFill>
+        <p:spPr>
+          <a:xfrm>
+            <a:off x="157380" y="1358971"/>
+            <a:ext cx="1167938" cy="436707"/>
+          </a:xfrm>
+          <a:prstGeom prst="rect">
+            <a:avLst/>
+          </a:prstGeom>
+        </p:spPr>
+      </p:pic>
+      <p:pic>
+        <p:nvPicPr>
+          <p:cNvPr id="30" name="그림 29">
+            <a:extLst>
+              <a:ext uri="{FF2B5EF4-FFF2-40B4-BE49-F238E27FC236}">
+                <a16:creationId xmlns:a16="http://schemas.microsoft.com/office/drawing/2014/main" id="{9701601A-713B-448E-A6EE-7865220306B9}"/>
+              </a:ext>
+            </a:extLst>
+          </p:cNvPr>
+          <p:cNvPicPr>
+            <a:picLocks noChangeAspect="1"/>
+          </p:cNvPicPr>
+          <p:nvPr/>
+        </p:nvPicPr>
+        <p:blipFill>
+          <a:blip r:embed="rId5"/>
+          <a:stretch>
+            <a:fillRect/>
+          </a:stretch>
+        </p:blipFill>
+        <p:spPr>
+          <a:xfrm>
+            <a:off x="5724739" y="2744843"/>
+            <a:ext cx="795646" cy="838655"/>
+          </a:xfrm>
+          <a:prstGeom prst="rect">
+            <a:avLst/>
+          </a:prstGeom>
+        </p:spPr>
+      </p:pic>
+      <p:pic>
+        <p:nvPicPr>
+          <p:cNvPr id="44" name="그림 43">
+            <a:extLst>
+              <a:ext uri="{FF2B5EF4-FFF2-40B4-BE49-F238E27FC236}">
+                <a16:creationId xmlns:a16="http://schemas.microsoft.com/office/drawing/2014/main" id="{ED15F61C-4E63-4C77-B8C8-488981640C02}"/>
+              </a:ext>
+            </a:extLst>
+          </p:cNvPr>
+          <p:cNvPicPr>
+            <a:picLocks noChangeAspect="1"/>
+          </p:cNvPicPr>
+          <p:nvPr/>
+        </p:nvPicPr>
+        <p:blipFill>
+          <a:blip r:embed="rId5"/>
+          <a:stretch>
+            <a:fillRect/>
+          </a:stretch>
+        </p:blipFill>
+        <p:spPr>
+          <a:xfrm>
+            <a:off x="6977441" y="2719331"/>
+            <a:ext cx="795646" cy="838655"/>
+          </a:xfrm>
+          <a:prstGeom prst="rect">
+            <a:avLst/>
+          </a:prstGeom>
+        </p:spPr>
+      </p:pic>
+      <p:pic>
+        <p:nvPicPr>
+          <p:cNvPr id="45" name="그림 44">
+            <a:extLst>
+              <a:ext uri="{FF2B5EF4-FFF2-40B4-BE49-F238E27FC236}">
+                <a16:creationId xmlns:a16="http://schemas.microsoft.com/office/drawing/2014/main" id="{A9B0EDB9-82DA-41EF-A523-2230C12BB42E}"/>
+              </a:ext>
+            </a:extLst>
+          </p:cNvPr>
+          <p:cNvPicPr>
+            <a:picLocks noChangeAspect="1"/>
+          </p:cNvPicPr>
+          <p:nvPr/>
+        </p:nvPicPr>
+        <p:blipFill>
+          <a:blip r:embed="rId5"/>
+          <a:stretch>
+            <a:fillRect/>
+          </a:stretch>
+        </p:blipFill>
+        <p:spPr>
+          <a:xfrm>
+            <a:off x="8384679" y="2719330"/>
+            <a:ext cx="795646" cy="838655"/>
+          </a:xfrm>
+          <a:prstGeom prst="rect">
+            <a:avLst/>
+          </a:prstGeom>
+        </p:spPr>
+      </p:pic>
+      <p:pic>
+        <p:nvPicPr>
+          <p:cNvPr id="46" name="그림 45">
+            <a:extLst>
+              <a:ext uri="{FF2B5EF4-FFF2-40B4-BE49-F238E27FC236}">
+                <a16:creationId xmlns:a16="http://schemas.microsoft.com/office/drawing/2014/main" id="{E88670DA-75D2-4270-9B4A-5CECDCF0079A}"/>
+              </a:ext>
+            </a:extLst>
+          </p:cNvPr>
+          <p:cNvPicPr>
+            <a:picLocks noChangeAspect="1"/>
+          </p:cNvPicPr>
+          <p:nvPr/>
+        </p:nvPicPr>
+        <p:blipFill>
+          <a:blip r:embed="rId5"/>
+          <a:stretch>
+            <a:fillRect/>
+          </a:stretch>
+        </p:blipFill>
+        <p:spPr>
+          <a:xfrm>
+            <a:off x="9845066" y="2762002"/>
+            <a:ext cx="795646" cy="838655"/>
+          </a:xfrm>
+          <a:prstGeom prst="rect">
+            <a:avLst/>
+          </a:prstGeom>
+        </p:spPr>
+      </p:pic>
+      <p:sp>
+        <p:nvSpPr>
+          <p:cNvPr id="15" name="직사각형 14">
+            <a:extLst>
+              <a:ext uri="{FF2B5EF4-FFF2-40B4-BE49-F238E27FC236}">
+                <a16:creationId xmlns:a16="http://schemas.microsoft.com/office/drawing/2014/main" id="{87DA31CC-3AF8-48DE-ADA8-81617F26B627}"/>
+              </a:ext>
+            </a:extLst>
+          </p:cNvPr>
+          <p:cNvSpPr/>
+          <p:nvPr/>
+        </p:nvSpPr>
+        <p:spPr>
+          <a:xfrm>
+            <a:off x="1339100" y="4362747"/>
+            <a:ext cx="661913" cy="661913"/>
+          </a:xfrm>
+          <a:prstGeom prst="rect">
+            <a:avLst/>
+          </a:prstGeom>
+        </p:spPr>
+        <p:style>
+          <a:lnRef idx="2">
+            <a:schemeClr val="accent1">
+              <a:shade val="50000"/>
+            </a:schemeClr>
+          </a:lnRef>
+          <a:fillRef idx="1">
+            <a:schemeClr val="accent1"/>
+          </a:fillRef>
+          <a:effectRef idx="0">
+            <a:schemeClr val="accent1"/>
+          </a:effectRef>
+          <a:fontRef idx="minor">
+            <a:schemeClr val="lt1"/>
+          </a:fontRef>
+        </p:style>
+        <p:txBody>
+          <a:bodyPr rtlCol="0" anchor="ctr"/>
+          <a:lstStyle/>
+          <a:p>
+            <a:pPr algn="ctr"/>
+            <a:r>
+              <a:rPr lang="ko-KR" altLang="en-US" sz="1000" dirty="0"/>
+              <a:t>화살표</a:t>
+            </a:r>
+            <a:endParaRPr lang="en-US" altLang="ko-KR" sz="1000" dirty="0"/>
+          </a:p>
+        </p:txBody>
+      </p:sp>
+      <p:sp>
+        <p:nvSpPr>
+          <p:cNvPr id="52" name="직사각형 51">
+            <a:extLst>
+              <a:ext uri="{FF2B5EF4-FFF2-40B4-BE49-F238E27FC236}">
+                <a16:creationId xmlns:a16="http://schemas.microsoft.com/office/drawing/2014/main" id="{7A48C37E-F004-47AA-8738-4FEB73CF8CA0}"/>
+              </a:ext>
+            </a:extLst>
+          </p:cNvPr>
+          <p:cNvSpPr/>
+          <p:nvPr/>
+        </p:nvSpPr>
+        <p:spPr>
+          <a:xfrm>
+            <a:off x="2000702" y="5024660"/>
+            <a:ext cx="661913" cy="661913"/>
+          </a:xfrm>
+          <a:prstGeom prst="rect">
+            <a:avLst/>
+          </a:prstGeom>
+        </p:spPr>
+        <p:style>
+          <a:lnRef idx="2">
+            <a:schemeClr val="accent1">
+              <a:shade val="50000"/>
+            </a:schemeClr>
+          </a:lnRef>
+          <a:fillRef idx="1">
+            <a:schemeClr val="accent1"/>
+          </a:fillRef>
+          <a:effectRef idx="0">
+            <a:schemeClr val="accent1"/>
+          </a:effectRef>
+          <a:fontRef idx="minor">
+            <a:schemeClr val="lt1"/>
+          </a:fontRef>
+        </p:style>
+        <p:txBody>
+          <a:bodyPr rtlCol="0" anchor="ctr"/>
+          <a:lstStyle/>
+          <a:p>
+            <a:pPr algn="ctr"/>
+            <a:r>
+              <a:rPr lang="ko-KR" altLang="en-US" sz="1000" dirty="0"/>
+              <a:t>화살표</a:t>
+            </a:r>
+            <a:endParaRPr lang="en-US" altLang="ko-KR" sz="1000" dirty="0"/>
+          </a:p>
+        </p:txBody>
+      </p:sp>
+      <p:sp>
+        <p:nvSpPr>
+          <p:cNvPr id="60" name="직사각형 59">
+            <a:extLst>
+              <a:ext uri="{FF2B5EF4-FFF2-40B4-BE49-F238E27FC236}">
+                <a16:creationId xmlns:a16="http://schemas.microsoft.com/office/drawing/2014/main" id="{B62A10D6-5A0F-4531-A86E-6FAD0227C59E}"/>
+              </a:ext>
+            </a:extLst>
+          </p:cNvPr>
+          <p:cNvSpPr/>
+          <p:nvPr/>
+        </p:nvSpPr>
+        <p:spPr>
+          <a:xfrm>
+            <a:off x="668859" y="5012642"/>
+            <a:ext cx="661913" cy="661913"/>
+          </a:xfrm>
+          <a:prstGeom prst="rect">
+            <a:avLst/>
+          </a:prstGeom>
+        </p:spPr>
+        <p:style>
+          <a:lnRef idx="2">
+            <a:schemeClr val="accent1">
+              <a:shade val="50000"/>
+            </a:schemeClr>
+          </a:lnRef>
+          <a:fillRef idx="1">
+            <a:schemeClr val="accent1"/>
+          </a:fillRef>
+          <a:effectRef idx="0">
+            <a:schemeClr val="accent1"/>
+          </a:effectRef>
+          <a:fontRef idx="minor">
+            <a:schemeClr val="lt1"/>
+          </a:fontRef>
+        </p:style>
+        <p:txBody>
+          <a:bodyPr rtlCol="0" anchor="ctr"/>
+          <a:lstStyle/>
+          <a:p>
+            <a:pPr algn="ctr"/>
+            <a:r>
+              <a:rPr lang="ko-KR" altLang="en-US" sz="1000" dirty="0"/>
+              <a:t>화살표</a:t>
+            </a:r>
+            <a:endParaRPr lang="en-US" altLang="ko-KR" sz="1000" dirty="0"/>
+          </a:p>
+        </p:txBody>
+      </p:sp>
+      <p:sp>
+        <p:nvSpPr>
+          <p:cNvPr id="61" name="직사각형 60">
+            <a:extLst>
+              <a:ext uri="{FF2B5EF4-FFF2-40B4-BE49-F238E27FC236}">
+                <a16:creationId xmlns:a16="http://schemas.microsoft.com/office/drawing/2014/main" id="{594C4D9F-4AFA-4BD1-8B1B-BE77DB47224E}"/>
+              </a:ext>
+            </a:extLst>
+          </p:cNvPr>
+          <p:cNvSpPr/>
+          <p:nvPr/>
+        </p:nvSpPr>
+        <p:spPr>
+          <a:xfrm>
+            <a:off x="1350611" y="5697439"/>
+            <a:ext cx="661913" cy="661913"/>
+          </a:xfrm>
+          <a:prstGeom prst="rect">
+            <a:avLst/>
+          </a:prstGeom>
+        </p:spPr>
+        <p:style>
+          <a:lnRef idx="2">
+            <a:schemeClr val="accent1">
+              <a:shade val="50000"/>
+            </a:schemeClr>
+          </a:lnRef>
+          <a:fillRef idx="1">
+            <a:schemeClr val="accent1"/>
+          </a:fillRef>
+          <a:effectRef idx="0">
+            <a:schemeClr val="accent1"/>
+          </a:effectRef>
+          <a:fontRef idx="minor">
+            <a:schemeClr val="lt1"/>
+          </a:fontRef>
+        </p:style>
+        <p:txBody>
+          <a:bodyPr rtlCol="0" anchor="ctr"/>
+          <a:lstStyle/>
+          <a:p>
+            <a:pPr algn="ctr"/>
+            <a:r>
+              <a:rPr lang="ko-KR" altLang="en-US" sz="1000" dirty="0"/>
+              <a:t>화살표</a:t>
+            </a:r>
+            <a:endParaRPr lang="en-US" altLang="ko-KR" sz="1000" dirty="0"/>
+          </a:p>
+        </p:txBody>
+      </p:sp>
+    </p:spTree>
+    <p:extLst>
+      <p:ext uri="{BB962C8B-B14F-4D97-AF65-F5344CB8AC3E}">
+        <p14:creationId xmlns:p14="http://schemas.microsoft.com/office/powerpoint/2010/main" val="4198201588"/>
+      </p:ext>
+    </p:extLst>
+  </p:cSld>
+  <p:clrMapOvr>
+    <a:masterClrMapping/>
+  </p:clrMapOvr>
+</p:sld>
+</file>
+
+<file path=ppt/slides/slide6.xml><?xml version="1.0" encoding="utf-8"?>
+<p:sld xmlns:a="http://schemas.openxmlformats.org/drawingml/2006/main" xmlns:r="http://schemas.openxmlformats.org/officeDocument/2006/relationships" xmlns:p="http://schemas.openxmlformats.org/presentationml/2006/main">
+  <p:cSld>
+    <p:spTree>
+      <p:nvGrpSpPr>
+        <p:cNvPr id="1" name=""/>
+        <p:cNvGrpSpPr/>
+        <p:nvPr/>
+      </p:nvGrpSpPr>
+      <p:grpSpPr>
+        <a:xfrm>
+          <a:off x="0" y="0"/>
+          <a:ext cx="0" cy="0"/>
+          <a:chOff x="0" y="0"/>
+          <a:chExt cx="0" cy="0"/>
+        </a:xfrm>
+      </p:grpSpPr>
+      <p:sp>
+        <p:nvSpPr>
+          <p:cNvPr id="2" name="TextBox 1">
+            <a:extLst>
+              <a:ext uri="{FF2B5EF4-FFF2-40B4-BE49-F238E27FC236}">
+                <a16:creationId xmlns:a16="http://schemas.microsoft.com/office/drawing/2014/main" id="{98FF7FD3-6BEB-4135-AB3C-8743F4764BB1}"/>
+              </a:ext>
+            </a:extLst>
+          </p:cNvPr>
+          <p:cNvSpPr txBox="1"/>
+          <p:nvPr/>
+        </p:nvSpPr>
+        <p:spPr>
+          <a:xfrm>
+            <a:off x="914400" y="1330036"/>
+            <a:ext cx="7968343" cy="3154710"/>
+          </a:xfrm>
+          <a:prstGeom prst="rect">
+            <a:avLst/>
+          </a:prstGeom>
+          <a:noFill/>
+        </p:spPr>
+        <p:txBody>
+          <a:bodyPr wrap="square" rtlCol="0">
+            <a:spAutoFit/>
+          </a:bodyPr>
+          <a:lstStyle/>
+          <a:p>
+            <a:r>
+              <a:rPr lang="en-US" altLang="ko-KR" sz="19900" dirty="0"/>
+              <a:t>Before</a:t>
+            </a:r>
+            <a:endParaRPr lang="ko-KR" altLang="en-US" sz="19900" dirty="0"/>
+          </a:p>
+        </p:txBody>
+      </p:sp>
+    </p:spTree>
+    <p:extLst>
+      <p:ext uri="{BB962C8B-B14F-4D97-AF65-F5344CB8AC3E}">
+        <p14:creationId xmlns:p14="http://schemas.microsoft.com/office/powerpoint/2010/main" val="1057874485"/>
+      </p:ext>
+    </p:extLst>
+  </p:cSld>
+  <p:clrMapOvr>
+    <a:masterClrMapping/>
+  </p:clrMapOvr>
+</p:sld>
+</file>
+
+<file path=ppt/slides/slide7.xml><?xml version="1.0" encoding="utf-8"?>
+<p:sld xmlns:a="http://schemas.openxmlformats.org/drawingml/2006/main" xmlns:r="http://schemas.openxmlformats.org/officeDocument/2006/relationships" xmlns:p="http://schemas.openxmlformats.org/presentationml/2006/main">
+  <p:cSld>
+    <p:spTree>
+      <p:nvGrpSpPr>
+        <p:cNvPr id="1" name=""/>
+        <p:cNvGrpSpPr/>
+        <p:nvPr/>
+      </p:nvGrpSpPr>
+      <p:grpSpPr>
+        <a:xfrm>
+          <a:off x="0" y="0"/>
+          <a:ext cx="0" cy="0"/>
+          <a:chOff x="0" y="0"/>
+          <a:chExt cx="0" cy="0"/>
+        </a:xfrm>
+      </p:grpSpPr>
+      <p:sp>
+        <p:nvSpPr>
+          <p:cNvPr id="4" name="직사각형 3">
+            <a:extLst>
+              <a:ext uri="{FF2B5EF4-FFF2-40B4-BE49-F238E27FC236}">
+                <a16:creationId xmlns:a16="http://schemas.microsoft.com/office/drawing/2014/main" id="{17D3EEB4-4C9C-4FE1-AD5A-1CCCAC1BD64F}"/>
+              </a:ext>
+            </a:extLst>
+          </p:cNvPr>
+          <p:cNvSpPr/>
+          <p:nvPr/>
+        </p:nvSpPr>
+        <p:spPr>
+          <a:xfrm>
+            <a:off x="4091049" y="578644"/>
+            <a:ext cx="1700213" cy="557212"/>
+          </a:xfrm>
+          <a:prstGeom prst="rect">
+            <a:avLst/>
+          </a:prstGeom>
+        </p:spPr>
+        <p:style>
+          <a:lnRef idx="2">
+            <a:schemeClr val="accent1">
+              <a:shade val="50000"/>
+            </a:schemeClr>
+          </a:lnRef>
+          <a:fillRef idx="1">
+            <a:schemeClr val="accent1"/>
+          </a:fillRef>
+          <a:effectRef idx="0">
+            <a:schemeClr val="accent1"/>
+          </a:effectRef>
+          <a:fontRef idx="minor">
+            <a:schemeClr val="lt1"/>
+          </a:fontRef>
+        </p:style>
+        <p:txBody>
+          <a:bodyPr rtlCol="0" anchor="ctr"/>
+          <a:lstStyle/>
+          <a:p>
+            <a:pPr algn="ctr"/>
+            <a:r>
+              <a:rPr lang="ko-KR" altLang="en-US" dirty="0"/>
+              <a:t>환영합니다</a:t>
+            </a:r>
+            <a:endParaRPr lang="en-US" altLang="ko-KR" dirty="0"/>
+          </a:p>
+        </p:txBody>
+      </p:sp>
+      <p:sp>
+        <p:nvSpPr>
+          <p:cNvPr id="6" name="직사각형 5">
+            <a:extLst>
+              <a:ext uri="{FF2B5EF4-FFF2-40B4-BE49-F238E27FC236}">
+                <a16:creationId xmlns:a16="http://schemas.microsoft.com/office/drawing/2014/main" id="{05BAB31C-0BAB-4E81-A162-DC2083FAB38C}"/>
+              </a:ext>
+            </a:extLst>
+          </p:cNvPr>
+          <p:cNvSpPr/>
+          <p:nvPr/>
+        </p:nvSpPr>
+        <p:spPr>
+          <a:xfrm>
+            <a:off x="0" y="0"/>
+            <a:ext cx="3331029" cy="6858000"/>
+          </a:xfrm>
+          <a:prstGeom prst="rect">
+            <a:avLst/>
+          </a:prstGeom>
+        </p:spPr>
+        <p:style>
+          <a:lnRef idx="2">
+            <a:schemeClr val="accent1">
+              <a:shade val="50000"/>
+            </a:schemeClr>
+          </a:lnRef>
+          <a:fillRef idx="1">
+            <a:schemeClr val="accent1"/>
+          </a:fillRef>
+          <a:effectRef idx="0">
+            <a:schemeClr val="accent1"/>
+          </a:effectRef>
+          <a:fontRef idx="minor">
+            <a:schemeClr val="lt1"/>
+          </a:fontRef>
+        </p:style>
+        <p:txBody>
+          <a:bodyPr rtlCol="0" anchor="ctr"/>
+          <a:lstStyle/>
+          <a:p>
+            <a:pPr algn="ctr"/>
+            <a:endParaRPr lang="en-US" altLang="ko-KR" dirty="0"/>
+          </a:p>
+        </p:txBody>
+      </p:sp>
+      <p:sp>
+        <p:nvSpPr>
+          <p:cNvPr id="7" name="직사각형 6">
+            <a:extLst>
+              <a:ext uri="{FF2B5EF4-FFF2-40B4-BE49-F238E27FC236}">
+                <a16:creationId xmlns:a16="http://schemas.microsoft.com/office/drawing/2014/main" id="{3AEC4883-C358-4BCA-8B7B-9D9D5FD10EFE}"/>
+              </a:ext>
+            </a:extLst>
+          </p:cNvPr>
+          <p:cNvSpPr/>
+          <p:nvPr/>
+        </p:nvSpPr>
+        <p:spPr>
+          <a:xfrm>
+            <a:off x="178130" y="382237"/>
+            <a:ext cx="2974768" cy="2271898"/>
+          </a:xfrm>
+          <a:prstGeom prst="rect">
+            <a:avLst/>
+          </a:prstGeom>
+        </p:spPr>
+        <p:style>
+          <a:lnRef idx="2">
+            <a:schemeClr val="accent1">
+              <a:shade val="50000"/>
+            </a:schemeClr>
+          </a:lnRef>
+          <a:fillRef idx="1">
+            <a:schemeClr val="accent1"/>
+          </a:fillRef>
+          <a:effectRef idx="0">
+            <a:schemeClr val="accent1"/>
+          </a:effectRef>
+          <a:fontRef idx="minor">
+            <a:schemeClr val="lt1"/>
+          </a:fontRef>
+        </p:style>
+        <p:txBody>
+          <a:bodyPr rtlCol="0" anchor="ctr"/>
+          <a:lstStyle/>
+          <a:p>
+            <a:pPr algn="ctr"/>
+            <a:r>
+              <a:rPr lang="ko-KR" altLang="en-US" dirty="0"/>
+              <a:t>카메라 화면</a:t>
+            </a:r>
+            <a:endParaRPr lang="en-US" altLang="ko-KR" dirty="0"/>
+          </a:p>
+        </p:txBody>
+      </p:sp>
+      <p:sp>
+        <p:nvSpPr>
+          <p:cNvPr id="8" name="직사각형 7">
+            <a:extLst>
+              <a:ext uri="{FF2B5EF4-FFF2-40B4-BE49-F238E27FC236}">
+                <a16:creationId xmlns:a16="http://schemas.microsoft.com/office/drawing/2014/main" id="{0E5A02CD-7B0D-4EAF-BF58-7D8219090A1A}"/>
+              </a:ext>
+            </a:extLst>
+          </p:cNvPr>
+          <p:cNvSpPr/>
+          <p:nvPr/>
+        </p:nvSpPr>
+        <p:spPr>
+          <a:xfrm>
+            <a:off x="4091049" y="1796792"/>
+            <a:ext cx="7457703" cy="4247748"/>
+          </a:xfrm>
+          <a:prstGeom prst="rect">
+            <a:avLst/>
+          </a:prstGeom>
+        </p:spPr>
+        <p:style>
+          <a:lnRef idx="2">
+            <a:schemeClr val="accent1">
+              <a:shade val="50000"/>
+            </a:schemeClr>
+          </a:lnRef>
+          <a:fillRef idx="1">
+            <a:schemeClr val="accent1"/>
+          </a:fillRef>
+          <a:effectRef idx="0">
+            <a:schemeClr val="accent1"/>
+          </a:effectRef>
+          <a:fontRef idx="minor">
+            <a:schemeClr val="lt1"/>
+          </a:fontRef>
+        </p:style>
+        <p:txBody>
+          <a:bodyPr rtlCol="0" anchor="ctr"/>
+          <a:lstStyle/>
+          <a:p>
+            <a:pPr algn="ctr"/>
+            <a:r>
+              <a:rPr lang="ko-KR" altLang="en-US" dirty="0"/>
+              <a:t>로봇에 연결된 기기들</a:t>
+            </a:r>
+            <a:endParaRPr lang="en-US" altLang="ko-KR" dirty="0"/>
+          </a:p>
+        </p:txBody>
+      </p:sp>
+      <p:sp>
+        <p:nvSpPr>
+          <p:cNvPr id="13" name="직사각형 12">
+            <a:extLst>
+              <a:ext uri="{FF2B5EF4-FFF2-40B4-BE49-F238E27FC236}">
+                <a16:creationId xmlns:a16="http://schemas.microsoft.com/office/drawing/2014/main" id="{567D84A1-C0F8-4EF5-90B5-104AD73B1B4B}"/>
+              </a:ext>
+            </a:extLst>
+          </p:cNvPr>
+          <p:cNvSpPr/>
+          <p:nvPr/>
+        </p:nvSpPr>
+        <p:spPr>
+          <a:xfrm>
+            <a:off x="793603" y="3704638"/>
+            <a:ext cx="570016" cy="498764"/>
+          </a:xfrm>
+          <a:prstGeom prst="rect">
+            <a:avLst/>
+          </a:prstGeom>
+        </p:spPr>
+        <p:style>
+          <a:lnRef idx="2">
+            <a:schemeClr val="accent1">
+              <a:shade val="50000"/>
+            </a:schemeClr>
+          </a:lnRef>
+          <a:fillRef idx="1">
+            <a:schemeClr val="accent1"/>
+          </a:fillRef>
+          <a:effectRef idx="0">
+            <a:schemeClr val="accent1"/>
+          </a:effectRef>
+          <a:fontRef idx="minor">
+            <a:schemeClr val="lt1"/>
+          </a:fontRef>
+        </p:style>
+        <p:txBody>
+          <a:bodyPr rtlCol="0" anchor="ctr"/>
+          <a:lstStyle/>
+          <a:p>
+            <a:pPr algn="ctr"/>
+            <a:r>
+              <a:rPr lang="ko-KR" altLang="en-US" sz="1000" dirty="0"/>
+              <a:t>화살표</a:t>
+            </a:r>
+            <a:endParaRPr lang="en-US" altLang="ko-KR" sz="1000" dirty="0"/>
+          </a:p>
+        </p:txBody>
+      </p:sp>
+      <p:sp>
+        <p:nvSpPr>
+          <p:cNvPr id="14" name="직사각형 13">
+            <a:extLst>
+              <a:ext uri="{FF2B5EF4-FFF2-40B4-BE49-F238E27FC236}">
+                <a16:creationId xmlns:a16="http://schemas.microsoft.com/office/drawing/2014/main" id="{AFD515E5-A4DB-41D4-AB7F-D06B993F25AC}"/>
+              </a:ext>
+            </a:extLst>
+          </p:cNvPr>
+          <p:cNvSpPr/>
+          <p:nvPr/>
+        </p:nvSpPr>
+        <p:spPr>
+          <a:xfrm>
+            <a:off x="1993459" y="3704638"/>
+            <a:ext cx="570016" cy="498764"/>
+          </a:xfrm>
+          <a:prstGeom prst="rect">
+            <a:avLst/>
+          </a:prstGeom>
+        </p:spPr>
+        <p:style>
+          <a:lnRef idx="2">
+            <a:schemeClr val="accent1">
+              <a:shade val="50000"/>
+            </a:schemeClr>
+          </a:lnRef>
+          <a:fillRef idx="1">
+            <a:schemeClr val="accent1"/>
+          </a:fillRef>
+          <a:effectRef idx="0">
+            <a:schemeClr val="accent1"/>
+          </a:effectRef>
+          <a:fontRef idx="minor">
+            <a:schemeClr val="lt1"/>
+          </a:fontRef>
+        </p:style>
+        <p:txBody>
+          <a:bodyPr rtlCol="0" anchor="ctr"/>
+          <a:lstStyle/>
+          <a:p>
+            <a:pPr algn="ctr"/>
+            <a:r>
+              <a:rPr lang="ko-KR" altLang="en-US" sz="1000" dirty="0"/>
+              <a:t>화살표</a:t>
+            </a:r>
+            <a:endParaRPr lang="en-US" altLang="ko-KR" sz="1000" dirty="0"/>
+          </a:p>
+        </p:txBody>
+      </p:sp>
+      <p:sp>
+        <p:nvSpPr>
+          <p:cNvPr id="15" name="직사각형 14">
+            <a:extLst>
+              <a:ext uri="{FF2B5EF4-FFF2-40B4-BE49-F238E27FC236}">
+                <a16:creationId xmlns:a16="http://schemas.microsoft.com/office/drawing/2014/main" id="{87DA31CC-3AF8-48DE-ADA8-81617F26B627}"/>
+              </a:ext>
+            </a:extLst>
+          </p:cNvPr>
+          <p:cNvSpPr/>
+          <p:nvPr/>
+        </p:nvSpPr>
+        <p:spPr>
+          <a:xfrm>
+            <a:off x="1391264" y="3179618"/>
+            <a:ext cx="570016" cy="498764"/>
+          </a:xfrm>
+          <a:prstGeom prst="rect">
+            <a:avLst/>
+          </a:prstGeom>
+        </p:spPr>
+        <p:style>
+          <a:lnRef idx="2">
+            <a:schemeClr val="accent1">
+              <a:shade val="50000"/>
+            </a:schemeClr>
+          </a:lnRef>
+          <a:fillRef idx="1">
+            <a:schemeClr val="accent1"/>
+          </a:fillRef>
+          <a:effectRef idx="0">
+            <a:schemeClr val="accent1"/>
+          </a:effectRef>
+          <a:fontRef idx="minor">
+            <a:schemeClr val="lt1"/>
+          </a:fontRef>
+        </p:style>
+        <p:txBody>
+          <a:bodyPr rtlCol="0" anchor="ctr"/>
+          <a:lstStyle/>
+          <a:p>
+            <a:pPr algn="ctr"/>
+            <a:r>
+              <a:rPr lang="ko-KR" altLang="en-US" sz="1000" dirty="0"/>
+              <a:t>화살표</a:t>
+            </a:r>
+            <a:endParaRPr lang="en-US" altLang="ko-KR" sz="1000" dirty="0"/>
+          </a:p>
+        </p:txBody>
+      </p:sp>
+      <p:sp>
+        <p:nvSpPr>
+          <p:cNvPr id="16" name="직사각형 15">
+            <a:extLst>
+              <a:ext uri="{FF2B5EF4-FFF2-40B4-BE49-F238E27FC236}">
+                <a16:creationId xmlns:a16="http://schemas.microsoft.com/office/drawing/2014/main" id="{E46ABF8F-D506-4732-9021-1BD5C6A101C8}"/>
+              </a:ext>
+            </a:extLst>
+          </p:cNvPr>
+          <p:cNvSpPr/>
+          <p:nvPr/>
+        </p:nvSpPr>
+        <p:spPr>
+          <a:xfrm>
+            <a:off x="1391264" y="4257303"/>
+            <a:ext cx="570016" cy="498764"/>
+          </a:xfrm>
+          <a:prstGeom prst="rect">
+            <a:avLst/>
+          </a:prstGeom>
+        </p:spPr>
+        <p:style>
+          <a:lnRef idx="2">
+            <a:schemeClr val="accent1">
+              <a:shade val="50000"/>
+            </a:schemeClr>
+          </a:lnRef>
+          <a:fillRef idx="1">
+            <a:schemeClr val="accent1"/>
+          </a:fillRef>
+          <a:effectRef idx="0">
+            <a:schemeClr val="accent1"/>
+          </a:effectRef>
+          <a:fontRef idx="minor">
+            <a:schemeClr val="lt1"/>
+          </a:fontRef>
+        </p:style>
+        <p:txBody>
+          <a:bodyPr rtlCol="0" anchor="ctr"/>
+          <a:lstStyle/>
+          <a:p>
+            <a:pPr algn="ctr"/>
+            <a:r>
+              <a:rPr lang="ko-KR" altLang="en-US" sz="1000" dirty="0"/>
+              <a:t>화살표</a:t>
+            </a:r>
+            <a:endParaRPr lang="en-US" altLang="ko-KR" sz="1000" dirty="0"/>
+          </a:p>
+        </p:txBody>
+      </p:sp>
+      <p:sp>
+        <p:nvSpPr>
+          <p:cNvPr id="17" name="직사각형 16">
+            <a:extLst>
+              <a:ext uri="{FF2B5EF4-FFF2-40B4-BE49-F238E27FC236}">
+                <a16:creationId xmlns:a16="http://schemas.microsoft.com/office/drawing/2014/main" id="{FBDCF9DB-6FBD-44AA-ADBF-B20F1CCD2410}"/>
+              </a:ext>
+            </a:extLst>
+          </p:cNvPr>
+          <p:cNvSpPr/>
+          <p:nvPr/>
+        </p:nvSpPr>
+        <p:spPr>
+          <a:xfrm>
+            <a:off x="9848539" y="578644"/>
+            <a:ext cx="1700213" cy="557212"/>
+          </a:xfrm>
+          <a:prstGeom prst="rect">
+            <a:avLst/>
+          </a:prstGeom>
+        </p:spPr>
+        <p:style>
+          <a:lnRef idx="2">
+            <a:schemeClr val="accent1">
+              <a:shade val="50000"/>
+            </a:schemeClr>
+          </a:lnRef>
+          <a:fillRef idx="1">
+            <a:schemeClr val="accent1"/>
+          </a:fillRef>
+          <a:effectRef idx="0">
+            <a:schemeClr val="accent1"/>
+          </a:effectRef>
+          <a:fontRef idx="minor">
+            <a:schemeClr val="lt1"/>
+          </a:fontRef>
+        </p:style>
+        <p:txBody>
+          <a:bodyPr rtlCol="0" anchor="ctr"/>
+          <a:lstStyle/>
+          <a:p>
+            <a:pPr algn="ctr"/>
+            <a:r>
+              <a:rPr lang="ko-KR" altLang="en-US" dirty="0"/>
+              <a:t>정보 변경</a:t>
+            </a:r>
+            <a:endParaRPr lang="en-US" altLang="ko-KR" dirty="0"/>
+          </a:p>
+        </p:txBody>
+      </p:sp>
+      <p:sp>
+        <p:nvSpPr>
+          <p:cNvPr id="18" name="직사각형 17">
+            <a:extLst>
+              <a:ext uri="{FF2B5EF4-FFF2-40B4-BE49-F238E27FC236}">
+                <a16:creationId xmlns:a16="http://schemas.microsoft.com/office/drawing/2014/main" id="{344A43CF-7BE8-46B6-80ED-FB0F2987D164}"/>
+              </a:ext>
+            </a:extLst>
+          </p:cNvPr>
+          <p:cNvSpPr/>
+          <p:nvPr/>
+        </p:nvSpPr>
+        <p:spPr>
+          <a:xfrm>
+            <a:off x="7028213" y="6217444"/>
+            <a:ext cx="1700213" cy="557212"/>
+          </a:xfrm>
+          <a:prstGeom prst="rect">
+            <a:avLst/>
+          </a:prstGeom>
+        </p:spPr>
+        <p:style>
+          <a:lnRef idx="2">
+            <a:schemeClr val="accent1">
+              <a:shade val="50000"/>
+            </a:schemeClr>
+          </a:lnRef>
+          <a:fillRef idx="1">
+            <a:schemeClr val="accent1"/>
+          </a:fillRef>
+          <a:effectRef idx="0">
+            <a:schemeClr val="accent1"/>
+          </a:effectRef>
+          <a:fontRef idx="minor">
+            <a:schemeClr val="lt1"/>
+          </a:fontRef>
+        </p:style>
+        <p:txBody>
+          <a:bodyPr rtlCol="0" anchor="ctr"/>
+          <a:lstStyle/>
+          <a:p>
+            <a:pPr algn="ctr"/>
+            <a:r>
+              <a:rPr lang="en-US" altLang="ko-KR" dirty="0"/>
+              <a:t>1 2 3</a:t>
+            </a:r>
+          </a:p>
+        </p:txBody>
+      </p:sp>
+      <p:sp>
+        <p:nvSpPr>
+          <p:cNvPr id="2" name="직사각형 1">
+            <a:extLst>
+              <a:ext uri="{FF2B5EF4-FFF2-40B4-BE49-F238E27FC236}">
+                <a16:creationId xmlns:a16="http://schemas.microsoft.com/office/drawing/2014/main" id="{A53B8A22-8950-4617-BB78-4C2ACE8E3339}"/>
+              </a:ext>
+            </a:extLst>
+          </p:cNvPr>
+          <p:cNvSpPr/>
+          <p:nvPr/>
+        </p:nvSpPr>
+        <p:spPr>
+          <a:xfrm>
+            <a:off x="0" y="0"/>
+            <a:ext cx="12192000" cy="6858000"/>
+          </a:xfrm>
+          <a:prstGeom prst="rect">
+            <a:avLst/>
+          </a:prstGeom>
+          <a:solidFill>
+            <a:schemeClr val="tx1">
+              <a:alpha val="52000"/>
+            </a:schemeClr>
+          </a:solidFill>
+        </p:spPr>
+        <p:style>
+          <a:lnRef idx="2">
+            <a:schemeClr val="accent1">
+              <a:shade val="50000"/>
+            </a:schemeClr>
+          </a:lnRef>
+          <a:fillRef idx="1">
+            <a:schemeClr val="accent1"/>
+          </a:fillRef>
+          <a:effectRef idx="0">
+            <a:schemeClr val="accent1"/>
+          </a:effectRef>
+          <a:fontRef idx="minor">
+            <a:schemeClr val="lt1"/>
+          </a:fontRef>
+        </p:style>
+        <p:txBody>
+          <a:bodyPr rtlCol="0" anchor="ctr"/>
+          <a:lstStyle/>
+          <a:p>
+            <a:pPr algn="ctr"/>
+            <a:endParaRPr lang="ko-KR" altLang="en-US"/>
+          </a:p>
+        </p:txBody>
+      </p:sp>
+      <p:sp>
+        <p:nvSpPr>
+          <p:cNvPr id="3" name="직사각형 2">
+            <a:extLst>
+              <a:ext uri="{FF2B5EF4-FFF2-40B4-BE49-F238E27FC236}">
+                <a16:creationId xmlns:a16="http://schemas.microsoft.com/office/drawing/2014/main" id="{396FC7F2-19D1-40C9-B8C0-CB9750F0BE96}"/>
+              </a:ext>
+            </a:extLst>
+          </p:cNvPr>
+          <p:cNvSpPr/>
+          <p:nvPr/>
+        </p:nvSpPr>
+        <p:spPr>
+          <a:xfrm>
+            <a:off x="3409794" y="221456"/>
+            <a:ext cx="5679282" cy="6193632"/>
+          </a:xfrm>
+          <a:prstGeom prst="rect">
+            <a:avLst/>
+          </a:prstGeom>
+        </p:spPr>
+        <p:style>
+          <a:lnRef idx="2">
+            <a:schemeClr val="accent1">
+              <a:shade val="50000"/>
+            </a:schemeClr>
+          </a:lnRef>
+          <a:fillRef idx="1">
+            <a:schemeClr val="accent1"/>
+          </a:fillRef>
+          <a:effectRef idx="0">
+            <a:schemeClr val="accent1"/>
+          </a:effectRef>
+          <a:fontRef idx="minor">
+            <a:schemeClr val="lt1"/>
+          </a:fontRef>
+        </p:style>
+        <p:txBody>
+          <a:bodyPr rtlCol="0" anchor="ctr"/>
+          <a:lstStyle/>
+          <a:p>
+            <a:pPr algn="ctr"/>
+            <a:endParaRPr lang="en-US" altLang="ko-KR" dirty="0"/>
+          </a:p>
+        </p:txBody>
+      </p:sp>
+      <p:sp>
+        <p:nvSpPr>
+          <p:cNvPr id="5" name="직사각형 4">
+            <a:extLst>
+              <a:ext uri="{FF2B5EF4-FFF2-40B4-BE49-F238E27FC236}">
+                <a16:creationId xmlns:a16="http://schemas.microsoft.com/office/drawing/2014/main" id="{B25D4EA5-46CA-4617-89B6-06F0B0F292AC}"/>
+              </a:ext>
+            </a:extLst>
+          </p:cNvPr>
+          <p:cNvSpPr/>
+          <p:nvPr/>
+        </p:nvSpPr>
+        <p:spPr>
+          <a:xfrm>
+            <a:off x="4124632" y="1550289"/>
+            <a:ext cx="1628775" cy="1103848"/>
+          </a:xfrm>
+          <a:prstGeom prst="rect">
+            <a:avLst/>
+          </a:prstGeom>
+        </p:spPr>
+        <p:style>
+          <a:lnRef idx="2">
+            <a:schemeClr val="accent1">
+              <a:shade val="50000"/>
+            </a:schemeClr>
+          </a:lnRef>
+          <a:fillRef idx="1">
+            <a:schemeClr val="accent1"/>
+          </a:fillRef>
+          <a:effectRef idx="0">
+            <a:schemeClr val="accent1"/>
+          </a:effectRef>
+          <a:fontRef idx="minor">
+            <a:schemeClr val="lt1"/>
+          </a:fontRef>
+        </p:style>
+        <p:txBody>
+          <a:bodyPr rtlCol="0" anchor="ctr"/>
+          <a:lstStyle/>
+          <a:p>
+            <a:pPr algn="ctr"/>
+            <a:r>
+              <a:rPr lang="ko-KR" altLang="en-US" sz="1400" dirty="0"/>
+              <a:t>위에 남은 사료</a:t>
+            </a:r>
+          </a:p>
+        </p:txBody>
+      </p:sp>
+      <p:sp>
+        <p:nvSpPr>
+          <p:cNvPr id="19" name="직사각형 18">
+            <a:extLst>
+              <a:ext uri="{FF2B5EF4-FFF2-40B4-BE49-F238E27FC236}">
+                <a16:creationId xmlns:a16="http://schemas.microsoft.com/office/drawing/2014/main" id="{3994AC6B-5AF5-4465-B0F7-850E4547E72B}"/>
+              </a:ext>
+            </a:extLst>
+          </p:cNvPr>
+          <p:cNvSpPr/>
+          <p:nvPr/>
+        </p:nvSpPr>
+        <p:spPr>
+          <a:xfrm>
+            <a:off x="4124632" y="2654135"/>
+            <a:ext cx="942976" cy="1103848"/>
+          </a:xfrm>
+          <a:prstGeom prst="rect">
+            <a:avLst/>
+          </a:prstGeom>
+        </p:spPr>
+        <p:style>
+          <a:lnRef idx="2">
+            <a:schemeClr val="accent1">
+              <a:shade val="50000"/>
+            </a:schemeClr>
+          </a:lnRef>
+          <a:fillRef idx="1">
+            <a:schemeClr val="accent1"/>
+          </a:fillRef>
+          <a:effectRef idx="0">
+            <a:schemeClr val="accent1"/>
+          </a:effectRef>
+          <a:fontRef idx="minor">
+            <a:schemeClr val="lt1"/>
+          </a:fontRef>
+        </p:style>
+        <p:txBody>
+          <a:bodyPr rtlCol="0" anchor="ctr"/>
+          <a:lstStyle/>
+          <a:p>
+            <a:pPr algn="ctr"/>
+            <a:endParaRPr lang="ko-KR" altLang="en-US" dirty="0"/>
+          </a:p>
+        </p:txBody>
+      </p:sp>
+      <p:sp>
+        <p:nvSpPr>
+          <p:cNvPr id="20" name="직사각형 19">
+            <a:extLst>
+              <a:ext uri="{FF2B5EF4-FFF2-40B4-BE49-F238E27FC236}">
+                <a16:creationId xmlns:a16="http://schemas.microsoft.com/office/drawing/2014/main" id="{1448DF58-4477-493E-B4AC-831ABB6EDF4B}"/>
+              </a:ext>
+            </a:extLst>
+          </p:cNvPr>
+          <p:cNvSpPr/>
+          <p:nvPr/>
+        </p:nvSpPr>
+        <p:spPr>
+          <a:xfrm>
+            <a:off x="4124631" y="3687477"/>
+            <a:ext cx="1628775" cy="1103848"/>
+          </a:xfrm>
+          <a:prstGeom prst="rect">
+            <a:avLst/>
+          </a:prstGeom>
+        </p:spPr>
+        <p:style>
+          <a:lnRef idx="2">
+            <a:schemeClr val="accent1">
+              <a:shade val="50000"/>
+            </a:schemeClr>
+          </a:lnRef>
+          <a:fillRef idx="1">
+            <a:schemeClr val="accent1"/>
+          </a:fillRef>
+          <a:effectRef idx="0">
+            <a:schemeClr val="accent1"/>
+          </a:effectRef>
+          <a:fontRef idx="minor">
+            <a:schemeClr val="lt1"/>
+          </a:fontRef>
+        </p:style>
+        <p:txBody>
+          <a:bodyPr rtlCol="0" anchor="ctr"/>
+          <a:lstStyle/>
+          <a:p>
+            <a:pPr algn="ctr"/>
+            <a:r>
+              <a:rPr lang="ko-KR" altLang="en-US" sz="1600" dirty="0"/>
+              <a:t>아래 남은 사료</a:t>
+            </a:r>
+          </a:p>
+        </p:txBody>
+      </p:sp>
+      <p:sp>
+        <p:nvSpPr>
+          <p:cNvPr id="9" name="직사각형 8">
+            <a:extLst>
+              <a:ext uri="{FF2B5EF4-FFF2-40B4-BE49-F238E27FC236}">
+                <a16:creationId xmlns:a16="http://schemas.microsoft.com/office/drawing/2014/main" id="{92B21605-AD4C-40A7-9D50-59282207082D}"/>
+              </a:ext>
+            </a:extLst>
+          </p:cNvPr>
+          <p:cNvSpPr/>
+          <p:nvPr/>
+        </p:nvSpPr>
+        <p:spPr>
+          <a:xfrm>
+            <a:off x="7028213" y="2932648"/>
+            <a:ext cx="1337118" cy="953552"/>
+          </a:xfrm>
+          <a:prstGeom prst="rect">
+            <a:avLst/>
+          </a:prstGeom>
+        </p:spPr>
+        <p:style>
+          <a:lnRef idx="2">
+            <a:schemeClr val="accent2">
+              <a:shade val="50000"/>
+            </a:schemeClr>
+          </a:lnRef>
+          <a:fillRef idx="1">
+            <a:schemeClr val="accent2"/>
+          </a:fillRef>
+          <a:effectRef idx="0">
+            <a:schemeClr val="accent2"/>
+          </a:effectRef>
+          <a:fontRef idx="minor">
+            <a:schemeClr val="lt1"/>
+          </a:fontRef>
+        </p:style>
+        <p:txBody>
+          <a:bodyPr rtlCol="0" anchor="ctr"/>
+          <a:lstStyle/>
+          <a:p>
+            <a:pPr algn="ctr"/>
+            <a:r>
+              <a:rPr lang="ko-KR" altLang="en-US" dirty="0"/>
+              <a:t>리필</a:t>
+            </a:r>
+          </a:p>
+        </p:txBody>
+      </p:sp>
+      <p:sp>
+        <p:nvSpPr>
+          <p:cNvPr id="10" name="TextBox 9">
+            <a:extLst>
+              <a:ext uri="{FF2B5EF4-FFF2-40B4-BE49-F238E27FC236}">
+                <a16:creationId xmlns:a16="http://schemas.microsoft.com/office/drawing/2014/main" id="{0CA82F0A-FAD8-4190-B3D6-F958AA57688B}"/>
+              </a:ext>
+            </a:extLst>
+          </p:cNvPr>
+          <p:cNvSpPr txBox="1"/>
+          <p:nvPr/>
+        </p:nvSpPr>
+        <p:spPr>
+          <a:xfrm>
+            <a:off x="5847728" y="529064"/>
+            <a:ext cx="3357563" cy="369332"/>
+          </a:xfrm>
+          <a:prstGeom prst="rect">
+            <a:avLst/>
+          </a:prstGeom>
+          <a:noFill/>
+        </p:spPr>
+        <p:txBody>
+          <a:bodyPr wrap="square" rtlCol="0">
+            <a:spAutoFit/>
+          </a:bodyPr>
+          <a:lstStyle/>
+          <a:p>
+            <a:r>
+              <a:rPr lang="ko-KR" altLang="en-US"/>
+              <a:t>급식기</a:t>
+            </a:r>
+            <a:endParaRPr lang="ko-KR" altLang="en-US" dirty="0"/>
+          </a:p>
+        </p:txBody>
+      </p:sp>
+    </p:spTree>
+    <p:extLst>
+      <p:ext uri="{BB962C8B-B14F-4D97-AF65-F5344CB8AC3E}">
+        <p14:creationId xmlns:p14="http://schemas.microsoft.com/office/powerpoint/2010/main" val="468226753"/>
+      </p:ext>
+    </p:extLst>
+  </p:cSld>
+  <p:clrMapOvr>
+    <a:masterClrMapping/>
+  </p:clrMapOvr>
+</p:sld>
+</file>
+
+<file path=ppt/slides/slide8.xml><?xml version="1.0" encoding="utf-8"?>
+<p:sld xmlns:a="http://schemas.openxmlformats.org/drawingml/2006/main" xmlns:r="http://schemas.openxmlformats.org/officeDocument/2006/relationships" xmlns:p="http://schemas.openxmlformats.org/presentationml/2006/main">
+  <p:cSld>
+    <p:spTree>
+      <p:nvGrpSpPr>
+        <p:cNvPr id="1" name=""/>
+        <p:cNvGrpSpPr/>
+        <p:nvPr/>
+      </p:nvGrpSpPr>
+      <p:grpSpPr>
+        <a:xfrm>
+          <a:off x="0" y="0"/>
+          <a:ext cx="0" cy="0"/>
+          <a:chOff x="0" y="0"/>
+          <a:chExt cx="0" cy="0"/>
+        </a:xfrm>
+      </p:grpSpPr>
+      <p:sp>
+        <p:nvSpPr>
           <p:cNvPr id="4" name="직사각형 3">
             <a:extLst>
               <a:ext uri="{FF2B5EF4-FFF2-40B4-BE49-F238E27FC236}">
@@ -6156,7 +9820,7 @@
 </p:sld>
 </file>
 
-<file path=ppt/slides/slide6.xml><?xml version="1.0" encoding="utf-8"?>
+<file path=ppt/slides/slide9.xml><?xml version="1.0" encoding="utf-8"?>
 <p:sld xmlns:a="http://schemas.openxmlformats.org/drawingml/2006/main" xmlns:r="http://schemas.openxmlformats.org/officeDocument/2006/relationships" xmlns:p="http://schemas.openxmlformats.org/presentationml/2006/main">
   <p:cSld>
     <p:spTree>
@@ -6818,4 +10482,299 @@
     </a:ext>
   </a:extLst>
 </a:theme>
+</file>
+
+<file path=ppt/theme/theme2.xml><?xml version="1.0" encoding="utf-8"?>
+<a:theme xmlns:a="http://schemas.openxmlformats.org/drawingml/2006/main" name="Office 테마">
+  <a:themeElements>
+    <a:clrScheme name="Office">
+      <a:dk1>
+        <a:sysClr val="windowText" lastClr="000000"/>
+      </a:dk1>
+      <a:lt1>
+        <a:sysClr val="window" lastClr="FFFFFF"/>
+      </a:lt1>
+      <a:dk2>
+        <a:srgbClr val="44546A"/>
+      </a:dk2>
+      <a:lt2>
+        <a:srgbClr val="E7E6E6"/>
+      </a:lt2>
+      <a:accent1>
+        <a:srgbClr val="4472C4"/>
+      </a:accent1>
+      <a:accent2>
+        <a:srgbClr val="ED7D31"/>
+      </a:accent2>
+      <a:accent3>
+        <a:srgbClr val="A5A5A5"/>
+      </a:accent3>
+      <a:accent4>
+        <a:srgbClr val="FFC000"/>
+      </a:accent4>
+      <a:accent5>
+        <a:srgbClr val="5B9BD5"/>
+      </a:accent5>
+      <a:accent6>
+        <a:srgbClr val="70AD47"/>
+      </a:accent6>
+      <a:hlink>
+        <a:srgbClr val="0563C1"/>
+      </a:hlink>
+      <a:folHlink>
+        <a:srgbClr val="954F72"/>
+      </a:folHlink>
+    </a:clrScheme>
+    <a:fontScheme name="Office">
+      <a:majorFont>
+        <a:latin typeface="맑은 고딕" panose="020F0302020204030204"/>
+        <a:ea typeface=""/>
+        <a:cs typeface=""/>
+        <a:font script="Jpan" typeface="游ゴシック Light"/>
+        <a:font script="Hang" typeface="맑은 고딕"/>
+        <a:font script="Hans" typeface="等线 Light"/>
+        <a:font script="Hant" typeface="新細明體"/>
+        <a:font script="Arab" typeface="Times New Roman"/>
+        <a:font script="Hebr" typeface="Times New Roman"/>
+        <a:font script="Thai" typeface="Angsana New"/>
+        <a:font script="Ethi" typeface="Nyala"/>
+        <a:font script="Beng" typeface="Vrinda"/>
+        <a:font script="Gujr" typeface="Shruti"/>
+        <a:font script="Khmr" typeface="MoolBoran"/>
+        <a:font script="Knda" typeface="Tunga"/>
+        <a:font script="Guru" typeface="Raavi"/>
+        <a:font script="Cans" typeface="Euphemia"/>
+        <a:font script="Cher" typeface="Plantagenet Cherokee"/>
+        <a:font script="Yiii" typeface="Microsoft Yi Baiti"/>
+        <a:font script="Tibt" typeface="Microsoft Himalaya"/>
+        <a:font script="Thaa" typeface="MV Boli"/>
+        <a:font script="Deva" typeface="Mangal"/>
+        <a:font script="Telu" typeface="Gautami"/>
+        <a:font script="Taml" typeface="Latha"/>
+        <a:font script="Syrc" typeface="Estrangelo Edessa"/>
+        <a:font script="Orya" typeface="Kalinga"/>
+        <a:font script="Mlym" typeface="Kartika"/>
+        <a:font script="Laoo" typeface="DokChampa"/>
+        <a:font script="Sinh" typeface="Iskoola Pota"/>
+        <a:font script="Mong" typeface="Mongolian Baiti"/>
+        <a:font script="Viet" typeface="Times New Roman"/>
+        <a:font script="Uigh" typeface="Microsoft Uighur"/>
+        <a:font script="Geor" typeface="Sylfaen"/>
+        <a:font script="Armn" typeface="Arial"/>
+        <a:font script="Bugi" typeface="Leelawadee UI"/>
+        <a:font script="Bopo" typeface="Microsoft JhengHei"/>
+        <a:font script="Java" typeface="Javanese Text"/>
+        <a:font script="Lisu" typeface="Segoe UI"/>
+        <a:font script="Mymr" typeface="Myanmar Text"/>
+        <a:font script="Nkoo" typeface="Ebrima"/>
+        <a:font script="Olck" typeface="Nirmala UI"/>
+        <a:font script="Osma" typeface="Ebrima"/>
+        <a:font script="Phag" typeface="Phagspa"/>
+        <a:font script="Syrn" typeface="Estrangelo Edessa"/>
+        <a:font script="Syrj" typeface="Estrangelo Edessa"/>
+        <a:font script="Syre" typeface="Estrangelo Edessa"/>
+        <a:font script="Sora" typeface="Nirmala UI"/>
+        <a:font script="Tale" typeface="Microsoft Tai Le"/>
+        <a:font script="Talu" typeface="Microsoft New Tai Lue"/>
+        <a:font script="Tfng" typeface="Ebrima"/>
+      </a:majorFont>
+      <a:minorFont>
+        <a:latin typeface="맑은 고딕" panose="020F0502020204030204"/>
+        <a:ea typeface=""/>
+        <a:cs typeface=""/>
+        <a:font script="Jpan" typeface="游ゴシック"/>
+        <a:font script="Hang" typeface="맑은 고딕"/>
+        <a:font script="Hans" typeface="等线"/>
+        <a:font script="Hant" typeface="新細明體"/>
+        <a:font script="Arab" typeface="Arial"/>
+        <a:font script="Hebr" typeface="Arial"/>
+        <a:font script="Thai" typeface="Cordia New"/>
+        <a:font script="Ethi" typeface="Nyala"/>
+        <a:font script="Beng" typeface="Vrinda"/>
+        <a:font script="Gujr" typeface="Shruti"/>
+        <a:font script="Khmr" typeface="DaunPenh"/>
+        <a:font script="Knda" typeface="Tunga"/>
+        <a:font script="Guru" typeface="Raavi"/>
+        <a:font script="Cans" typeface="Euphemia"/>
+        <a:font script="Cher" typeface="Plantagenet Cherokee"/>
+        <a:font script="Yiii" typeface="Microsoft Yi Baiti"/>
+        <a:font script="Tibt" typeface="Microsoft Himalaya"/>
+        <a:font script="Thaa" typeface="MV Boli"/>
+        <a:font script="Deva" typeface="Mangal"/>
+        <a:font script="Telu" typeface="Gautami"/>
+        <a:font script="Taml" typeface="Latha"/>
+        <a:font script="Syrc" typeface="Estrangelo Edessa"/>
+        <a:font script="Orya" typeface="Kalinga"/>
+        <a:font script="Mlym" typeface="Kartika"/>
+        <a:font script="Laoo" typeface="DokChampa"/>
+        <a:font script="Sinh" typeface="Iskoola Pota"/>
+        <a:font script="Mong" typeface="Mongolian Baiti"/>
+        <a:font script="Viet" typeface="Arial"/>
+        <a:font script="Uigh" typeface="Microsoft Uighur"/>
+        <a:font script="Geor" typeface="Sylfaen"/>
+        <a:font script="Armn" typeface="Arial"/>
+        <a:font script="Bugi" typeface="Leelawadee UI"/>
+        <a:font script="Bopo" typeface="Microsoft JhengHei"/>
+        <a:font script="Java" typeface="Javanese Text"/>
+        <a:font script="Lisu" typeface="Segoe UI"/>
+        <a:font script="Mymr" typeface="Myanmar Text"/>
+        <a:font script="Nkoo" typeface="Ebrima"/>
+        <a:font script="Olck" typeface="Nirmala UI"/>
+        <a:font script="Osma" typeface="Ebrima"/>
+        <a:font script="Phag" typeface="Phagspa"/>
+        <a:font script="Syrn" typeface="Estrangelo Edessa"/>
+        <a:font script="Syrj" typeface="Estrangelo Edessa"/>
+        <a:font script="Syre" typeface="Estrangelo Edessa"/>
+        <a:font script="Sora" typeface="Nirmala UI"/>
+        <a:font script="Tale" typeface="Microsoft Tai Le"/>
+        <a:font script="Talu" typeface="Microsoft New Tai Lue"/>
+        <a:font script="Tfng" typeface="Ebrima"/>
+      </a:minorFont>
+    </a:fontScheme>
+    <a:fmtScheme name="Office">
+      <a:fillStyleLst>
+        <a:solidFill>
+          <a:schemeClr val="phClr"/>
+        </a:solidFill>
+        <a:gradFill rotWithShape="1">
+          <a:gsLst>
+            <a:gs pos="0">
+              <a:schemeClr val="phClr">
+                <a:lumMod val="110000"/>
+                <a:satMod val="105000"/>
+                <a:tint val="67000"/>
+              </a:schemeClr>
+            </a:gs>
+            <a:gs pos="50000">
+              <a:schemeClr val="phClr">
+                <a:lumMod val="105000"/>
+                <a:satMod val="103000"/>
+                <a:tint val="73000"/>
+              </a:schemeClr>
+            </a:gs>
+            <a:gs pos="100000">
+              <a:schemeClr val="phClr">
+                <a:lumMod val="105000"/>
+                <a:satMod val="109000"/>
+                <a:tint val="81000"/>
+              </a:schemeClr>
+            </a:gs>
+          </a:gsLst>
+          <a:lin ang="5400000" scaled="0"/>
+        </a:gradFill>
+        <a:gradFill rotWithShape="1">
+          <a:gsLst>
+            <a:gs pos="0">
+              <a:schemeClr val="phClr">
+                <a:satMod val="103000"/>
+                <a:lumMod val="102000"/>
+                <a:tint val="94000"/>
+              </a:schemeClr>
+            </a:gs>
+            <a:gs pos="50000">
+              <a:schemeClr val="phClr">
+                <a:satMod val="110000"/>
+                <a:lumMod val="100000"/>
+                <a:shade val="100000"/>
+              </a:schemeClr>
+            </a:gs>
+            <a:gs pos="100000">
+              <a:schemeClr val="phClr">
+                <a:lumMod val="99000"/>
+                <a:satMod val="120000"/>
+                <a:shade val="78000"/>
+              </a:schemeClr>
+            </a:gs>
+          </a:gsLst>
+          <a:lin ang="5400000" scaled="0"/>
+        </a:gradFill>
+      </a:fillStyleLst>
+      <a:lnStyleLst>
+        <a:ln w="6350" cap="flat" cmpd="sng" algn="ctr">
+          <a:solidFill>
+            <a:schemeClr val="phClr"/>
+          </a:solidFill>
+          <a:prstDash val="solid"/>
+          <a:miter lim="800000"/>
+        </a:ln>
+        <a:ln w="12700" cap="flat" cmpd="sng" algn="ctr">
+          <a:solidFill>
+            <a:schemeClr val="phClr"/>
+          </a:solidFill>
+          <a:prstDash val="solid"/>
+          <a:miter lim="800000"/>
+        </a:ln>
+        <a:ln w="19050" cap="flat" cmpd="sng" algn="ctr">
+          <a:solidFill>
+            <a:schemeClr val="phClr"/>
+          </a:solidFill>
+          <a:prstDash val="solid"/>
+          <a:miter lim="800000"/>
+        </a:ln>
+      </a:lnStyleLst>
+      <a:effectStyleLst>
+        <a:effectStyle>
+          <a:effectLst/>
+        </a:effectStyle>
+        <a:effectStyle>
+          <a:effectLst/>
+        </a:effectStyle>
+        <a:effectStyle>
+          <a:effectLst>
+            <a:outerShdw blurRad="57150" dist="19050" dir="5400000" algn="ctr" rotWithShape="0">
+              <a:srgbClr val="000000">
+                <a:alpha val="63000"/>
+              </a:srgbClr>
+            </a:outerShdw>
+          </a:effectLst>
+        </a:effectStyle>
+      </a:effectStyleLst>
+      <a:bgFillStyleLst>
+        <a:solidFill>
+          <a:schemeClr val="phClr"/>
+        </a:solidFill>
+        <a:solidFill>
+          <a:schemeClr val="phClr">
+            <a:tint val="95000"/>
+            <a:satMod val="170000"/>
+          </a:schemeClr>
+        </a:solidFill>
+        <a:gradFill rotWithShape="1">
+          <a:gsLst>
+            <a:gs pos="0">
+              <a:schemeClr val="phClr">
+                <a:tint val="93000"/>
+                <a:satMod val="150000"/>
+                <a:shade val="98000"/>
+                <a:lumMod val="102000"/>
+              </a:schemeClr>
+            </a:gs>
+            <a:gs pos="50000">
+              <a:schemeClr val="phClr">
+                <a:tint val="98000"/>
+                <a:satMod val="130000"/>
+                <a:shade val="90000"/>
+                <a:lumMod val="103000"/>
+              </a:schemeClr>
+            </a:gs>
+            <a:gs pos="100000">
+              <a:schemeClr val="phClr">
+                <a:shade val="63000"/>
+                <a:satMod val="120000"/>
+              </a:schemeClr>
+            </a:gs>
+          </a:gsLst>
+          <a:lin ang="5400000" scaled="0"/>
+        </a:gradFill>
+      </a:bgFillStyleLst>
+    </a:fmtScheme>
+  </a:themeElements>
+  <a:objectDefaults/>
+  <a:extraClrSchemeLst/>
+  <a:extLst>
+    <a:ext uri="{05A4C25C-085E-4340-85A3-A5531E510DB2}">
+      <thm15:themeFamily xmlns:thm15="http://schemas.microsoft.com/office/thememl/2012/main" name="Office Theme" id="{62F939B6-93AF-4DB8-9C6B-D6C7DFDC589F}" vid="{4A3C46E8-61CC-4603-A589-7422A47A8E4A}"/>
+    </a:ext>
+  </a:extLst>
+</a:theme>
 </file>